--- a/DataStructuresAndAlgorithms/Lecture 03 - Linked Lists and Hash Table/Lecture 03 - Linked Lists and Hash Table.pptx
+++ b/DataStructuresAndAlgorithms/Lecture 03 - Linked Lists and Hash Table/Lecture 03 - Linked Lists and Hash Table.pptx
@@ -395,7 +395,7 @@
             <a:pPr indent="0" algn="r">
               <a:buNone/>
             </a:pPr>
-            <a:fld id="{9F789E43-FB10-4422-9860-7AC0BA16C281}" type="slidenum">
+            <a:fld id="{57395271-E2F0-45F3-8FF6-47BA333D39E9}" type="slidenum">
               <a:rPr b="0" lang="en-US" sz="1400" spc="-1" strike="noStrike">
                 <a:solidFill>
                   <a:srgbClr val="000000"/>
@@ -449,7 +449,7 @@
         <p:spPr>
           <a:xfrm>
             <a:off x="1376280" y="1336680"/>
-            <a:ext cx="4799520" cy="3599640"/>
+            <a:ext cx="4799160" cy="3599280"/>
           </a:xfrm>
           <a:prstGeom prst="rect">
             <a:avLst/>
@@ -472,7 +472,7 @@
         <p:spPr>
           <a:xfrm>
             <a:off x="756000" y="5145120"/>
-            <a:ext cx="6039000" cy="4201200"/>
+            <a:ext cx="6038640" cy="4200840"/>
           </a:xfrm>
           <a:prstGeom prst="rect">
             <a:avLst/>
@@ -508,7 +508,7 @@
         <p:spPr>
           <a:xfrm>
             <a:off x="0" y="10155240"/>
-            <a:ext cx="3267360" cy="527760"/>
+            <a:ext cx="3267000" cy="527400"/>
           </a:xfrm>
           <a:prstGeom prst="rect">
             <a:avLst/>
@@ -588,7 +588,7 @@
         <p:spPr>
           <a:xfrm>
             <a:off x="1376280" y="1336680"/>
-            <a:ext cx="4799520" cy="3599640"/>
+            <a:ext cx="4799160" cy="3599280"/>
           </a:xfrm>
           <a:prstGeom prst="rect">
             <a:avLst/>
@@ -611,7 +611,7 @@
         <p:spPr>
           <a:xfrm>
             <a:off x="756000" y="5145120"/>
-            <a:ext cx="6039000" cy="4201200"/>
+            <a:ext cx="6038640" cy="4200840"/>
           </a:xfrm>
           <a:prstGeom prst="rect">
             <a:avLst/>
@@ -647,7 +647,7 @@
         <p:spPr>
           <a:xfrm>
             <a:off x="0" y="10155240"/>
-            <a:ext cx="3267360" cy="527760"/>
+            <a:ext cx="3267000" cy="527400"/>
           </a:xfrm>
           <a:prstGeom prst="rect">
             <a:avLst/>
@@ -727,7 +727,7 @@
         <p:spPr>
           <a:xfrm>
             <a:off x="1376280" y="1336680"/>
-            <a:ext cx="4799520" cy="3599640"/>
+            <a:ext cx="4799160" cy="3599280"/>
           </a:xfrm>
           <a:prstGeom prst="rect">
             <a:avLst/>
@@ -750,7 +750,7 @@
         <p:spPr>
           <a:xfrm>
             <a:off x="756000" y="5145120"/>
-            <a:ext cx="6039000" cy="4201200"/>
+            <a:ext cx="6038640" cy="4200840"/>
           </a:xfrm>
           <a:prstGeom prst="rect">
             <a:avLst/>
@@ -786,7 +786,7 @@
         <p:spPr>
           <a:xfrm>
             <a:off x="0" y="10155240"/>
-            <a:ext cx="3267360" cy="527760"/>
+            <a:ext cx="3267000" cy="527400"/>
           </a:xfrm>
           <a:prstGeom prst="rect">
             <a:avLst/>
@@ -866,7 +866,7 @@
         <p:spPr>
           <a:xfrm>
             <a:off x="1376280" y="1336680"/>
-            <a:ext cx="4799520" cy="3599640"/>
+            <a:ext cx="4799160" cy="3599280"/>
           </a:xfrm>
           <a:prstGeom prst="rect">
             <a:avLst/>
@@ -889,7 +889,7 @@
         <p:spPr>
           <a:xfrm>
             <a:off x="756000" y="5145120"/>
-            <a:ext cx="6039000" cy="4201200"/>
+            <a:ext cx="6038640" cy="4200840"/>
           </a:xfrm>
           <a:prstGeom prst="rect">
             <a:avLst/>
@@ -925,7 +925,7 @@
         <p:spPr>
           <a:xfrm>
             <a:off x="0" y="10155240"/>
-            <a:ext cx="3267360" cy="527760"/>
+            <a:ext cx="3267000" cy="527400"/>
           </a:xfrm>
           <a:prstGeom prst="rect">
             <a:avLst/>
@@ -1005,7 +1005,7 @@
         <p:spPr>
           <a:xfrm>
             <a:off x="1376280" y="1336680"/>
-            <a:ext cx="4799520" cy="3599640"/>
+            <a:ext cx="4799160" cy="3599280"/>
           </a:xfrm>
           <a:prstGeom prst="rect">
             <a:avLst/>
@@ -1028,7 +1028,7 @@
         <p:spPr>
           <a:xfrm>
             <a:off x="756000" y="5145120"/>
-            <a:ext cx="6039000" cy="4201200"/>
+            <a:ext cx="6038640" cy="4200840"/>
           </a:xfrm>
           <a:prstGeom prst="rect">
             <a:avLst/>
@@ -1064,7 +1064,7 @@
         <p:spPr>
           <a:xfrm>
             <a:off x="0" y="10155240"/>
-            <a:ext cx="3267360" cy="527760"/>
+            <a:ext cx="3267000" cy="527400"/>
           </a:xfrm>
           <a:prstGeom prst="rect">
             <a:avLst/>
@@ -1144,7 +1144,7 @@
         <p:spPr>
           <a:xfrm>
             <a:off x="1376280" y="1336680"/>
-            <a:ext cx="4799520" cy="3599640"/>
+            <a:ext cx="4799160" cy="3599280"/>
           </a:xfrm>
           <a:prstGeom prst="rect">
             <a:avLst/>
@@ -1167,7 +1167,7 @@
         <p:spPr>
           <a:xfrm>
             <a:off x="756000" y="5145120"/>
-            <a:ext cx="6039000" cy="4201200"/>
+            <a:ext cx="6038640" cy="4200840"/>
           </a:xfrm>
           <a:prstGeom prst="rect">
             <a:avLst/>
@@ -1203,7 +1203,7 @@
         <p:spPr>
           <a:xfrm>
             <a:off x="0" y="10155240"/>
-            <a:ext cx="3267360" cy="527760"/>
+            <a:ext cx="3267000" cy="527400"/>
           </a:xfrm>
           <a:prstGeom prst="rect">
             <a:avLst/>
@@ -1283,7 +1283,7 @@
         <p:spPr>
           <a:xfrm>
             <a:off x="1376280" y="1336680"/>
-            <a:ext cx="4799520" cy="3599640"/>
+            <a:ext cx="4799160" cy="3599280"/>
           </a:xfrm>
           <a:prstGeom prst="rect">
             <a:avLst/>
@@ -1306,7 +1306,7 @@
         <p:spPr>
           <a:xfrm>
             <a:off x="756000" y="5145120"/>
-            <a:ext cx="6039000" cy="4201200"/>
+            <a:ext cx="6038640" cy="4200840"/>
           </a:xfrm>
           <a:prstGeom prst="rect">
             <a:avLst/>
@@ -1342,7 +1342,7 @@
         <p:spPr>
           <a:xfrm>
             <a:off x="0" y="10155240"/>
-            <a:ext cx="3267360" cy="527760"/>
+            <a:ext cx="3267000" cy="527400"/>
           </a:xfrm>
           <a:prstGeom prst="rect">
             <a:avLst/>
@@ -1422,7 +1422,7 @@
         <p:spPr>
           <a:xfrm>
             <a:off x="1376280" y="1336680"/>
-            <a:ext cx="4799520" cy="3599640"/>
+            <a:ext cx="4799160" cy="3599280"/>
           </a:xfrm>
           <a:prstGeom prst="rect">
             <a:avLst/>
@@ -1445,7 +1445,7 @@
         <p:spPr>
           <a:xfrm>
             <a:off x="756000" y="5145120"/>
-            <a:ext cx="6039000" cy="4201200"/>
+            <a:ext cx="6038640" cy="4200840"/>
           </a:xfrm>
           <a:prstGeom prst="rect">
             <a:avLst/>
@@ -1481,7 +1481,7 @@
         <p:spPr>
           <a:xfrm>
             <a:off x="0" y="10155240"/>
-            <a:ext cx="3267360" cy="527760"/>
+            <a:ext cx="3267000" cy="527400"/>
           </a:xfrm>
           <a:prstGeom prst="rect">
             <a:avLst/>
@@ -1561,7 +1561,7 @@
         <p:spPr>
           <a:xfrm>
             <a:off x="1376280" y="1336680"/>
-            <a:ext cx="4799520" cy="3599640"/>
+            <a:ext cx="4799160" cy="3599280"/>
           </a:xfrm>
           <a:prstGeom prst="rect">
             <a:avLst/>
@@ -1584,7 +1584,7 @@
         <p:spPr>
           <a:xfrm>
             <a:off x="756000" y="5145120"/>
-            <a:ext cx="6039000" cy="4201200"/>
+            <a:ext cx="6038640" cy="4200840"/>
           </a:xfrm>
           <a:prstGeom prst="rect">
             <a:avLst/>
@@ -1620,7 +1620,7 @@
         <p:spPr>
           <a:xfrm>
             <a:off x="0" y="10155240"/>
-            <a:ext cx="3267360" cy="527760"/>
+            <a:ext cx="3267000" cy="527400"/>
           </a:xfrm>
           <a:prstGeom prst="rect">
             <a:avLst/>
@@ -1700,7 +1700,7 @@
         <p:spPr>
           <a:xfrm>
             <a:off x="1376280" y="1336680"/>
-            <a:ext cx="4799520" cy="3599640"/>
+            <a:ext cx="4799160" cy="3599280"/>
           </a:xfrm>
           <a:prstGeom prst="rect">
             <a:avLst/>
@@ -1723,7 +1723,7 @@
         <p:spPr>
           <a:xfrm>
             <a:off x="756000" y="5145120"/>
-            <a:ext cx="6039000" cy="4201200"/>
+            <a:ext cx="6038640" cy="4200840"/>
           </a:xfrm>
           <a:prstGeom prst="rect">
             <a:avLst/>
@@ -1759,7 +1759,7 @@
         <p:spPr>
           <a:xfrm>
             <a:off x="0" y="10155240"/>
-            <a:ext cx="3267360" cy="527760"/>
+            <a:ext cx="3267000" cy="527400"/>
           </a:xfrm>
           <a:prstGeom prst="rect">
             <a:avLst/>
@@ -1839,7 +1839,7 @@
         <p:spPr>
           <a:xfrm>
             <a:off x="1376280" y="1336680"/>
-            <a:ext cx="4799520" cy="3599640"/>
+            <a:ext cx="4799160" cy="3599280"/>
           </a:xfrm>
           <a:prstGeom prst="rect">
             <a:avLst/>
@@ -1862,7 +1862,7 @@
         <p:spPr>
           <a:xfrm>
             <a:off x="756000" y="5145120"/>
-            <a:ext cx="6039000" cy="4201200"/>
+            <a:ext cx="6038640" cy="4200840"/>
           </a:xfrm>
           <a:prstGeom prst="rect">
             <a:avLst/>
@@ -1898,7 +1898,7 @@
         <p:spPr>
           <a:xfrm>
             <a:off x="0" y="10155240"/>
-            <a:ext cx="3267360" cy="527760"/>
+            <a:ext cx="3267000" cy="527400"/>
           </a:xfrm>
           <a:prstGeom prst="rect">
             <a:avLst/>
@@ -1978,7 +1978,7 @@
         <p:spPr>
           <a:xfrm>
             <a:off x="1376280" y="1336680"/>
-            <a:ext cx="4799520" cy="3599640"/>
+            <a:ext cx="4799160" cy="3599280"/>
           </a:xfrm>
           <a:prstGeom prst="rect">
             <a:avLst/>
@@ -2001,7 +2001,7 @@
         <p:spPr>
           <a:xfrm>
             <a:off x="756000" y="5145120"/>
-            <a:ext cx="6039000" cy="4201200"/>
+            <a:ext cx="6038640" cy="4200840"/>
           </a:xfrm>
           <a:prstGeom prst="rect">
             <a:avLst/>
@@ -2037,7 +2037,7 @@
         <p:spPr>
           <a:xfrm>
             <a:off x="0" y="10155240"/>
-            <a:ext cx="3267360" cy="527760"/>
+            <a:ext cx="3267000" cy="527400"/>
           </a:xfrm>
           <a:prstGeom prst="rect">
             <a:avLst/>
@@ -2117,7 +2117,7 @@
         <p:spPr>
           <a:xfrm>
             <a:off x="1376280" y="1336680"/>
-            <a:ext cx="4799520" cy="3599640"/>
+            <a:ext cx="4799160" cy="3599280"/>
           </a:xfrm>
           <a:prstGeom prst="rect">
             <a:avLst/>
@@ -2140,7 +2140,7 @@
         <p:spPr>
           <a:xfrm>
             <a:off x="756000" y="5145120"/>
-            <a:ext cx="6039000" cy="4201200"/>
+            <a:ext cx="6038640" cy="4200840"/>
           </a:xfrm>
           <a:prstGeom prst="rect">
             <a:avLst/>
@@ -2176,7 +2176,7 @@
         <p:spPr>
           <a:xfrm>
             <a:off x="0" y="10155240"/>
-            <a:ext cx="3267360" cy="527760"/>
+            <a:ext cx="3267000" cy="527400"/>
           </a:xfrm>
           <a:prstGeom prst="rect">
             <a:avLst/>
@@ -2256,7 +2256,7 @@
         <p:spPr>
           <a:xfrm>
             <a:off x="1376280" y="1336680"/>
-            <a:ext cx="4799520" cy="3599640"/>
+            <a:ext cx="4799160" cy="3599280"/>
           </a:xfrm>
           <a:prstGeom prst="rect">
             <a:avLst/>
@@ -2279,7 +2279,7 @@
         <p:spPr>
           <a:xfrm>
             <a:off x="756000" y="5145120"/>
-            <a:ext cx="6039000" cy="4201200"/>
+            <a:ext cx="6038640" cy="4200840"/>
           </a:xfrm>
           <a:prstGeom prst="rect">
             <a:avLst/>
@@ -2315,7 +2315,7 @@
         <p:spPr>
           <a:xfrm>
             <a:off x="0" y="10155240"/>
-            <a:ext cx="3267360" cy="527760"/>
+            <a:ext cx="3267000" cy="527400"/>
           </a:xfrm>
           <a:prstGeom prst="rect">
             <a:avLst/>
@@ -2395,7 +2395,7 @@
         <p:spPr>
           <a:xfrm>
             <a:off x="1376280" y="1336680"/>
-            <a:ext cx="4799520" cy="3599640"/>
+            <a:ext cx="4799160" cy="3599280"/>
           </a:xfrm>
           <a:prstGeom prst="rect">
             <a:avLst/>
@@ -2418,7 +2418,7 @@
         <p:spPr>
           <a:xfrm>
             <a:off x="756000" y="5145120"/>
-            <a:ext cx="6039000" cy="4201200"/>
+            <a:ext cx="6038640" cy="4200840"/>
           </a:xfrm>
           <a:prstGeom prst="rect">
             <a:avLst/>
@@ -2454,7 +2454,7 @@
         <p:spPr>
           <a:xfrm>
             <a:off x="0" y="10155240"/>
-            <a:ext cx="3267360" cy="527760"/>
+            <a:ext cx="3267000" cy="527400"/>
           </a:xfrm>
           <a:prstGeom prst="rect">
             <a:avLst/>
@@ -2534,7 +2534,7 @@
         <p:spPr>
           <a:xfrm>
             <a:off x="1376280" y="1336680"/>
-            <a:ext cx="4800600" cy="3600720"/>
+            <a:ext cx="4800240" cy="3600360"/>
           </a:xfrm>
           <a:prstGeom prst="rect">
             <a:avLst/>
@@ -2557,7 +2557,7 @@
         <p:spPr>
           <a:xfrm>
             <a:off x="756000" y="5145120"/>
-            <a:ext cx="6040080" cy="4202280"/>
+            <a:ext cx="6039720" cy="4201920"/>
           </a:xfrm>
           <a:prstGeom prst="rect">
             <a:avLst/>
@@ -2593,7 +2593,7 @@
         <p:spPr>
           <a:xfrm>
             <a:off x="0" y="10155240"/>
-            <a:ext cx="3268440" cy="528840"/>
+            <a:ext cx="3268080" cy="528480"/>
           </a:xfrm>
           <a:prstGeom prst="rect">
             <a:avLst/>
@@ -2673,7 +2673,7 @@
         <p:spPr>
           <a:xfrm>
             <a:off x="1376280" y="1336680"/>
-            <a:ext cx="4800600" cy="3600720"/>
+            <a:ext cx="4800240" cy="3600360"/>
           </a:xfrm>
           <a:prstGeom prst="rect">
             <a:avLst/>
@@ -2696,7 +2696,7 @@
         <p:spPr>
           <a:xfrm>
             <a:off x="756000" y="5145120"/>
-            <a:ext cx="6040080" cy="4202280"/>
+            <a:ext cx="6039720" cy="4201920"/>
           </a:xfrm>
           <a:prstGeom prst="rect">
             <a:avLst/>
@@ -2732,7 +2732,7 @@
         <p:spPr>
           <a:xfrm>
             <a:off x="0" y="10155240"/>
-            <a:ext cx="3268440" cy="528840"/>
+            <a:ext cx="3268080" cy="528480"/>
           </a:xfrm>
           <a:prstGeom prst="rect">
             <a:avLst/>
@@ -2812,7 +2812,7 @@
         <p:spPr>
           <a:xfrm>
             <a:off x="1376280" y="1336680"/>
-            <a:ext cx="4800600" cy="3600720"/>
+            <a:ext cx="4800240" cy="3600360"/>
           </a:xfrm>
           <a:prstGeom prst="rect">
             <a:avLst/>
@@ -2835,7 +2835,7 @@
         <p:spPr>
           <a:xfrm>
             <a:off x="756000" y="5145120"/>
-            <a:ext cx="6040080" cy="4202280"/>
+            <a:ext cx="6039720" cy="4201920"/>
           </a:xfrm>
           <a:prstGeom prst="rect">
             <a:avLst/>
@@ -2871,7 +2871,7 @@
         <p:spPr>
           <a:xfrm>
             <a:off x="0" y="10155240"/>
-            <a:ext cx="3268440" cy="528840"/>
+            <a:ext cx="3268080" cy="528480"/>
           </a:xfrm>
           <a:prstGeom prst="rect">
             <a:avLst/>
@@ -2951,7 +2951,7 @@
         <p:spPr>
           <a:xfrm>
             <a:off x="1376280" y="1336680"/>
-            <a:ext cx="4800600" cy="3600720"/>
+            <a:ext cx="4800240" cy="3600360"/>
           </a:xfrm>
           <a:prstGeom prst="rect">
             <a:avLst/>
@@ -2974,7 +2974,7 @@
         <p:spPr>
           <a:xfrm>
             <a:off x="756000" y="5145120"/>
-            <a:ext cx="6040080" cy="4202280"/>
+            <a:ext cx="6039720" cy="4201920"/>
           </a:xfrm>
           <a:prstGeom prst="rect">
             <a:avLst/>
@@ -3010,7 +3010,7 @@
         <p:spPr>
           <a:xfrm>
             <a:off x="0" y="10155240"/>
-            <a:ext cx="3268440" cy="528840"/>
+            <a:ext cx="3268080" cy="528480"/>
           </a:xfrm>
           <a:prstGeom prst="rect">
             <a:avLst/>
@@ -3090,7 +3090,7 @@
         <p:spPr>
           <a:xfrm>
             <a:off x="1376280" y="1336680"/>
-            <a:ext cx="4800600" cy="3600720"/>
+            <a:ext cx="4800240" cy="3600360"/>
           </a:xfrm>
           <a:prstGeom prst="rect">
             <a:avLst/>
@@ -3113,7 +3113,7 @@
         <p:spPr>
           <a:xfrm>
             <a:off x="756000" y="5145120"/>
-            <a:ext cx="6040080" cy="4202280"/>
+            <a:ext cx="6039720" cy="4201920"/>
           </a:xfrm>
           <a:prstGeom prst="rect">
             <a:avLst/>
@@ -3149,7 +3149,7 @@
         <p:spPr>
           <a:xfrm>
             <a:off x="0" y="10155240"/>
-            <a:ext cx="3268440" cy="528840"/>
+            <a:ext cx="3268080" cy="528480"/>
           </a:xfrm>
           <a:prstGeom prst="rect">
             <a:avLst/>
@@ -3229,7 +3229,7 @@
         <p:spPr>
           <a:xfrm>
             <a:off x="1376280" y="1336680"/>
-            <a:ext cx="4800600" cy="3600720"/>
+            <a:ext cx="4800240" cy="3600360"/>
           </a:xfrm>
           <a:prstGeom prst="rect">
             <a:avLst/>
@@ -3252,7 +3252,7 @@
         <p:spPr>
           <a:xfrm>
             <a:off x="756000" y="5145120"/>
-            <a:ext cx="6040080" cy="4202280"/>
+            <a:ext cx="6039720" cy="4201920"/>
           </a:xfrm>
           <a:prstGeom prst="rect">
             <a:avLst/>
@@ -3288,7 +3288,7 @@
         <p:spPr>
           <a:xfrm>
             <a:off x="0" y="10155240"/>
-            <a:ext cx="3268440" cy="528840"/>
+            <a:ext cx="3268080" cy="528480"/>
           </a:xfrm>
           <a:prstGeom prst="rect">
             <a:avLst/>
@@ -3368,7 +3368,7 @@
         <p:spPr>
           <a:xfrm>
             <a:off x="1376280" y="1336680"/>
-            <a:ext cx="4800600" cy="3600720"/>
+            <a:ext cx="4800240" cy="3600360"/>
           </a:xfrm>
           <a:prstGeom prst="rect">
             <a:avLst/>
@@ -3391,7 +3391,7 @@
         <p:spPr>
           <a:xfrm>
             <a:off x="756000" y="5145120"/>
-            <a:ext cx="6040080" cy="4202280"/>
+            <a:ext cx="6039720" cy="4201920"/>
           </a:xfrm>
           <a:prstGeom prst="rect">
             <a:avLst/>
@@ -3427,7 +3427,7 @@
         <p:spPr>
           <a:xfrm>
             <a:off x="0" y="10155240"/>
-            <a:ext cx="3268440" cy="528840"/>
+            <a:ext cx="3268080" cy="528480"/>
           </a:xfrm>
           <a:prstGeom prst="rect">
             <a:avLst/>
@@ -3507,7 +3507,7 @@
         <p:spPr>
           <a:xfrm>
             <a:off x="1376280" y="1336680"/>
-            <a:ext cx="4799520" cy="3599640"/>
+            <a:ext cx="4799160" cy="3599280"/>
           </a:xfrm>
           <a:prstGeom prst="rect">
             <a:avLst/>
@@ -3530,7 +3530,7 @@
         <p:spPr>
           <a:xfrm>
             <a:off x="756000" y="5145120"/>
-            <a:ext cx="6039000" cy="4201200"/>
+            <a:ext cx="6038640" cy="4200840"/>
           </a:xfrm>
           <a:prstGeom prst="rect">
             <a:avLst/>
@@ -3566,7 +3566,7 @@
         <p:spPr>
           <a:xfrm>
             <a:off x="0" y="10155240"/>
-            <a:ext cx="3267360" cy="527760"/>
+            <a:ext cx="3267000" cy="527400"/>
           </a:xfrm>
           <a:prstGeom prst="rect">
             <a:avLst/>
@@ -3646,7 +3646,7 @@
         <p:spPr>
           <a:xfrm>
             <a:off x="1376280" y="1336680"/>
-            <a:ext cx="4799520" cy="3599640"/>
+            <a:ext cx="4799160" cy="3599280"/>
           </a:xfrm>
           <a:prstGeom prst="rect">
             <a:avLst/>
@@ -3669,7 +3669,7 @@
         <p:spPr>
           <a:xfrm>
             <a:off x="756000" y="5145120"/>
-            <a:ext cx="6039000" cy="4201200"/>
+            <a:ext cx="6038640" cy="4200840"/>
           </a:xfrm>
           <a:prstGeom prst="rect">
             <a:avLst/>
@@ -3705,7 +3705,7 @@
         <p:spPr>
           <a:xfrm>
             <a:off x="0" y="10155240"/>
-            <a:ext cx="3267360" cy="527760"/>
+            <a:ext cx="3267000" cy="527400"/>
           </a:xfrm>
           <a:prstGeom prst="rect">
             <a:avLst/>
@@ -3785,7 +3785,7 @@
         <p:spPr>
           <a:xfrm>
             <a:off x="1376280" y="1336680"/>
-            <a:ext cx="4799520" cy="3599640"/>
+            <a:ext cx="4799160" cy="3599280"/>
           </a:xfrm>
           <a:prstGeom prst="rect">
             <a:avLst/>
@@ -3808,7 +3808,7 @@
         <p:spPr>
           <a:xfrm>
             <a:off x="756000" y="5145120"/>
-            <a:ext cx="6039000" cy="4201200"/>
+            <a:ext cx="6038640" cy="4200840"/>
           </a:xfrm>
           <a:prstGeom prst="rect">
             <a:avLst/>
@@ -3844,7 +3844,7 @@
         <p:spPr>
           <a:xfrm>
             <a:off x="0" y="10155240"/>
-            <a:ext cx="3267360" cy="527760"/>
+            <a:ext cx="3267000" cy="527400"/>
           </a:xfrm>
           <a:prstGeom prst="rect">
             <a:avLst/>
@@ -3924,7 +3924,7 @@
         <p:spPr>
           <a:xfrm>
             <a:off x="1376280" y="1336680"/>
-            <a:ext cx="4799520" cy="3599640"/>
+            <a:ext cx="4799160" cy="3599280"/>
           </a:xfrm>
           <a:prstGeom prst="rect">
             <a:avLst/>
@@ -3947,7 +3947,7 @@
         <p:spPr>
           <a:xfrm>
             <a:off x="756000" y="5145120"/>
-            <a:ext cx="6039000" cy="4201200"/>
+            <a:ext cx="6038640" cy="4200840"/>
           </a:xfrm>
           <a:prstGeom prst="rect">
             <a:avLst/>
@@ -3983,7 +3983,7 @@
         <p:spPr>
           <a:xfrm>
             <a:off x="0" y="10155240"/>
-            <a:ext cx="3267360" cy="527760"/>
+            <a:ext cx="3267000" cy="527400"/>
           </a:xfrm>
           <a:prstGeom prst="rect">
             <a:avLst/>
@@ -4063,7 +4063,7 @@
         <p:spPr>
           <a:xfrm>
             <a:off x="1376280" y="1336680"/>
-            <a:ext cx="4799520" cy="3599640"/>
+            <a:ext cx="4799160" cy="3599280"/>
           </a:xfrm>
           <a:prstGeom prst="rect">
             <a:avLst/>
@@ -4086,7 +4086,7 @@
         <p:spPr>
           <a:xfrm>
             <a:off x="756000" y="5145120"/>
-            <a:ext cx="6039000" cy="4201200"/>
+            <a:ext cx="6038640" cy="4200840"/>
           </a:xfrm>
           <a:prstGeom prst="rect">
             <a:avLst/>
@@ -4122,7 +4122,7 @@
         <p:spPr>
           <a:xfrm>
             <a:off x="0" y="10155240"/>
-            <a:ext cx="3267360" cy="527760"/>
+            <a:ext cx="3267000" cy="527400"/>
           </a:xfrm>
           <a:prstGeom prst="rect">
             <a:avLst/>
@@ -4202,7 +4202,7 @@
         <p:spPr>
           <a:xfrm>
             <a:off x="1376280" y="1336680"/>
-            <a:ext cx="4799520" cy="3599640"/>
+            <a:ext cx="4799160" cy="3599280"/>
           </a:xfrm>
           <a:prstGeom prst="rect">
             <a:avLst/>
@@ -4225,7 +4225,7 @@
         <p:spPr>
           <a:xfrm>
             <a:off x="756000" y="5145120"/>
-            <a:ext cx="6039000" cy="4201200"/>
+            <a:ext cx="6038640" cy="4200840"/>
           </a:xfrm>
           <a:prstGeom prst="rect">
             <a:avLst/>
@@ -4261,7 +4261,7 @@
         <p:spPr>
           <a:xfrm>
             <a:off x="0" y="10155240"/>
-            <a:ext cx="3267360" cy="527760"/>
+            <a:ext cx="3267000" cy="527400"/>
           </a:xfrm>
           <a:prstGeom prst="rect">
             <a:avLst/>
@@ -4341,7 +4341,7 @@
         <p:spPr>
           <a:xfrm>
             <a:off x="1376280" y="1336680"/>
-            <a:ext cx="4799520" cy="3599640"/>
+            <a:ext cx="4799160" cy="3599280"/>
           </a:xfrm>
           <a:prstGeom prst="rect">
             <a:avLst/>
@@ -4364,7 +4364,7 @@
         <p:spPr>
           <a:xfrm>
             <a:off x="756000" y="5145120"/>
-            <a:ext cx="6039000" cy="4201200"/>
+            <a:ext cx="6038640" cy="4200840"/>
           </a:xfrm>
           <a:prstGeom prst="rect">
             <a:avLst/>
@@ -4400,7 +4400,7 @@
         <p:spPr>
           <a:xfrm>
             <a:off x="0" y="10155240"/>
-            <a:ext cx="3267360" cy="527760"/>
+            <a:ext cx="3267000" cy="527400"/>
           </a:xfrm>
           <a:prstGeom prst="rect">
             <a:avLst/>
@@ -4480,7 +4480,7 @@
         <p:spPr>
           <a:xfrm>
             <a:off x="1376280" y="1336680"/>
-            <a:ext cx="4799520" cy="3599640"/>
+            <a:ext cx="4799160" cy="3599280"/>
           </a:xfrm>
           <a:prstGeom prst="rect">
             <a:avLst/>
@@ -4503,7 +4503,7 @@
         <p:spPr>
           <a:xfrm>
             <a:off x="756000" y="5145120"/>
-            <a:ext cx="6039000" cy="4201200"/>
+            <a:ext cx="6038640" cy="4200840"/>
           </a:xfrm>
           <a:prstGeom prst="rect">
             <a:avLst/>
@@ -4539,7 +4539,7 @@
         <p:spPr>
           <a:xfrm>
             <a:off x="0" y="10155240"/>
-            <a:ext cx="3267360" cy="527760"/>
+            <a:ext cx="3267000" cy="527400"/>
           </a:xfrm>
           <a:prstGeom prst="rect">
             <a:avLst/>
@@ -7592,7 +7592,7 @@
         <p:spPr>
           <a:xfrm>
             <a:off x="0" y="3150000"/>
-            <a:ext cx="9711360" cy="1251360"/>
+            <a:ext cx="9711000" cy="1251000"/>
           </a:xfrm>
           <a:prstGeom prst="rect">
             <a:avLst/>
@@ -8396,7 +8396,7 @@
         <p:spPr>
           <a:xfrm>
             <a:off x="0" y="3150000"/>
-            <a:ext cx="9711360" cy="1251360"/>
+            <a:ext cx="9711000" cy="1251000"/>
           </a:xfrm>
           <a:prstGeom prst="rect">
             <a:avLst/>
@@ -8476,7 +8476,7 @@
         <p:spPr>
           <a:xfrm>
             <a:off x="0" y="3150000"/>
-            <a:ext cx="9711360" cy="1251360"/>
+            <a:ext cx="9711000" cy="1251000"/>
           </a:xfrm>
           <a:prstGeom prst="rect">
             <a:avLst/>
@@ -9280,7 +9280,7 @@
         <p:spPr>
           <a:xfrm>
             <a:off x="0" y="3150000"/>
-            <a:ext cx="9711360" cy="1251360"/>
+            <a:ext cx="9711000" cy="1251000"/>
           </a:xfrm>
           <a:prstGeom prst="rect">
             <a:avLst/>
@@ -10084,7 +10084,7 @@
         <p:spPr>
           <a:xfrm>
             <a:off x="0" y="180000"/>
-            <a:ext cx="9711360" cy="1251360"/>
+            <a:ext cx="9711000" cy="1251000"/>
           </a:xfrm>
           <a:prstGeom prst="rect">
             <a:avLst/>
@@ -10131,7 +10131,7 @@
         <p:spPr>
           <a:xfrm>
             <a:off x="7560000" y="6840000"/>
-            <a:ext cx="2511360" cy="531360"/>
+            <a:ext cx="2511000" cy="531000"/>
           </a:xfrm>
           <a:prstGeom prst="rect">
             <a:avLst/>
@@ -10178,7 +10178,7 @@
         <p:spPr>
           <a:xfrm>
             <a:off x="900000" y="6840000"/>
-            <a:ext cx="6471360" cy="531360"/>
+            <a:ext cx="6471000" cy="531000"/>
           </a:xfrm>
           <a:prstGeom prst="rect">
             <a:avLst/>
@@ -10225,7 +10225,7 @@
         <p:spPr>
           <a:xfrm>
             <a:off x="180000" y="6840000"/>
-            <a:ext cx="531360" cy="531360"/>
+            <a:ext cx="531000" cy="531000"/>
           </a:xfrm>
           <a:prstGeom prst="rect">
             <a:avLst/>
@@ -11027,7 +11027,7 @@
         <p:spPr>
           <a:xfrm>
             <a:off x="0" y="180000"/>
-            <a:ext cx="9711360" cy="1251360"/>
+            <a:ext cx="9711000" cy="1251000"/>
           </a:xfrm>
           <a:prstGeom prst="rect">
             <a:avLst/>
@@ -11074,7 +11074,7 @@
         <p:spPr>
           <a:xfrm>
             <a:off x="7560000" y="6840000"/>
-            <a:ext cx="2511360" cy="531360"/>
+            <a:ext cx="2511000" cy="531000"/>
           </a:xfrm>
           <a:prstGeom prst="rect">
             <a:avLst/>
@@ -11121,7 +11121,7 @@
         <p:spPr>
           <a:xfrm>
             <a:off x="900000" y="6840000"/>
-            <a:ext cx="6471360" cy="531360"/>
+            <a:ext cx="6471000" cy="531000"/>
           </a:xfrm>
           <a:prstGeom prst="rect">
             <a:avLst/>
@@ -11168,7 +11168,7 @@
         <p:spPr>
           <a:xfrm>
             <a:off x="180000" y="6840000"/>
-            <a:ext cx="531360" cy="531360"/>
+            <a:ext cx="531000" cy="531000"/>
           </a:xfrm>
           <a:prstGeom prst="rect">
             <a:avLst/>
@@ -11520,7 +11520,7 @@
         <p:spPr>
           <a:xfrm>
             <a:off x="0" y="180000"/>
-            <a:ext cx="9711360" cy="1251360"/>
+            <a:ext cx="9711000" cy="1251000"/>
           </a:xfrm>
           <a:prstGeom prst="rect">
             <a:avLst/>
@@ -11567,7 +11567,7 @@
         <p:spPr>
           <a:xfrm>
             <a:off x="7560000" y="6840000"/>
-            <a:ext cx="2511360" cy="531360"/>
+            <a:ext cx="2511000" cy="531000"/>
           </a:xfrm>
           <a:prstGeom prst="rect">
             <a:avLst/>
@@ -11614,7 +11614,7 @@
         <p:spPr>
           <a:xfrm>
             <a:off x="900000" y="6840000"/>
-            <a:ext cx="6471360" cy="531360"/>
+            <a:ext cx="6471000" cy="531000"/>
           </a:xfrm>
           <a:prstGeom prst="rect">
             <a:avLst/>
@@ -11661,7 +11661,7 @@
         <p:spPr>
           <a:xfrm>
             <a:off x="180000" y="6840000"/>
-            <a:ext cx="531360" cy="531360"/>
+            <a:ext cx="531000" cy="531000"/>
           </a:xfrm>
           <a:prstGeom prst="rect">
             <a:avLst/>
@@ -12238,7 +12238,7 @@
         <p:spPr>
           <a:xfrm>
             <a:off x="0" y="180000"/>
-            <a:ext cx="9711360" cy="1251360"/>
+            <a:ext cx="9711000" cy="1251000"/>
           </a:xfrm>
           <a:prstGeom prst="rect">
             <a:avLst/>
@@ -12285,7 +12285,7 @@
         <p:spPr>
           <a:xfrm>
             <a:off x="7560000" y="6840000"/>
-            <a:ext cx="2511360" cy="531360"/>
+            <a:ext cx="2511000" cy="531000"/>
           </a:xfrm>
           <a:prstGeom prst="rect">
             <a:avLst/>
@@ -12332,7 +12332,7 @@
         <p:spPr>
           <a:xfrm>
             <a:off x="900000" y="6840000"/>
-            <a:ext cx="6471360" cy="531360"/>
+            <a:ext cx="6471000" cy="531000"/>
           </a:xfrm>
           <a:prstGeom prst="rect">
             <a:avLst/>
@@ -12379,7 +12379,7 @@
         <p:spPr>
           <a:xfrm>
             <a:off x="180000" y="6840000"/>
-            <a:ext cx="531360" cy="531360"/>
+            <a:ext cx="531000" cy="531000"/>
           </a:xfrm>
           <a:prstGeom prst="rect">
             <a:avLst/>
@@ -13406,7 +13406,7 @@
         <p:spPr>
           <a:xfrm>
             <a:off x="0" y="180000"/>
-            <a:ext cx="9711360" cy="1251360"/>
+            <a:ext cx="9711000" cy="1251000"/>
           </a:xfrm>
           <a:prstGeom prst="rect">
             <a:avLst/>
@@ -13453,7 +13453,7 @@
         <p:spPr>
           <a:xfrm>
             <a:off x="7560000" y="6840000"/>
-            <a:ext cx="2511360" cy="531360"/>
+            <a:ext cx="2511000" cy="531000"/>
           </a:xfrm>
           <a:prstGeom prst="rect">
             <a:avLst/>
@@ -13500,7 +13500,7 @@
         <p:spPr>
           <a:xfrm>
             <a:off x="900000" y="6840000"/>
-            <a:ext cx="6471360" cy="531360"/>
+            <a:ext cx="6471000" cy="531000"/>
           </a:xfrm>
           <a:prstGeom prst="rect">
             <a:avLst/>
@@ -13547,7 +13547,7 @@
         <p:spPr>
           <a:xfrm>
             <a:off x="180000" y="6840000"/>
-            <a:ext cx="531360" cy="531360"/>
+            <a:ext cx="531000" cy="531000"/>
           </a:xfrm>
           <a:prstGeom prst="rect">
             <a:avLst/>
@@ -13625,7 +13625,7 @@
         <p:spPr>
           <a:xfrm>
             <a:off x="0" y="180000"/>
-            <a:ext cx="9711360" cy="1251360"/>
+            <a:ext cx="9711000" cy="1251000"/>
           </a:xfrm>
           <a:prstGeom prst="rect">
             <a:avLst/>
@@ -13672,7 +13672,7 @@
         <p:spPr>
           <a:xfrm>
             <a:off x="7560000" y="6840000"/>
-            <a:ext cx="2511360" cy="531360"/>
+            <a:ext cx="2511000" cy="531000"/>
           </a:xfrm>
           <a:prstGeom prst="rect">
             <a:avLst/>
@@ -13719,7 +13719,7 @@
         <p:spPr>
           <a:xfrm>
             <a:off x="900000" y="6840000"/>
-            <a:ext cx="6471360" cy="531360"/>
+            <a:ext cx="6471000" cy="531000"/>
           </a:xfrm>
           <a:prstGeom prst="rect">
             <a:avLst/>
@@ -13766,7 +13766,7 @@
         <p:spPr>
           <a:xfrm>
             <a:off x="180000" y="6840000"/>
-            <a:ext cx="531360" cy="531360"/>
+            <a:ext cx="531000" cy="531000"/>
           </a:xfrm>
           <a:prstGeom prst="rect">
             <a:avLst/>
@@ -14118,7 +14118,7 @@
         <p:spPr>
           <a:xfrm>
             <a:off x="0" y="180000"/>
-            <a:ext cx="9711360" cy="1251360"/>
+            <a:ext cx="9711000" cy="1251000"/>
           </a:xfrm>
           <a:prstGeom prst="rect">
             <a:avLst/>
@@ -14165,7 +14165,7 @@
         <p:spPr>
           <a:xfrm>
             <a:off x="7560000" y="6840000"/>
-            <a:ext cx="2511360" cy="531360"/>
+            <a:ext cx="2511000" cy="531000"/>
           </a:xfrm>
           <a:prstGeom prst="rect">
             <a:avLst/>
@@ -14212,7 +14212,7 @@
         <p:spPr>
           <a:xfrm>
             <a:off x="900000" y="6840000"/>
-            <a:ext cx="6471360" cy="531360"/>
+            <a:ext cx="6471000" cy="531000"/>
           </a:xfrm>
           <a:prstGeom prst="rect">
             <a:avLst/>
@@ -14259,7 +14259,7 @@
         <p:spPr>
           <a:xfrm>
             <a:off x="180000" y="6840000"/>
-            <a:ext cx="531360" cy="531360"/>
+            <a:ext cx="531000" cy="531000"/>
           </a:xfrm>
           <a:prstGeom prst="rect">
             <a:avLst/>
@@ -14611,7 +14611,7 @@
         <p:spPr>
           <a:xfrm>
             <a:off x="0" y="3150000"/>
-            <a:ext cx="9711360" cy="1251360"/>
+            <a:ext cx="9711000" cy="1251000"/>
           </a:xfrm>
           <a:prstGeom prst="rect">
             <a:avLst/>
@@ -15190,7 +15190,7 @@
         <p:spPr>
           <a:xfrm>
             <a:off x="0" y="180000"/>
-            <a:ext cx="9711360" cy="1251360"/>
+            <a:ext cx="9711000" cy="1251000"/>
           </a:xfrm>
           <a:prstGeom prst="rect">
             <a:avLst/>
@@ -15237,7 +15237,7 @@
         <p:spPr>
           <a:xfrm>
             <a:off x="7560000" y="6840000"/>
-            <a:ext cx="2511360" cy="531360"/>
+            <a:ext cx="2511000" cy="531000"/>
           </a:xfrm>
           <a:prstGeom prst="rect">
             <a:avLst/>
@@ -15284,7 +15284,7 @@
         <p:spPr>
           <a:xfrm>
             <a:off x="900000" y="6840000"/>
-            <a:ext cx="6471360" cy="531360"/>
+            <a:ext cx="6471000" cy="531000"/>
           </a:xfrm>
           <a:prstGeom prst="rect">
             <a:avLst/>
@@ -15331,7 +15331,7 @@
         <p:spPr>
           <a:xfrm>
             <a:off x="180000" y="6840000"/>
-            <a:ext cx="531360" cy="531360"/>
+            <a:ext cx="531000" cy="531000"/>
           </a:xfrm>
           <a:prstGeom prst="rect">
             <a:avLst/>
@@ -15683,7 +15683,7 @@
         <p:spPr>
           <a:xfrm>
             <a:off x="0" y="180000"/>
-            <a:ext cx="9711360" cy="1251360"/>
+            <a:ext cx="9711000" cy="1251000"/>
           </a:xfrm>
           <a:prstGeom prst="rect">
             <a:avLst/>
@@ -15730,7 +15730,7 @@
         <p:spPr>
           <a:xfrm>
             <a:off x="7560000" y="6840000"/>
-            <a:ext cx="2511360" cy="531360"/>
+            <a:ext cx="2511000" cy="531000"/>
           </a:xfrm>
           <a:prstGeom prst="rect">
             <a:avLst/>
@@ -15777,7 +15777,7 @@
         <p:spPr>
           <a:xfrm>
             <a:off x="900000" y="6840000"/>
-            <a:ext cx="6471360" cy="531360"/>
+            <a:ext cx="6471000" cy="531000"/>
           </a:xfrm>
           <a:prstGeom prst="rect">
             <a:avLst/>
@@ -15824,7 +15824,7 @@
         <p:spPr>
           <a:xfrm>
             <a:off x="180000" y="6840000"/>
-            <a:ext cx="531360" cy="531360"/>
+            <a:ext cx="531000" cy="531000"/>
           </a:xfrm>
           <a:prstGeom prst="rect">
             <a:avLst/>
@@ -16401,7 +16401,7 @@
         <p:spPr>
           <a:xfrm>
             <a:off x="0" y="180000"/>
-            <a:ext cx="9711360" cy="1251360"/>
+            <a:ext cx="9711000" cy="1251000"/>
           </a:xfrm>
           <a:prstGeom prst="rect">
             <a:avLst/>
@@ -16448,7 +16448,7 @@
         <p:spPr>
           <a:xfrm>
             <a:off x="7560000" y="6840000"/>
-            <a:ext cx="2511360" cy="531360"/>
+            <a:ext cx="2511000" cy="531000"/>
           </a:xfrm>
           <a:prstGeom prst="rect">
             <a:avLst/>
@@ -16495,7 +16495,7 @@
         <p:spPr>
           <a:xfrm>
             <a:off x="900000" y="6840000"/>
-            <a:ext cx="6471360" cy="531360"/>
+            <a:ext cx="6471000" cy="531000"/>
           </a:xfrm>
           <a:prstGeom prst="rect">
             <a:avLst/>
@@ -16542,7 +16542,7 @@
         <p:spPr>
           <a:xfrm>
             <a:off x="180000" y="6840000"/>
-            <a:ext cx="531360" cy="531360"/>
+            <a:ext cx="531000" cy="531000"/>
           </a:xfrm>
           <a:prstGeom prst="rect">
             <a:avLst/>
@@ -16669,7 +16669,7 @@
         <p:spPr>
           <a:xfrm>
             <a:off x="0" y="180000"/>
-            <a:ext cx="9711360" cy="1251360"/>
+            <a:ext cx="9711000" cy="1251000"/>
           </a:xfrm>
           <a:prstGeom prst="rect">
             <a:avLst/>
@@ -16716,7 +16716,7 @@
         <p:spPr>
           <a:xfrm>
             <a:off x="7560000" y="6840000"/>
-            <a:ext cx="2511360" cy="531360"/>
+            <a:ext cx="2511000" cy="531000"/>
           </a:xfrm>
           <a:prstGeom prst="rect">
             <a:avLst/>
@@ -16763,7 +16763,7 @@
         <p:spPr>
           <a:xfrm>
             <a:off x="900000" y="6840000"/>
-            <a:ext cx="6471360" cy="531360"/>
+            <a:ext cx="6471000" cy="531000"/>
           </a:xfrm>
           <a:prstGeom prst="rect">
             <a:avLst/>
@@ -16810,7 +16810,7 @@
         <p:spPr>
           <a:xfrm>
             <a:off x="180000" y="6840000"/>
-            <a:ext cx="531360" cy="531360"/>
+            <a:ext cx="531000" cy="531000"/>
           </a:xfrm>
           <a:prstGeom prst="rect">
             <a:avLst/>
@@ -16888,7 +16888,7 @@
         <p:spPr>
           <a:xfrm>
             <a:off x="0" y="180000"/>
-            <a:ext cx="9711360" cy="1251360"/>
+            <a:ext cx="9711000" cy="1251000"/>
           </a:xfrm>
           <a:prstGeom prst="rect">
             <a:avLst/>
@@ -16935,7 +16935,7 @@
         <p:spPr>
           <a:xfrm>
             <a:off x="7560000" y="6840000"/>
-            <a:ext cx="2511360" cy="531360"/>
+            <a:ext cx="2511000" cy="531000"/>
           </a:xfrm>
           <a:prstGeom prst="rect">
             <a:avLst/>
@@ -16982,7 +16982,7 @@
         <p:spPr>
           <a:xfrm>
             <a:off x="900000" y="6840000"/>
-            <a:ext cx="6471360" cy="531360"/>
+            <a:ext cx="6471000" cy="531000"/>
           </a:xfrm>
           <a:prstGeom prst="rect">
             <a:avLst/>
@@ -17029,7 +17029,7 @@
         <p:spPr>
           <a:xfrm>
             <a:off x="180000" y="6840000"/>
-            <a:ext cx="531360" cy="531360"/>
+            <a:ext cx="531000" cy="531000"/>
           </a:xfrm>
           <a:prstGeom prst="rect">
             <a:avLst/>
@@ -17831,7 +17831,7 @@
         <p:spPr>
           <a:xfrm>
             <a:off x="0" y="180000"/>
-            <a:ext cx="9711360" cy="1251360"/>
+            <a:ext cx="9711000" cy="1251000"/>
           </a:xfrm>
           <a:prstGeom prst="rect">
             <a:avLst/>
@@ -17878,7 +17878,7 @@
         <p:spPr>
           <a:xfrm>
             <a:off x="7560000" y="6840000"/>
-            <a:ext cx="2511360" cy="531360"/>
+            <a:ext cx="2511000" cy="531000"/>
           </a:xfrm>
           <a:prstGeom prst="rect">
             <a:avLst/>
@@ -17925,7 +17925,7 @@
         <p:spPr>
           <a:xfrm>
             <a:off x="900000" y="6840000"/>
-            <a:ext cx="6471360" cy="531360"/>
+            <a:ext cx="6471000" cy="531000"/>
           </a:xfrm>
           <a:prstGeom prst="rect">
             <a:avLst/>
@@ -17972,7 +17972,7 @@
         <p:spPr>
           <a:xfrm>
             <a:off x="180000" y="6840000"/>
-            <a:ext cx="531360" cy="531360"/>
+            <a:ext cx="531000" cy="531000"/>
           </a:xfrm>
           <a:prstGeom prst="rect">
             <a:avLst/>
@@ -18774,7 +18774,7 @@
         <p:spPr>
           <a:xfrm>
             <a:off x="0" y="3150000"/>
-            <a:ext cx="9712440" cy="1252440"/>
+            <a:ext cx="9712080" cy="1252080"/>
           </a:xfrm>
           <a:prstGeom prst="rect">
             <a:avLst/>
@@ -19128,7 +19128,7 @@
         <p:spPr>
           <a:xfrm>
             <a:off x="0" y="180000"/>
-            <a:ext cx="9711360" cy="1251360"/>
+            <a:ext cx="9711000" cy="1251000"/>
           </a:xfrm>
           <a:prstGeom prst="rect">
             <a:avLst/>
@@ -19175,7 +19175,7 @@
         <p:spPr>
           <a:xfrm>
             <a:off x="7560000" y="6840000"/>
-            <a:ext cx="2511360" cy="531360"/>
+            <a:ext cx="2511000" cy="531000"/>
           </a:xfrm>
           <a:prstGeom prst="rect">
             <a:avLst/>
@@ -19222,7 +19222,7 @@
         <p:spPr>
           <a:xfrm>
             <a:off x="900000" y="6840000"/>
-            <a:ext cx="6471360" cy="531360"/>
+            <a:ext cx="6471000" cy="531000"/>
           </a:xfrm>
           <a:prstGeom prst="rect">
             <a:avLst/>
@@ -19269,7 +19269,7 @@
         <p:spPr>
           <a:xfrm>
             <a:off x="180000" y="6840000"/>
-            <a:ext cx="531360" cy="531360"/>
+            <a:ext cx="531000" cy="531000"/>
           </a:xfrm>
           <a:prstGeom prst="rect">
             <a:avLst/>
@@ -19621,7 +19621,7 @@
         <p:spPr>
           <a:xfrm>
             <a:off x="0" y="180000"/>
-            <a:ext cx="9711360" cy="1251360"/>
+            <a:ext cx="9711000" cy="1251000"/>
           </a:xfrm>
           <a:prstGeom prst="rect">
             <a:avLst/>
@@ -19668,7 +19668,7 @@
         <p:spPr>
           <a:xfrm>
             <a:off x="7560000" y="6840000"/>
-            <a:ext cx="2511360" cy="531360"/>
+            <a:ext cx="2511000" cy="531000"/>
           </a:xfrm>
           <a:prstGeom prst="rect">
             <a:avLst/>
@@ -19715,7 +19715,7 @@
         <p:spPr>
           <a:xfrm>
             <a:off x="900000" y="6840000"/>
-            <a:ext cx="6471360" cy="531360"/>
+            <a:ext cx="6471000" cy="531000"/>
           </a:xfrm>
           <a:prstGeom prst="rect">
             <a:avLst/>
@@ -19762,7 +19762,7 @@
         <p:spPr>
           <a:xfrm>
             <a:off x="180000" y="6840000"/>
-            <a:ext cx="531360" cy="531360"/>
+            <a:ext cx="531000" cy="531000"/>
           </a:xfrm>
           <a:prstGeom prst="rect">
             <a:avLst/>
@@ -20114,7 +20114,7 @@
         <p:spPr>
           <a:xfrm>
             <a:off x="0" y="3150000"/>
-            <a:ext cx="9711360" cy="1251360"/>
+            <a:ext cx="9711000" cy="1251000"/>
           </a:xfrm>
           <a:prstGeom prst="rect">
             <a:avLst/>
@@ -21143,7 +21143,7 @@
         <p:spPr>
           <a:xfrm>
             <a:off x="0" y="3150000"/>
-            <a:ext cx="9711360" cy="1251360"/>
+            <a:ext cx="9711000" cy="1251000"/>
           </a:xfrm>
           <a:prstGeom prst="rect">
             <a:avLst/>
@@ -21223,7 +21223,7 @@
         <p:spPr>
           <a:xfrm>
             <a:off x="0" y="3150000"/>
-            <a:ext cx="9711360" cy="1251360"/>
+            <a:ext cx="9711000" cy="1251000"/>
           </a:xfrm>
           <a:prstGeom prst="rect">
             <a:avLst/>
@@ -21577,7 +21577,7 @@
         <p:spPr>
           <a:xfrm>
             <a:off x="0" y="3150000"/>
-            <a:ext cx="9711360" cy="1251360"/>
+            <a:ext cx="9711000" cy="1251000"/>
           </a:xfrm>
           <a:prstGeom prst="rect">
             <a:avLst/>
@@ -21931,7 +21931,7 @@
         <p:spPr>
           <a:xfrm>
             <a:off x="0" y="3150000"/>
-            <a:ext cx="9711360" cy="1251360"/>
+            <a:ext cx="9711000" cy="1251000"/>
           </a:xfrm>
           <a:prstGeom prst="rect">
             <a:avLst/>
@@ -22285,7 +22285,7 @@
         <p:spPr>
           <a:xfrm>
             <a:off x="0" y="3150000"/>
-            <a:ext cx="9711360" cy="1251360"/>
+            <a:ext cx="9711000" cy="1251000"/>
           </a:xfrm>
           <a:prstGeom prst="rect">
             <a:avLst/>
@@ -22864,7 +22864,7 @@
         <p:spPr>
           <a:xfrm>
             <a:off x="0" y="3150000"/>
-            <a:ext cx="9711360" cy="1251360"/>
+            <a:ext cx="9711000" cy="1251000"/>
           </a:xfrm>
           <a:prstGeom prst="rect">
             <a:avLst/>
@@ -22986,7 +22986,7 @@
         <p:spPr>
           <a:xfrm>
             <a:off x="360000" y="3330000"/>
-            <a:ext cx="9351360" cy="891360"/>
+            <a:ext cx="9351000" cy="891000"/>
           </a:xfrm>
           <a:prstGeom prst="rect">
             <a:avLst/>
@@ -23040,7 +23040,7 @@
         <p:spPr>
           <a:xfrm>
             <a:off x="540000" y="4680000"/>
-            <a:ext cx="9171360" cy="2511360"/>
+            <a:ext cx="9171000" cy="2511000"/>
           </a:xfrm>
           <a:prstGeom prst="rect">
             <a:avLst/>
@@ -23265,7 +23265,7 @@
         <p:spPr>
           <a:xfrm>
             <a:off x="360000" y="360000"/>
-            <a:ext cx="9351360" cy="891360"/>
+            <a:ext cx="9351000" cy="891000"/>
           </a:xfrm>
           <a:prstGeom prst="rect">
             <a:avLst/>
@@ -23319,7 +23319,7 @@
         <p:spPr>
           <a:xfrm>
             <a:off x="432000" y="1584000"/>
-            <a:ext cx="9171360" cy="4671360"/>
+            <a:ext cx="9171000" cy="4671000"/>
           </a:xfrm>
           <a:prstGeom prst="rect">
             <a:avLst/>
@@ -23462,7 +23462,7 @@
         <p:spPr>
           <a:xfrm>
             <a:off x="7608600" y="6886080"/>
-            <a:ext cx="2276640" cy="356400"/>
+            <a:ext cx="2276280" cy="356040"/>
           </a:xfrm>
           <a:prstGeom prst="rect">
             <a:avLst/>
@@ -23516,7 +23516,7 @@
         <p:spPr>
           <a:xfrm>
             <a:off x="897120" y="6886080"/>
-            <a:ext cx="6438600" cy="356400"/>
+            <a:ext cx="6438240" cy="356040"/>
           </a:xfrm>
           <a:prstGeom prst="rect">
             <a:avLst/>
@@ -23575,7 +23575,7 @@
         <p:spPr>
           <a:xfrm>
             <a:off x="1829160" y="2057400"/>
-            <a:ext cx="2056320" cy="685080"/>
+            <a:ext cx="2055960" cy="684720"/>
           </a:xfrm>
           <a:prstGeom prst="rect">
             <a:avLst/>
@@ -23598,7 +23598,7 @@
         <p:spPr>
           <a:xfrm>
             <a:off x="4572000" y="1657800"/>
-            <a:ext cx="3923280" cy="1313280"/>
+            <a:ext cx="3922920" cy="1312920"/>
           </a:xfrm>
           <a:prstGeom prst="rect">
             <a:avLst/>
@@ -23647,7 +23647,7 @@
         <p:spPr>
           <a:xfrm>
             <a:off x="360000" y="360000"/>
-            <a:ext cx="9351360" cy="891360"/>
+            <a:ext cx="9351000" cy="891000"/>
           </a:xfrm>
           <a:prstGeom prst="rect">
             <a:avLst/>
@@ -23701,7 +23701,7 @@
         <p:spPr>
           <a:xfrm>
             <a:off x="432000" y="1584000"/>
-            <a:ext cx="9171360" cy="4671360"/>
+            <a:ext cx="9171000" cy="4671000"/>
           </a:xfrm>
           <a:prstGeom prst="rect">
             <a:avLst/>
@@ -23844,7 +23844,7 @@
         <p:spPr>
           <a:xfrm>
             <a:off x="7608600" y="6886080"/>
-            <a:ext cx="2276640" cy="356400"/>
+            <a:ext cx="2276280" cy="356040"/>
           </a:xfrm>
           <a:prstGeom prst="rect">
             <a:avLst/>
@@ -23898,7 +23898,7 @@
         <p:spPr>
           <a:xfrm>
             <a:off x="897120" y="6886080"/>
-            <a:ext cx="6438600" cy="356400"/>
+            <a:ext cx="6438240" cy="356040"/>
           </a:xfrm>
           <a:prstGeom prst="rect">
             <a:avLst/>
@@ -23957,7 +23957,7 @@
         <p:spPr>
           <a:xfrm>
             <a:off x="1829160" y="2057400"/>
-            <a:ext cx="2056320" cy="685080"/>
+            <a:ext cx="2055960" cy="684720"/>
           </a:xfrm>
           <a:prstGeom prst="rect">
             <a:avLst/>
@@ -23980,7 +23980,7 @@
         <p:spPr>
           <a:xfrm>
             <a:off x="4572000" y="1657800"/>
-            <a:ext cx="4114440" cy="1377360"/>
+            <a:ext cx="4114080" cy="1377000"/>
           </a:xfrm>
           <a:prstGeom prst="rect">
             <a:avLst/>
@@ -24004,7 +24004,7 @@
         <p:spPr>
           <a:xfrm>
             <a:off x="1125360" y="5029560"/>
-            <a:ext cx="2760120" cy="456120"/>
+            <a:ext cx="2759760" cy="455760"/>
           </a:xfrm>
           <a:prstGeom prst="rect">
             <a:avLst/>
@@ -24027,7 +24027,7 @@
         <p:spPr>
           <a:xfrm>
             <a:off x="4048200" y="3200400"/>
-            <a:ext cx="5324040" cy="2972880"/>
+            <a:ext cx="5323680" cy="2972520"/>
           </a:xfrm>
           <a:prstGeom prst="rect">
             <a:avLst/>
@@ -24076,7 +24076,7 @@
         <p:spPr>
           <a:xfrm>
             <a:off x="360000" y="360000"/>
-            <a:ext cx="9351360" cy="891360"/>
+            <a:ext cx="9351000" cy="891000"/>
           </a:xfrm>
           <a:prstGeom prst="rect">
             <a:avLst/>
@@ -24130,7 +24130,7 @@
         <p:spPr>
           <a:xfrm>
             <a:off x="432000" y="1584000"/>
-            <a:ext cx="9171360" cy="4671360"/>
+            <a:ext cx="9171000" cy="4671000"/>
           </a:xfrm>
           <a:prstGeom prst="rect">
             <a:avLst/>
@@ -24273,7 +24273,7 @@
         <p:spPr>
           <a:xfrm>
             <a:off x="7608600" y="6886080"/>
-            <a:ext cx="2276640" cy="356400"/>
+            <a:ext cx="2276280" cy="356040"/>
           </a:xfrm>
           <a:prstGeom prst="rect">
             <a:avLst/>
@@ -24327,7 +24327,7 @@
         <p:spPr>
           <a:xfrm>
             <a:off x="897120" y="6886080"/>
-            <a:ext cx="6438600" cy="356400"/>
+            <a:ext cx="6438240" cy="356040"/>
           </a:xfrm>
           <a:prstGeom prst="rect">
             <a:avLst/>
@@ -24386,7 +24386,7 @@
         <p:spPr>
           <a:xfrm>
             <a:off x="668160" y="2514960"/>
-            <a:ext cx="2760120" cy="1599120"/>
+            <a:ext cx="2759760" cy="1598760"/>
           </a:xfrm>
           <a:prstGeom prst="rect">
             <a:avLst/>
@@ -24405,7 +24405,7 @@
         <p:spPr>
           <a:xfrm>
             <a:off x="457200" y="4114800"/>
-            <a:ext cx="3200040" cy="228240"/>
+            <a:ext cx="3199680" cy="227880"/>
           </a:xfrm>
           <a:prstGeom prst="rightArrow">
             <a:avLst>
@@ -24487,7 +24487,7 @@
         <p:spPr>
           <a:xfrm>
             <a:off x="360000" y="360000"/>
-            <a:ext cx="9351360" cy="891360"/>
+            <a:ext cx="9351000" cy="891000"/>
           </a:xfrm>
           <a:prstGeom prst="rect">
             <a:avLst/>
@@ -24541,7 +24541,7 @@
         <p:spPr>
           <a:xfrm>
             <a:off x="432000" y="1584000"/>
-            <a:ext cx="9171360" cy="4671360"/>
+            <a:ext cx="9171000" cy="4671000"/>
           </a:xfrm>
           <a:prstGeom prst="rect">
             <a:avLst/>
@@ -24684,7 +24684,7 @@
         <p:spPr>
           <a:xfrm>
             <a:off x="7608600" y="6886080"/>
-            <a:ext cx="2276640" cy="356400"/>
+            <a:ext cx="2276280" cy="356040"/>
           </a:xfrm>
           <a:prstGeom prst="rect">
             <a:avLst/>
@@ -24738,7 +24738,7 @@
         <p:spPr>
           <a:xfrm>
             <a:off x="897120" y="6886080"/>
-            <a:ext cx="6438600" cy="356400"/>
+            <a:ext cx="6438240" cy="356040"/>
           </a:xfrm>
           <a:prstGeom prst="rect">
             <a:avLst/>
@@ -24797,7 +24797,7 @@
         <p:spPr>
           <a:xfrm>
             <a:off x="668160" y="2514960"/>
-            <a:ext cx="2760120" cy="1599120"/>
+            <a:ext cx="2759760" cy="1598760"/>
           </a:xfrm>
           <a:prstGeom prst="rect">
             <a:avLst/>
@@ -24820,7 +24820,7 @@
         <p:spPr>
           <a:xfrm>
             <a:off x="4398480" y="2779200"/>
-            <a:ext cx="3830400" cy="1237320"/>
+            <a:ext cx="3830040" cy="1236960"/>
           </a:xfrm>
           <a:prstGeom prst="rect">
             <a:avLst/>
@@ -24839,7 +24839,7 @@
         <p:spPr>
           <a:xfrm>
             <a:off x="457560" y="4114800"/>
-            <a:ext cx="3200040" cy="228240"/>
+            <a:ext cx="3199680" cy="227880"/>
           </a:xfrm>
           <a:prstGeom prst="rightArrow">
             <a:avLst>
@@ -24921,7 +24921,7 @@
         <p:spPr>
           <a:xfrm>
             <a:off x="360000" y="360000"/>
-            <a:ext cx="9351360" cy="891360"/>
+            <a:ext cx="9351000" cy="891000"/>
           </a:xfrm>
           <a:prstGeom prst="rect">
             <a:avLst/>
@@ -24975,7 +24975,7 @@
         <p:spPr>
           <a:xfrm>
             <a:off x="432000" y="1584000"/>
-            <a:ext cx="9171360" cy="4671360"/>
+            <a:ext cx="9171000" cy="4671000"/>
           </a:xfrm>
           <a:prstGeom prst="rect">
             <a:avLst/>
@@ -25118,7 +25118,7 @@
         <p:spPr>
           <a:xfrm>
             <a:off x="7608600" y="6886080"/>
-            <a:ext cx="2276640" cy="356400"/>
+            <a:ext cx="2276280" cy="356040"/>
           </a:xfrm>
           <a:prstGeom prst="rect">
             <a:avLst/>
@@ -25172,7 +25172,7 @@
         <p:spPr>
           <a:xfrm>
             <a:off x="897120" y="6886080"/>
-            <a:ext cx="6438600" cy="356400"/>
+            <a:ext cx="6438240" cy="356040"/>
           </a:xfrm>
           <a:prstGeom prst="rect">
             <a:avLst/>
@@ -25231,7 +25231,7 @@
         <p:spPr>
           <a:xfrm>
             <a:off x="668160" y="1974960"/>
-            <a:ext cx="2760120" cy="1599120"/>
+            <a:ext cx="2759760" cy="1598760"/>
           </a:xfrm>
           <a:prstGeom prst="rect">
             <a:avLst/>
@@ -25280,7 +25280,7 @@
         <p:spPr>
           <a:xfrm>
             <a:off x="360000" y="360000"/>
-            <a:ext cx="9351360" cy="891360"/>
+            <a:ext cx="9351000" cy="891000"/>
           </a:xfrm>
           <a:prstGeom prst="rect">
             <a:avLst/>
@@ -25334,7 +25334,7 @@
         <p:spPr>
           <a:xfrm>
             <a:off x="432000" y="1584000"/>
-            <a:ext cx="9171360" cy="4671360"/>
+            <a:ext cx="9171000" cy="4671000"/>
           </a:xfrm>
           <a:prstGeom prst="rect">
             <a:avLst/>
@@ -25509,7 +25509,7 @@
         <p:spPr>
           <a:xfrm>
             <a:off x="7608600" y="6886080"/>
-            <a:ext cx="2276640" cy="356400"/>
+            <a:ext cx="2276280" cy="356040"/>
           </a:xfrm>
           <a:prstGeom prst="rect">
             <a:avLst/>
@@ -25563,7 +25563,7 @@
         <p:spPr>
           <a:xfrm>
             <a:off x="897120" y="6886080"/>
-            <a:ext cx="6438600" cy="356400"/>
+            <a:ext cx="6438240" cy="356040"/>
           </a:xfrm>
           <a:prstGeom prst="rect">
             <a:avLst/>
@@ -25621,7 +25621,7 @@
         <p:spPr>
           <a:xfrm>
             <a:off x="3600000" y="3429000"/>
-            <a:ext cx="6089040" cy="2568240"/>
+            <a:ext cx="6088680" cy="2567880"/>
           </a:xfrm>
           <a:prstGeom prst="rect">
             <a:avLst/>
@@ -25644,7 +25644,7 @@
         <p:spPr>
           <a:xfrm>
             <a:off x="809280" y="2514600"/>
-            <a:ext cx="2619360" cy="1447200"/>
+            <a:ext cx="2619000" cy="1446840"/>
           </a:xfrm>
           <a:prstGeom prst="rect">
             <a:avLst/>
@@ -25693,7 +25693,7 @@
         <p:spPr>
           <a:xfrm>
             <a:off x="360000" y="360000"/>
-            <a:ext cx="9351360" cy="891360"/>
+            <a:ext cx="9351000" cy="891000"/>
           </a:xfrm>
           <a:prstGeom prst="rect">
             <a:avLst/>
@@ -25747,7 +25747,7 @@
         <p:spPr>
           <a:xfrm>
             <a:off x="360000" y="1980000"/>
-            <a:ext cx="9171360" cy="4671360"/>
+            <a:ext cx="9171000" cy="4671000"/>
           </a:xfrm>
           <a:prstGeom prst="rect">
             <a:avLst/>
@@ -26144,7 +26144,7 @@
         <p:spPr>
           <a:xfrm>
             <a:off x="7608600" y="6886080"/>
-            <a:ext cx="2276640" cy="356400"/>
+            <a:ext cx="2276280" cy="356040"/>
           </a:xfrm>
           <a:prstGeom prst="rect">
             <a:avLst/>
@@ -26198,7 +26198,7 @@
         <p:spPr>
           <a:xfrm>
             <a:off x="897120" y="6886080"/>
-            <a:ext cx="6438600" cy="356400"/>
+            <a:ext cx="6438240" cy="356040"/>
           </a:xfrm>
           <a:prstGeom prst="rect">
             <a:avLst/>
@@ -26256,7 +26256,7 @@
         <p:spPr>
           <a:xfrm>
             <a:off x="7560000" y="2816640"/>
-            <a:ext cx="1978200" cy="3661560"/>
+            <a:ext cx="1977840" cy="3661200"/>
           </a:xfrm>
           <a:prstGeom prst="rect">
             <a:avLst/>
@@ -26305,7 +26305,7 @@
         <p:spPr>
           <a:xfrm>
             <a:off x="360000" y="360000"/>
-            <a:ext cx="9351360" cy="891360"/>
+            <a:ext cx="9351000" cy="891000"/>
           </a:xfrm>
           <a:prstGeom prst="rect">
             <a:avLst/>
@@ -26359,7 +26359,7 @@
         <p:spPr>
           <a:xfrm>
             <a:off x="360000" y="1980000"/>
-            <a:ext cx="9171360" cy="4671360"/>
+            <a:ext cx="9171000" cy="4671000"/>
           </a:xfrm>
           <a:prstGeom prst="rect">
             <a:avLst/>
@@ -26692,7 +26692,7 @@
         <p:spPr>
           <a:xfrm>
             <a:off x="7608600" y="6886080"/>
-            <a:ext cx="2276640" cy="356400"/>
+            <a:ext cx="2276280" cy="356040"/>
           </a:xfrm>
           <a:prstGeom prst="rect">
             <a:avLst/>
@@ -26746,7 +26746,7 @@
         <p:spPr>
           <a:xfrm>
             <a:off x="897120" y="6886080"/>
-            <a:ext cx="6438600" cy="356400"/>
+            <a:ext cx="6438240" cy="356040"/>
           </a:xfrm>
           <a:prstGeom prst="rect">
             <a:avLst/>
@@ -26804,7 +26804,7 @@
         <p:spPr>
           <a:xfrm>
             <a:off x="7560000" y="2816640"/>
-            <a:ext cx="1978200" cy="3661560"/>
+            <a:ext cx="1977840" cy="3661200"/>
           </a:xfrm>
           <a:prstGeom prst="rect">
             <a:avLst/>
@@ -26827,7 +26827,7 @@
         <p:spPr>
           <a:xfrm>
             <a:off x="1600200" y="2914920"/>
-            <a:ext cx="3494880" cy="970920"/>
+            <a:ext cx="3494520" cy="970560"/>
           </a:xfrm>
           <a:prstGeom prst="rect">
             <a:avLst/>
@@ -26850,7 +26850,7 @@
         <p:spPr>
           <a:xfrm>
             <a:off x="1609920" y="4572000"/>
-            <a:ext cx="4333320" cy="2085120"/>
+            <a:ext cx="4332960" cy="2084760"/>
           </a:xfrm>
           <a:prstGeom prst="rect">
             <a:avLst/>
@@ -26899,7 +26899,7 @@
         <p:spPr>
           <a:xfrm>
             <a:off x="360000" y="360000"/>
-            <a:ext cx="9351360" cy="891360"/>
+            <a:ext cx="9351000" cy="891000"/>
           </a:xfrm>
           <a:prstGeom prst="rect">
             <a:avLst/>
@@ -26953,7 +26953,7 @@
         <p:spPr>
           <a:xfrm>
             <a:off x="360000" y="1980000"/>
-            <a:ext cx="9171360" cy="4671360"/>
+            <a:ext cx="9171000" cy="4671000"/>
           </a:xfrm>
           <a:prstGeom prst="rect">
             <a:avLst/>
@@ -27320,7 +27320,7 @@
         <p:spPr>
           <a:xfrm>
             <a:off x="7608600" y="6886080"/>
-            <a:ext cx="2276640" cy="356400"/>
+            <a:ext cx="2276280" cy="356040"/>
           </a:xfrm>
           <a:prstGeom prst="rect">
             <a:avLst/>
@@ -27374,7 +27374,7 @@
         <p:spPr>
           <a:xfrm>
             <a:off x="897120" y="6886080"/>
-            <a:ext cx="6438600" cy="356400"/>
+            <a:ext cx="6438240" cy="356040"/>
           </a:xfrm>
           <a:prstGeom prst="rect">
             <a:avLst/>
@@ -27432,7 +27432,7 @@
         <p:spPr>
           <a:xfrm>
             <a:off x="5433120" y="2053800"/>
-            <a:ext cx="4197960" cy="2321640"/>
+            <a:ext cx="4197600" cy="2321280"/>
           </a:xfrm>
           <a:prstGeom prst="rect">
             <a:avLst/>
@@ -27481,7 +27481,7 @@
         <p:spPr>
           <a:xfrm>
             <a:off x="360000" y="360000"/>
-            <a:ext cx="9351360" cy="891360"/>
+            <a:ext cx="9351000" cy="891000"/>
           </a:xfrm>
           <a:prstGeom prst="rect">
             <a:avLst/>
@@ -27535,7 +27535,7 @@
         <p:spPr>
           <a:xfrm>
             <a:off x="360000" y="1980000"/>
-            <a:ext cx="9171360" cy="4671360"/>
+            <a:ext cx="9171000" cy="4671000"/>
           </a:xfrm>
           <a:prstGeom prst="rect">
             <a:avLst/>
@@ -27790,7 +27790,7 @@
         <p:spPr>
           <a:xfrm>
             <a:off x="7608600" y="6886080"/>
-            <a:ext cx="2276640" cy="356400"/>
+            <a:ext cx="2276280" cy="356040"/>
           </a:xfrm>
           <a:prstGeom prst="rect">
             <a:avLst/>
@@ -27844,7 +27844,7 @@
         <p:spPr>
           <a:xfrm>
             <a:off x="897120" y="6886080"/>
-            <a:ext cx="6438600" cy="356400"/>
+            <a:ext cx="6438240" cy="356040"/>
           </a:xfrm>
           <a:prstGeom prst="rect">
             <a:avLst/>
@@ -27902,7 +27902,7 @@
         <p:spPr>
           <a:xfrm>
             <a:off x="5849640" y="457200"/>
-            <a:ext cx="3751200" cy="1951920"/>
+            <a:ext cx="3750840" cy="1951560"/>
           </a:xfrm>
           <a:prstGeom prst="rect">
             <a:avLst/>
@@ -27925,7 +27925,7 @@
         <p:spPr>
           <a:xfrm>
             <a:off x="4114800" y="1958760"/>
-            <a:ext cx="2588760" cy="2155680"/>
+            <a:ext cx="2588400" cy="2155320"/>
           </a:xfrm>
           <a:prstGeom prst="rect">
             <a:avLst/>
@@ -27948,7 +27948,7 @@
         <p:spPr>
           <a:xfrm>
             <a:off x="3886200" y="4343400"/>
-            <a:ext cx="3186720" cy="2285640"/>
+            <a:ext cx="3186360" cy="2285280"/>
           </a:xfrm>
           <a:prstGeom prst="rect">
             <a:avLst/>
@@ -27997,7 +27997,7 @@
         <p:spPr>
           <a:xfrm>
             <a:off x="360000" y="360000"/>
-            <a:ext cx="9351360" cy="891360"/>
+            <a:ext cx="9351000" cy="891000"/>
           </a:xfrm>
           <a:prstGeom prst="rect">
             <a:avLst/>
@@ -28051,7 +28051,7 @@
         <p:spPr>
           <a:xfrm>
             <a:off x="360000" y="1980000"/>
-            <a:ext cx="9171360" cy="4671360"/>
+            <a:ext cx="9171000" cy="4671000"/>
           </a:xfrm>
           <a:prstGeom prst="rect">
             <a:avLst/>
@@ -28338,7 +28338,7 @@
         <p:spPr>
           <a:xfrm>
             <a:off x="7608600" y="6886080"/>
-            <a:ext cx="2276640" cy="356400"/>
+            <a:ext cx="2276280" cy="356040"/>
           </a:xfrm>
           <a:prstGeom prst="rect">
             <a:avLst/>
@@ -28392,7 +28392,7 @@
         <p:spPr>
           <a:xfrm>
             <a:off x="897120" y="6886080"/>
-            <a:ext cx="6438600" cy="356400"/>
+            <a:ext cx="6438240" cy="356040"/>
           </a:xfrm>
           <a:prstGeom prst="rect">
             <a:avLst/>
@@ -28476,7 +28476,7 @@
         <p:spPr>
           <a:xfrm>
             <a:off x="360000" y="360000"/>
-            <a:ext cx="9351360" cy="891360"/>
+            <a:ext cx="9351000" cy="891000"/>
           </a:xfrm>
           <a:prstGeom prst="rect">
             <a:avLst/>
@@ -28530,7 +28530,7 @@
         <p:spPr>
           <a:xfrm>
             <a:off x="360000" y="1980000"/>
-            <a:ext cx="9171360" cy="4671360"/>
+            <a:ext cx="9171000" cy="4671000"/>
           </a:xfrm>
           <a:prstGeom prst="rect">
             <a:avLst/>
@@ -28833,7 +28833,7 @@
         <p:spPr>
           <a:xfrm>
             <a:off x="7608600" y="6886080"/>
-            <a:ext cx="2276640" cy="356400"/>
+            <a:ext cx="2276280" cy="356040"/>
           </a:xfrm>
           <a:prstGeom prst="rect">
             <a:avLst/>
@@ -28887,7 +28887,7 @@
         <p:spPr>
           <a:xfrm>
             <a:off x="897120" y="6886080"/>
-            <a:ext cx="6438600" cy="356400"/>
+            <a:ext cx="6438240" cy="356040"/>
           </a:xfrm>
           <a:prstGeom prst="rect">
             <a:avLst/>
@@ -28945,7 +28945,7 @@
         <p:spPr>
           <a:xfrm>
             <a:off x="4760280" y="1533960"/>
-            <a:ext cx="3697560" cy="1666080"/>
+            <a:ext cx="3697200" cy="1665720"/>
           </a:xfrm>
           <a:prstGeom prst="rect">
             <a:avLst/>
@@ -28968,7 +28968,7 @@
         <p:spPr>
           <a:xfrm>
             <a:off x="1479240" y="4321080"/>
-            <a:ext cx="2406600" cy="1850760"/>
+            <a:ext cx="2406240" cy="1850400"/>
           </a:xfrm>
           <a:prstGeom prst="rect">
             <a:avLst/>
@@ -28991,7 +28991,7 @@
         <p:spPr>
           <a:xfrm>
             <a:off x="4800600" y="4905720"/>
-            <a:ext cx="4419000" cy="1037520"/>
+            <a:ext cx="4418640" cy="1037160"/>
           </a:xfrm>
           <a:prstGeom prst="rect">
             <a:avLst/>
@@ -29040,7 +29040,7 @@
         <p:spPr>
           <a:xfrm>
             <a:off x="360000" y="360000"/>
-            <a:ext cx="9351360" cy="891360"/>
+            <a:ext cx="9351000" cy="891000"/>
           </a:xfrm>
           <a:prstGeom prst="rect">
             <a:avLst/>
@@ -29088,13 +29088,13 @@
       <p:sp>
         <p:nvSpPr>
           <p:cNvPr id="312" name=""/>
-          <p:cNvSpPr txBox="1"/>
+          <p:cNvSpPr/>
           <p:nvPr/>
         </p:nvSpPr>
         <p:spPr>
           <a:xfrm>
             <a:off x="457920" y="2514600"/>
-            <a:ext cx="5714280" cy="785160"/>
+            <a:ext cx="5713920" cy="784800"/>
           </a:xfrm>
           <a:prstGeom prst="rect">
             <a:avLst/>
@@ -29104,11 +29104,22 @@
             <a:noFill/>
           </a:ln>
         </p:spPr>
+        <p:style>
+          <a:lnRef idx="0"/>
+          <a:fillRef idx="0"/>
+          <a:effectRef idx="0"/>
+          <a:fontRef idx="minor"/>
+        </p:style>
         <p:txBody>
           <a:bodyPr lIns="90000" rIns="90000" tIns="45000" bIns="45000" anchor="t">
             <a:noAutofit/>
           </a:bodyPr>
           <a:p>
+            <a:pPr>
+              <a:lnSpc>
+                <a:spcPct val="100000"/>
+              </a:lnSpc>
+            </a:pPr>
             <a:r>
               <a:rPr b="1" lang="pt-BR" sz="2000" spc="-1" strike="noStrike" u="sng">
                 <a:solidFill>
@@ -29123,7 +29134,7 @@
             <a:r>
               <a:rPr b="1" lang="pt-BR" sz="2000" spc="-1" strike="noStrike" u="sng">
                 <a:solidFill>
-                  <a:srgbClr val="1c1c1c"/>
+                  <a:srgbClr val="0000ff"/>
                 </a:solidFill>
                 <a:uFillTx/>
                 <a:latin typeface="Latin Modern Sans"/>
@@ -29150,7 +29161,7 @@
         <p:spPr>
           <a:xfrm>
             <a:off x="360000" y="1980000"/>
-            <a:ext cx="9171360" cy="4671360"/>
+            <a:ext cx="9171000" cy="4671000"/>
           </a:xfrm>
           <a:prstGeom prst="rect">
             <a:avLst/>
@@ -29223,7 +29234,7 @@
         <p:spPr>
           <a:xfrm>
             <a:off x="7608600" y="6886080"/>
-            <a:ext cx="2276640" cy="356400"/>
+            <a:ext cx="2276280" cy="356040"/>
           </a:xfrm>
           <a:prstGeom prst="rect">
             <a:avLst/>
@@ -29277,7 +29288,7 @@
         <p:spPr>
           <a:xfrm>
             <a:off x="897120" y="6886080"/>
-            <a:ext cx="6438600" cy="356400"/>
+            <a:ext cx="6438240" cy="356040"/>
           </a:xfrm>
           <a:prstGeom prst="rect">
             <a:avLst/>
@@ -29361,7 +29372,7 @@
         <p:spPr>
           <a:xfrm>
             <a:off x="360000" y="360000"/>
-            <a:ext cx="9351360" cy="891360"/>
+            <a:ext cx="9351000" cy="891000"/>
           </a:xfrm>
           <a:prstGeom prst="rect">
             <a:avLst/>
@@ -29415,7 +29426,7 @@
         <p:spPr>
           <a:xfrm>
             <a:off x="7608600" y="6886080"/>
-            <a:ext cx="2276640" cy="356400"/>
+            <a:ext cx="2276280" cy="356040"/>
           </a:xfrm>
           <a:prstGeom prst="rect">
             <a:avLst/>
@@ -29469,7 +29480,7 @@
         <p:spPr>
           <a:xfrm>
             <a:off x="897120" y="6886080"/>
-            <a:ext cx="6438600" cy="356400"/>
+            <a:ext cx="6438240" cy="356040"/>
           </a:xfrm>
           <a:prstGeom prst="rect">
             <a:avLst/>
@@ -29523,7 +29534,7 @@
         <p:spPr>
           <a:xfrm>
             <a:off x="360000" y="1980000"/>
-            <a:ext cx="9171360" cy="4671360"/>
+            <a:ext cx="9171000" cy="4671000"/>
           </a:xfrm>
           <a:prstGeom prst="rect">
             <a:avLst/>
@@ -29760,7 +29771,7 @@
         <p:spPr>
           <a:xfrm>
             <a:off x="360000" y="3330000"/>
-            <a:ext cx="9352440" cy="892440"/>
+            <a:ext cx="9352080" cy="892080"/>
           </a:xfrm>
           <a:prstGeom prst="rect">
             <a:avLst/>
@@ -29844,7 +29855,7 @@
         <p:spPr>
           <a:xfrm>
             <a:off x="360000" y="360000"/>
-            <a:ext cx="9352440" cy="892440"/>
+            <a:ext cx="9352080" cy="892080"/>
           </a:xfrm>
           <a:prstGeom prst="rect">
             <a:avLst/>
@@ -29898,7 +29909,7 @@
         <p:spPr>
           <a:xfrm>
             <a:off x="7608600" y="6886080"/>
-            <a:ext cx="2277720" cy="357480"/>
+            <a:ext cx="2277360" cy="357120"/>
           </a:xfrm>
           <a:prstGeom prst="rect">
             <a:avLst/>
@@ -29952,7 +29963,7 @@
         <p:spPr>
           <a:xfrm>
             <a:off x="897120" y="6886080"/>
-            <a:ext cx="6439680" cy="357480"/>
+            <a:ext cx="6439320" cy="357120"/>
           </a:xfrm>
           <a:prstGeom prst="rect">
             <a:avLst/>
@@ -30006,7 +30017,7 @@
         <p:spPr>
           <a:xfrm>
             <a:off x="360000" y="1728000"/>
-            <a:ext cx="9172440" cy="4672440"/>
+            <a:ext cx="9172080" cy="4672080"/>
           </a:xfrm>
           <a:prstGeom prst="rect">
             <a:avLst/>
@@ -30387,7 +30398,7 @@
         <p:spPr>
           <a:xfrm>
             <a:off x="2057400" y="2286000"/>
-            <a:ext cx="5418360" cy="643680"/>
+            <a:ext cx="5418000" cy="643320"/>
           </a:xfrm>
           <a:prstGeom prst="rect">
             <a:avLst/>
@@ -30436,7 +30447,7 @@
         <p:spPr>
           <a:xfrm>
             <a:off x="360000" y="360000"/>
-            <a:ext cx="9352440" cy="892440"/>
+            <a:ext cx="9352080" cy="892080"/>
           </a:xfrm>
           <a:prstGeom prst="rect">
             <a:avLst/>
@@ -30490,7 +30501,7 @@
         <p:spPr>
           <a:xfrm>
             <a:off x="7608600" y="6886080"/>
-            <a:ext cx="2277720" cy="357480"/>
+            <a:ext cx="2277360" cy="357120"/>
           </a:xfrm>
           <a:prstGeom prst="rect">
             <a:avLst/>
@@ -30544,7 +30555,7 @@
         <p:spPr>
           <a:xfrm>
             <a:off x="897120" y="6886080"/>
-            <a:ext cx="6439680" cy="357480"/>
+            <a:ext cx="6439320" cy="357120"/>
           </a:xfrm>
           <a:prstGeom prst="rect">
             <a:avLst/>
@@ -30598,7 +30609,7 @@
         <p:spPr>
           <a:xfrm>
             <a:off x="360000" y="1980000"/>
-            <a:ext cx="9172440" cy="4672440"/>
+            <a:ext cx="9172080" cy="4672080"/>
           </a:xfrm>
           <a:prstGeom prst="rect">
             <a:avLst/>
@@ -30899,7 +30910,7 @@
         <p:spPr>
           <a:xfrm>
             <a:off x="1953000" y="3726000"/>
-            <a:ext cx="6274080" cy="1311480"/>
+            <a:ext cx="6273720" cy="1311120"/>
           </a:xfrm>
           <a:prstGeom prst="rect">
             <a:avLst/>
@@ -30922,7 +30933,7 @@
         <p:spPr>
           <a:xfrm>
             <a:off x="1962360" y="5696640"/>
-            <a:ext cx="2149920" cy="273240"/>
+            <a:ext cx="2149560" cy="272880"/>
           </a:xfrm>
           <a:prstGeom prst="rect">
             <a:avLst/>
@@ -30945,7 +30956,7 @@
         <p:spPr>
           <a:xfrm>
             <a:off x="2011680" y="6062400"/>
-            <a:ext cx="920880" cy="273240"/>
+            <a:ext cx="920520" cy="272880"/>
           </a:xfrm>
           <a:prstGeom prst="rect">
             <a:avLst/>
@@ -30968,7 +30979,7 @@
         <p:spPr>
           <a:xfrm>
             <a:off x="1975680" y="5036040"/>
-            <a:ext cx="5702760" cy="530640"/>
+            <a:ext cx="5702400" cy="530280"/>
           </a:xfrm>
           <a:prstGeom prst="rect">
             <a:avLst/>
@@ -30987,7 +30998,7 @@
         <p:spPr>
           <a:xfrm>
             <a:off x="6436080" y="4745160"/>
-            <a:ext cx="729000" cy="271800"/>
+            <a:ext cx="728640" cy="271440"/>
           </a:xfrm>
           <a:prstGeom prst="wedgeRoundRectCallout">
             <a:avLst>
@@ -31079,7 +31090,7 @@
         <p:spPr>
           <a:xfrm>
             <a:off x="360000" y="360000"/>
-            <a:ext cx="9352440" cy="892440"/>
+            <a:ext cx="9352080" cy="892080"/>
           </a:xfrm>
           <a:prstGeom prst="rect">
             <a:avLst/>
@@ -31133,7 +31144,7 @@
         <p:spPr>
           <a:xfrm>
             <a:off x="897120" y="6886080"/>
-            <a:ext cx="6439680" cy="357480"/>
+            <a:ext cx="6439320" cy="357120"/>
           </a:xfrm>
           <a:prstGeom prst="rect">
             <a:avLst/>
@@ -31187,7 +31198,7 @@
         <p:spPr>
           <a:xfrm>
             <a:off x="360000" y="1923480"/>
-            <a:ext cx="9172440" cy="4672440"/>
+            <a:ext cx="9172080" cy="4672080"/>
           </a:xfrm>
           <a:prstGeom prst="rect">
             <a:avLst/>
@@ -31520,7 +31531,7 @@
         <p:spPr>
           <a:xfrm>
             <a:off x="5833080" y="3340440"/>
-            <a:ext cx="3549960" cy="3169080"/>
+            <a:ext cx="3549600" cy="3168720"/>
           </a:xfrm>
           <a:prstGeom prst="rect">
             <a:avLst/>
@@ -31543,7 +31554,7 @@
         <p:spPr>
           <a:xfrm>
             <a:off x="546840" y="3780000"/>
-            <a:ext cx="4851360" cy="2729520"/>
+            <a:ext cx="4851000" cy="2729160"/>
           </a:xfrm>
           <a:prstGeom prst="rect">
             <a:avLst/>
@@ -31562,7 +31573,7 @@
         <p:spPr>
           <a:xfrm>
             <a:off x="7608600" y="6886080"/>
-            <a:ext cx="2277720" cy="357480"/>
+            <a:ext cx="2277360" cy="357120"/>
           </a:xfrm>
           <a:prstGeom prst="rect">
             <a:avLst/>
@@ -31646,7 +31657,7 @@
         <p:spPr>
           <a:xfrm>
             <a:off x="360000" y="360000"/>
-            <a:ext cx="9352440" cy="892440"/>
+            <a:ext cx="9352080" cy="892080"/>
           </a:xfrm>
           <a:prstGeom prst="rect">
             <a:avLst/>
@@ -31700,7 +31711,7 @@
         <p:spPr>
           <a:xfrm>
             <a:off x="7598520" y="6900480"/>
-            <a:ext cx="2277720" cy="357480"/>
+            <a:ext cx="2277360" cy="357120"/>
           </a:xfrm>
           <a:prstGeom prst="rect">
             <a:avLst/>
@@ -31754,7 +31765,7 @@
         <p:spPr>
           <a:xfrm>
             <a:off x="897120" y="6886080"/>
-            <a:ext cx="6439680" cy="357480"/>
+            <a:ext cx="6439320" cy="357120"/>
           </a:xfrm>
           <a:prstGeom prst="rect">
             <a:avLst/>
@@ -31808,7 +31819,7 @@
         <p:spPr>
           <a:xfrm>
             <a:off x="360000" y="1980000"/>
-            <a:ext cx="9172440" cy="4672440"/>
+            <a:ext cx="9172080" cy="4672080"/>
           </a:xfrm>
           <a:prstGeom prst="rect">
             <a:avLst/>
@@ -32131,7 +32142,7 @@
         <p:spPr>
           <a:xfrm>
             <a:off x="5754240" y="1980000"/>
-            <a:ext cx="2196000" cy="852120"/>
+            <a:ext cx="2195640" cy="851760"/>
           </a:xfrm>
           <a:prstGeom prst="rect">
             <a:avLst/>
@@ -32154,7 +32165,7 @@
         <p:spPr>
           <a:xfrm>
             <a:off x="5259960" y="3237840"/>
-            <a:ext cx="3949920" cy="2721240"/>
+            <a:ext cx="3949560" cy="2720880"/>
           </a:xfrm>
           <a:prstGeom prst="rect">
             <a:avLst/>
@@ -32203,7 +32214,7 @@
         <p:spPr>
           <a:xfrm>
             <a:off x="360000" y="360000"/>
-            <a:ext cx="9352440" cy="892440"/>
+            <a:ext cx="9352080" cy="892080"/>
           </a:xfrm>
           <a:prstGeom prst="rect">
             <a:avLst/>
@@ -32257,7 +32268,7 @@
         <p:spPr>
           <a:xfrm>
             <a:off x="7608600" y="6886080"/>
-            <a:ext cx="2277720" cy="357480"/>
+            <a:ext cx="2277360" cy="357120"/>
           </a:xfrm>
           <a:prstGeom prst="rect">
             <a:avLst/>
@@ -32311,7 +32322,7 @@
         <p:spPr>
           <a:xfrm>
             <a:off x="897120" y="6886080"/>
-            <a:ext cx="6439680" cy="357480"/>
+            <a:ext cx="6439320" cy="357120"/>
           </a:xfrm>
           <a:prstGeom prst="rect">
             <a:avLst/>
@@ -32365,7 +32376,7 @@
         <p:spPr>
           <a:xfrm>
             <a:off x="360000" y="1980000"/>
-            <a:ext cx="9172440" cy="4672440"/>
+            <a:ext cx="9172080" cy="4672080"/>
           </a:xfrm>
           <a:prstGeom prst="rect">
             <a:avLst/>
@@ -32640,7 +32651,7 @@
         <p:spPr>
           <a:xfrm>
             <a:off x="2080080" y="3547080"/>
-            <a:ext cx="6424560" cy="2574720"/>
+            <a:ext cx="6424200" cy="2574360"/>
           </a:xfrm>
           <a:prstGeom prst="rect">
             <a:avLst/>
@@ -32689,7 +32700,7 @@
         <p:spPr>
           <a:xfrm>
             <a:off x="360000" y="360000"/>
-            <a:ext cx="9352440" cy="892440"/>
+            <a:ext cx="9352080" cy="892080"/>
           </a:xfrm>
           <a:prstGeom prst="rect">
             <a:avLst/>
@@ -32743,7 +32754,7 @@
         <p:spPr>
           <a:xfrm>
             <a:off x="7608600" y="6886080"/>
-            <a:ext cx="2277720" cy="357480"/>
+            <a:ext cx="2277360" cy="357120"/>
           </a:xfrm>
           <a:prstGeom prst="rect">
             <a:avLst/>
@@ -32797,7 +32808,7 @@
         <p:spPr>
           <a:xfrm>
             <a:off x="897120" y="6886080"/>
-            <a:ext cx="6439680" cy="357480"/>
+            <a:ext cx="6439320" cy="357120"/>
           </a:xfrm>
           <a:prstGeom prst="rect">
             <a:avLst/>
@@ -32851,7 +32862,7 @@
         <p:spPr>
           <a:xfrm>
             <a:off x="360000" y="1980000"/>
-            <a:ext cx="9172440" cy="4672440"/>
+            <a:ext cx="9172080" cy="4672080"/>
           </a:xfrm>
           <a:prstGeom prst="rect">
             <a:avLst/>
@@ -33136,7 +33147,7 @@
         <p:spPr>
           <a:xfrm>
             <a:off x="360000" y="360000"/>
-            <a:ext cx="9351360" cy="891360"/>
+            <a:ext cx="9351000" cy="891000"/>
           </a:xfrm>
           <a:prstGeom prst="rect">
             <a:avLst/>
@@ -33189,8 +33200,8 @@
         </p:nvSpPr>
         <p:spPr>
           <a:xfrm>
-            <a:off x="360000" y="1980000"/>
-            <a:ext cx="9171360" cy="4671360"/>
+            <a:off x="360000" y="1584000"/>
+            <a:ext cx="9171000" cy="4671000"/>
           </a:xfrm>
           <a:prstGeom prst="rect">
             <a:avLst/>
@@ -33208,7 +33219,7 @@
         </p:style>
         <p:txBody>
           <a:bodyPr lIns="0" rIns="0" tIns="0" bIns="0" anchor="t">
-            <a:normAutofit fontScale="93333"/>
+            <a:normAutofit fontScale="85555"/>
           </a:bodyPr>
           <a:p>
             <a:pPr lvl="1" marL="432000" indent="-212400">
@@ -33620,6 +33631,38 @@
                 <a:ea typeface="DejaVu Sans"/>
               </a:rPr>
               <a:t>TR1*.3 + TR2*.2 + AVAL*.5 = 10</a:t>
+            </a:r>
+            <a:endParaRPr b="0" lang="en-US" sz="1600" spc="-1" strike="noStrike">
+              <a:solidFill>
+                <a:srgbClr val="000000"/>
+              </a:solidFill>
+              <a:latin typeface="Arial"/>
+            </a:endParaRPr>
+          </a:p>
+          <a:p>
+            <a:pPr lvl="1" marL="432000" indent="-212400" defTabSz="914400">
+              <a:lnSpc>
+                <a:spcPct val="100000"/>
+              </a:lnSpc>
+              <a:spcAft>
+                <a:spcPts val="1140"/>
+              </a:spcAft>
+              <a:buClr>
+                <a:srgbClr val="000000"/>
+              </a:buClr>
+              <a:buSzPct val="45000"/>
+              <a:buFont typeface="Wingdings" charset="2"/>
+              <a:buChar char=""/>
+            </a:pPr>
+            <a:r>
+              <a:rPr b="1" lang="pt-BR" sz="1600" spc="-1" strike="noStrike">
+                <a:solidFill>
+                  <a:srgbClr val="1c1c1c"/>
+                </a:solidFill>
+                <a:latin typeface="Latin Modern Sans"/>
+                <a:ea typeface="DejaVu Sans"/>
+              </a:rPr>
+              <a:t>Presença: +2h de aula </a:t>
             </a:r>
             <a:endParaRPr b="0" lang="en-US" sz="1600" spc="-1" strike="noStrike">
               <a:solidFill>
@@ -33703,7 +33746,7 @@
         <p:spPr>
           <a:xfrm>
             <a:off x="7608600" y="6886080"/>
-            <a:ext cx="2276640" cy="356400"/>
+            <a:ext cx="2276280" cy="356040"/>
           </a:xfrm>
           <a:prstGeom prst="rect">
             <a:avLst/>
@@ -33757,7 +33800,7 @@
         <p:spPr>
           <a:xfrm>
             <a:off x="897120" y="6886080"/>
-            <a:ext cx="6438600" cy="356400"/>
+            <a:ext cx="6438240" cy="356040"/>
           </a:xfrm>
           <a:prstGeom prst="rect">
             <a:avLst/>
@@ -33841,7 +33884,7 @@
         <p:spPr>
           <a:xfrm>
             <a:off x="360000" y="360000"/>
-            <a:ext cx="9351360" cy="891360"/>
+            <a:ext cx="9351000" cy="891000"/>
           </a:xfrm>
           <a:prstGeom prst="rect">
             <a:avLst/>
@@ -33895,7 +33938,7 @@
         <p:spPr>
           <a:xfrm>
             <a:off x="360000" y="1980000"/>
-            <a:ext cx="9171360" cy="4671360"/>
+            <a:ext cx="9171000" cy="4671000"/>
           </a:xfrm>
           <a:prstGeom prst="rect">
             <a:avLst/>
@@ -34016,7 +34059,7 @@
         <p:spPr>
           <a:xfrm>
             <a:off x="7608600" y="6886080"/>
-            <a:ext cx="2276640" cy="356400"/>
+            <a:ext cx="2276280" cy="356040"/>
           </a:xfrm>
           <a:prstGeom prst="rect">
             <a:avLst/>
@@ -34070,7 +34113,7 @@
         <p:spPr>
           <a:xfrm>
             <a:off x="897120" y="6886080"/>
-            <a:ext cx="6438600" cy="356400"/>
+            <a:ext cx="6438240" cy="356040"/>
           </a:xfrm>
           <a:prstGeom prst="rect">
             <a:avLst/>
@@ -34118,13 +34161,13 @@
       <p:sp>
         <p:nvSpPr>
           <p:cNvPr id="360" name=""/>
-          <p:cNvSpPr txBox="1"/>
+          <p:cNvSpPr/>
           <p:nvPr/>
         </p:nvSpPr>
         <p:spPr>
           <a:xfrm>
             <a:off x="458280" y="2514960"/>
-            <a:ext cx="5714280" cy="785160"/>
+            <a:ext cx="5713920" cy="784800"/>
           </a:xfrm>
           <a:prstGeom prst="rect">
             <a:avLst/>
@@ -34134,11 +34177,22 @@
             <a:noFill/>
           </a:ln>
         </p:spPr>
+        <p:style>
+          <a:lnRef idx="0"/>
+          <a:fillRef idx="0"/>
+          <a:effectRef idx="0"/>
+          <a:fontRef idx="minor"/>
+        </p:style>
         <p:txBody>
           <a:bodyPr lIns="90000" rIns="90000" tIns="45000" bIns="45000" anchor="t">
             <a:noAutofit/>
           </a:bodyPr>
           <a:p>
+            <a:pPr>
+              <a:lnSpc>
+                <a:spcPct val="100000"/>
+              </a:lnSpc>
+            </a:pPr>
             <a:r>
               <a:rPr b="1" lang="pt-BR" sz="2000" spc="-1" strike="noStrike" u="sng">
                 <a:solidFill>
@@ -34153,7 +34207,7 @@
             <a:r>
               <a:rPr b="1" lang="pt-BR" sz="2000" spc="-1" strike="noStrike" u="sng">
                 <a:solidFill>
-                  <a:srgbClr val="1c1c1c"/>
+                  <a:srgbClr val="0000ff"/>
                 </a:solidFill>
                 <a:uFillTx/>
                 <a:latin typeface="Latin Modern Sans"/>
@@ -34210,7 +34264,7 @@
         <p:spPr>
           <a:xfrm>
             <a:off x="360000" y="360000"/>
-            <a:ext cx="9351360" cy="891360"/>
+            <a:ext cx="9351000" cy="891000"/>
           </a:xfrm>
           <a:prstGeom prst="rect">
             <a:avLst/>
@@ -34264,7 +34318,7 @@
         <p:spPr>
           <a:xfrm>
             <a:off x="7608600" y="6886080"/>
-            <a:ext cx="2276640" cy="356400"/>
+            <a:ext cx="2276280" cy="356040"/>
           </a:xfrm>
           <a:prstGeom prst="rect">
             <a:avLst/>
@@ -34318,7 +34372,7 @@
         <p:spPr>
           <a:xfrm>
             <a:off x="897120" y="6886080"/>
-            <a:ext cx="6438600" cy="356400"/>
+            <a:ext cx="6438240" cy="356040"/>
           </a:xfrm>
           <a:prstGeom prst="rect">
             <a:avLst/>
@@ -34376,7 +34430,7 @@
         <p:spPr>
           <a:xfrm>
             <a:off x="205920" y="1474920"/>
-            <a:ext cx="9483120" cy="5083560"/>
+            <a:ext cx="9482760" cy="5083200"/>
           </a:xfrm>
           <a:prstGeom prst="rect">
             <a:avLst/>
@@ -34395,7 +34449,7 @@
         <p:spPr>
           <a:xfrm rot="8716800">
             <a:off x="6567480" y="4603320"/>
-            <a:ext cx="799200" cy="337320"/>
+            <a:ext cx="798840" cy="336960"/>
           </a:xfrm>
           <a:prstGeom prst="rightArrow">
             <a:avLst>
@@ -34477,7 +34531,7 @@
         <p:spPr>
           <a:xfrm>
             <a:off x="360000" y="360000"/>
-            <a:ext cx="9351360" cy="891360"/>
+            <a:ext cx="9351000" cy="891000"/>
           </a:xfrm>
           <a:prstGeom prst="rect">
             <a:avLst/>
@@ -34531,7 +34585,7 @@
         <p:spPr>
           <a:xfrm>
             <a:off x="360000" y="1980000"/>
-            <a:ext cx="9171360" cy="4671360"/>
+            <a:ext cx="9171000" cy="4671000"/>
           </a:xfrm>
           <a:prstGeom prst="rect">
             <a:avLst/>
@@ -34753,7 +34807,7 @@
         <p:spPr>
           <a:xfrm>
             <a:off x="7608600" y="6886080"/>
-            <a:ext cx="2276640" cy="356400"/>
+            <a:ext cx="2276280" cy="356040"/>
           </a:xfrm>
           <a:prstGeom prst="rect">
             <a:avLst/>
@@ -34807,7 +34861,7 @@
         <p:spPr>
           <a:xfrm>
             <a:off x="897120" y="6886080"/>
-            <a:ext cx="6438600" cy="356400"/>
+            <a:ext cx="6438240" cy="356040"/>
           </a:xfrm>
           <a:prstGeom prst="rect">
             <a:avLst/>
@@ -34891,7 +34945,7 @@
         <p:spPr>
           <a:xfrm>
             <a:off x="360000" y="360000"/>
-            <a:ext cx="9351360" cy="891360"/>
+            <a:ext cx="9351000" cy="891000"/>
           </a:xfrm>
           <a:prstGeom prst="rect">
             <a:avLst/>
@@ -34945,7 +34999,7 @@
         <p:spPr>
           <a:xfrm>
             <a:off x="360000" y="1980000"/>
-            <a:ext cx="9171360" cy="4671360"/>
+            <a:ext cx="9171000" cy="4671000"/>
           </a:xfrm>
           <a:prstGeom prst="rect">
             <a:avLst/>
@@ -35343,7 +35397,7 @@
         <p:spPr>
           <a:xfrm>
             <a:off x="7608600" y="6886080"/>
-            <a:ext cx="2276640" cy="356400"/>
+            <a:ext cx="2276280" cy="356040"/>
           </a:xfrm>
           <a:prstGeom prst="rect">
             <a:avLst/>
@@ -35402,7 +35456,7 @@
         <p:spPr>
           <a:xfrm>
             <a:off x="5258160" y="1711440"/>
-            <a:ext cx="4273200" cy="2631240"/>
+            <a:ext cx="4272840" cy="2630880"/>
           </a:xfrm>
           <a:prstGeom prst="rect">
             <a:avLst/>
@@ -35421,7 +35475,7 @@
         <p:spPr>
           <a:xfrm>
             <a:off x="897120" y="6886080"/>
-            <a:ext cx="6438600" cy="356400"/>
+            <a:ext cx="6438240" cy="356040"/>
           </a:xfrm>
           <a:prstGeom prst="rect">
             <a:avLst/>
@@ -35505,7 +35559,7 @@
         <p:spPr>
           <a:xfrm>
             <a:off x="360000" y="360000"/>
-            <a:ext cx="9351360" cy="891360"/>
+            <a:ext cx="9351000" cy="891000"/>
           </a:xfrm>
           <a:prstGeom prst="rect">
             <a:avLst/>
@@ -35559,7 +35613,7 @@
         <p:spPr>
           <a:xfrm>
             <a:off x="360000" y="1980000"/>
-            <a:ext cx="9171360" cy="4671360"/>
+            <a:ext cx="9171000" cy="4671000"/>
           </a:xfrm>
           <a:prstGeom prst="rect">
             <a:avLst/>
@@ -36011,7 +36065,7 @@
         <p:spPr>
           <a:xfrm>
             <a:off x="7608600" y="6886080"/>
-            <a:ext cx="2276640" cy="356400"/>
+            <a:ext cx="2276280" cy="356040"/>
           </a:xfrm>
           <a:prstGeom prst="rect">
             <a:avLst/>
@@ -36069,7 +36123,7 @@
         <p:spPr>
           <a:xfrm>
             <a:off x="5190840" y="3429000"/>
-            <a:ext cx="4340520" cy="2492640"/>
+            <a:ext cx="4340160" cy="2492280"/>
           </a:xfrm>
           <a:prstGeom prst="rect">
             <a:avLst/>
@@ -36088,7 +36142,7 @@
         <p:spPr>
           <a:xfrm>
             <a:off x="897120" y="6886080"/>
-            <a:ext cx="6438600" cy="356400"/>
+            <a:ext cx="6438240" cy="356040"/>
           </a:xfrm>
           <a:prstGeom prst="rect">
             <a:avLst/>
@@ -36146,7 +36200,7 @@
         <p:spPr>
           <a:xfrm>
             <a:off x="5029200" y="3429000"/>
-            <a:ext cx="4340520" cy="2492640"/>
+            <a:ext cx="4340160" cy="2492280"/>
           </a:xfrm>
           <a:prstGeom prst="rect">
             <a:avLst/>
@@ -36195,7 +36249,7 @@
         <p:spPr>
           <a:xfrm>
             <a:off x="360000" y="360000"/>
-            <a:ext cx="9351360" cy="891360"/>
+            <a:ext cx="9351000" cy="891000"/>
           </a:xfrm>
           <a:prstGeom prst="rect">
             <a:avLst/>
@@ -36249,7 +36303,7 @@
         <p:spPr>
           <a:xfrm>
             <a:off x="360000" y="1980000"/>
-            <a:ext cx="9171360" cy="4671360"/>
+            <a:ext cx="9171000" cy="4671000"/>
           </a:xfrm>
           <a:prstGeom prst="rect">
             <a:avLst/>
@@ -36440,7 +36494,7 @@
         <p:spPr>
           <a:xfrm>
             <a:off x="7608600" y="6886080"/>
-            <a:ext cx="2276640" cy="356400"/>
+            <a:ext cx="2276280" cy="356040"/>
           </a:xfrm>
           <a:prstGeom prst="rect">
             <a:avLst/>
@@ -36494,7 +36548,7 @@
         <p:spPr>
           <a:xfrm>
             <a:off x="897120" y="6886080"/>
-            <a:ext cx="6438600" cy="356400"/>
+            <a:ext cx="6438240" cy="356040"/>
           </a:xfrm>
           <a:prstGeom prst="rect">
             <a:avLst/>
@@ -36552,7 +36606,7 @@
         <p:spPr>
           <a:xfrm>
             <a:off x="2745360" y="3678840"/>
-            <a:ext cx="4797720" cy="2755080"/>
+            <a:ext cx="4797360" cy="2754720"/>
           </a:xfrm>
           <a:prstGeom prst="rect">
             <a:avLst/>
@@ -36601,7 +36655,7 @@
         <p:spPr>
           <a:xfrm>
             <a:off x="360000" y="360000"/>
-            <a:ext cx="9351360" cy="891360"/>
+            <a:ext cx="9351000" cy="891000"/>
           </a:xfrm>
           <a:prstGeom prst="rect">
             <a:avLst/>
@@ -36655,7 +36709,7 @@
         <p:spPr>
           <a:xfrm>
             <a:off x="7608600" y="6886080"/>
-            <a:ext cx="2276640" cy="356400"/>
+            <a:ext cx="2276280" cy="356040"/>
           </a:xfrm>
           <a:prstGeom prst="rect">
             <a:avLst/>
@@ -36709,7 +36763,7 @@
         <p:spPr>
           <a:xfrm>
             <a:off x="897120" y="6886080"/>
-            <a:ext cx="6438600" cy="356400"/>
+            <a:ext cx="6438240" cy="356040"/>
           </a:xfrm>
           <a:prstGeom prst="rect">
             <a:avLst/>
@@ -36767,7 +36821,7 @@
         <p:spPr>
           <a:xfrm>
             <a:off x="2286000" y="2057400"/>
-            <a:ext cx="5257080" cy="3674160"/>
+            <a:ext cx="5256720" cy="3673800"/>
           </a:xfrm>
           <a:prstGeom prst="rect">
             <a:avLst/>

--- a/DataStructuresAndAlgorithms/Lecture 03 - Linked Lists and Hash Table/Lecture 03 - Linked Lists and Hash Table.pptx
+++ b/DataStructuresAndAlgorithms/Lecture 03 - Linked Lists and Hash Table/Lecture 03 - Linked Lists and Hash Table.pptx
@@ -65,6 +65,7 @@
     <p:sldId id="283" r:id="rId58"/>
     <p:sldId id="284" r:id="rId59"/>
     <p:sldId id="285" r:id="rId60"/>
+    <p:sldId id="286" r:id="rId61"/>
   </p:sldIdLst>
   <p:sldSz cx="10080625" cy="7559675"/>
   <p:notesSz cx="7559675" cy="10691813"/>
@@ -395,7 +396,7 @@
             <a:pPr indent="0" algn="r">
               <a:buNone/>
             </a:pPr>
-            <a:fld id="{57395271-E2F0-45F3-8FF6-47BA333D39E9}" type="slidenum">
+            <a:fld id="{E5691CA6-5130-4308-8649-53EF765D5A3E}" type="slidenum">
               <a:rPr b="0" lang="en-US" sz="1400" spc="-1" strike="noStrike">
                 <a:solidFill>
                   <a:srgbClr val="000000"/>
@@ -438,7 +439,7 @@
       </p:grpSpPr>
       <p:sp>
         <p:nvSpPr>
-          <p:cNvPr id="361" name="PlaceHolder 1"/>
+          <p:cNvPr id="367" name="PlaceHolder 1"/>
           <p:cNvSpPr>
             <a:spLocks noGrp="1"/>
           </p:cNvSpPr>
@@ -461,7 +462,7 @@
       </p:sp>
       <p:sp>
         <p:nvSpPr>
-          <p:cNvPr id="362" name="PlaceHolder 2"/>
+          <p:cNvPr id="368" name="PlaceHolder 2"/>
           <p:cNvSpPr>
             <a:spLocks noGrp="1"/>
           </p:cNvSpPr>
@@ -501,7 +502,7 @@
       </p:sp>
       <p:sp>
         <p:nvSpPr>
-          <p:cNvPr id="363" name="CustomShape 3"/>
+          <p:cNvPr id="369" name="CustomShape 3"/>
           <p:cNvSpPr/>
           <p:nvPr/>
         </p:nvSpPr>
@@ -577,7 +578,7 @@
       </p:grpSpPr>
       <p:sp>
         <p:nvSpPr>
-          <p:cNvPr id="388" name="PlaceHolder 1"/>
+          <p:cNvPr id="394" name="PlaceHolder 1"/>
           <p:cNvSpPr>
             <a:spLocks noGrp="1"/>
           </p:cNvSpPr>
@@ -600,7 +601,7 @@
       </p:sp>
       <p:sp>
         <p:nvSpPr>
-          <p:cNvPr id="389" name="PlaceHolder 2"/>
+          <p:cNvPr id="395" name="PlaceHolder 2"/>
           <p:cNvSpPr>
             <a:spLocks noGrp="1"/>
           </p:cNvSpPr>
@@ -640,7 +641,7 @@
       </p:sp>
       <p:sp>
         <p:nvSpPr>
-          <p:cNvPr id="390" name="CustomShape 48"/>
+          <p:cNvPr id="396" name="CustomShape 48"/>
           <p:cNvSpPr/>
           <p:nvPr/>
         </p:nvSpPr>
@@ -716,7 +717,7 @@
       </p:grpSpPr>
       <p:sp>
         <p:nvSpPr>
-          <p:cNvPr id="391" name="PlaceHolder 1"/>
+          <p:cNvPr id="397" name="PlaceHolder 1"/>
           <p:cNvSpPr>
             <a:spLocks noGrp="1"/>
           </p:cNvSpPr>
@@ -739,7 +740,7 @@
       </p:sp>
       <p:sp>
         <p:nvSpPr>
-          <p:cNvPr id="392" name="PlaceHolder 2"/>
+          <p:cNvPr id="398" name="PlaceHolder 2"/>
           <p:cNvSpPr>
             <a:spLocks noGrp="1"/>
           </p:cNvSpPr>
@@ -779,7 +780,7 @@
       </p:sp>
       <p:sp>
         <p:nvSpPr>
-          <p:cNvPr id="393" name="CustomShape 78"/>
+          <p:cNvPr id="399" name="CustomShape 78"/>
           <p:cNvSpPr/>
           <p:nvPr/>
         </p:nvSpPr>
@@ -855,7 +856,7 @@
       </p:grpSpPr>
       <p:sp>
         <p:nvSpPr>
-          <p:cNvPr id="394" name="PlaceHolder 1"/>
+          <p:cNvPr id="400" name="PlaceHolder 1"/>
           <p:cNvSpPr>
             <a:spLocks noGrp="1"/>
           </p:cNvSpPr>
@@ -878,7 +879,7 @@
       </p:sp>
       <p:sp>
         <p:nvSpPr>
-          <p:cNvPr id="395" name="PlaceHolder 2"/>
+          <p:cNvPr id="401" name="PlaceHolder 2"/>
           <p:cNvSpPr>
             <a:spLocks noGrp="1"/>
           </p:cNvSpPr>
@@ -918,7 +919,7 @@
       </p:sp>
       <p:sp>
         <p:nvSpPr>
-          <p:cNvPr id="396" name="CustomShape 53"/>
+          <p:cNvPr id="402" name="CustomShape 53"/>
           <p:cNvSpPr/>
           <p:nvPr/>
         </p:nvSpPr>
@@ -994,7 +995,7 @@
       </p:grpSpPr>
       <p:sp>
         <p:nvSpPr>
-          <p:cNvPr id="397" name="PlaceHolder 1"/>
+          <p:cNvPr id="403" name="PlaceHolder 1"/>
           <p:cNvSpPr>
             <a:spLocks noGrp="1"/>
           </p:cNvSpPr>
@@ -1017,7 +1018,7 @@
       </p:sp>
       <p:sp>
         <p:nvSpPr>
-          <p:cNvPr id="398" name="PlaceHolder 2"/>
+          <p:cNvPr id="404" name="PlaceHolder 2"/>
           <p:cNvSpPr>
             <a:spLocks noGrp="1"/>
           </p:cNvSpPr>
@@ -1057,7 +1058,7 @@
       </p:sp>
       <p:sp>
         <p:nvSpPr>
-          <p:cNvPr id="399" name="CustomShape 83"/>
+          <p:cNvPr id="405" name="CustomShape 83"/>
           <p:cNvSpPr/>
           <p:nvPr/>
         </p:nvSpPr>
@@ -1133,7 +1134,7 @@
       </p:grpSpPr>
       <p:sp>
         <p:nvSpPr>
-          <p:cNvPr id="400" name="PlaceHolder 1"/>
+          <p:cNvPr id="406" name="PlaceHolder 1"/>
           <p:cNvSpPr>
             <a:spLocks noGrp="1"/>
           </p:cNvSpPr>
@@ -1156,7 +1157,7 @@
       </p:sp>
       <p:sp>
         <p:nvSpPr>
-          <p:cNvPr id="401" name="PlaceHolder 2"/>
+          <p:cNvPr id="407" name="PlaceHolder 2"/>
           <p:cNvSpPr>
             <a:spLocks noGrp="1"/>
           </p:cNvSpPr>
@@ -1196,7 +1197,7 @@
       </p:sp>
       <p:sp>
         <p:nvSpPr>
-          <p:cNvPr id="402" name="CustomShape 58"/>
+          <p:cNvPr id="408" name="CustomShape 58"/>
           <p:cNvSpPr/>
           <p:nvPr/>
         </p:nvSpPr>
@@ -1272,7 +1273,7 @@
       </p:grpSpPr>
       <p:sp>
         <p:nvSpPr>
-          <p:cNvPr id="403" name="PlaceHolder 1"/>
+          <p:cNvPr id="409" name="PlaceHolder 1"/>
           <p:cNvSpPr>
             <a:spLocks noGrp="1"/>
           </p:cNvSpPr>
@@ -1295,7 +1296,7 @@
       </p:sp>
       <p:sp>
         <p:nvSpPr>
-          <p:cNvPr id="404" name="PlaceHolder 2"/>
+          <p:cNvPr id="410" name="PlaceHolder 2"/>
           <p:cNvSpPr>
             <a:spLocks noGrp="1"/>
           </p:cNvSpPr>
@@ -1335,7 +1336,7 @@
       </p:sp>
       <p:sp>
         <p:nvSpPr>
-          <p:cNvPr id="405" name="CustomShape 88"/>
+          <p:cNvPr id="411" name="CustomShape 88"/>
           <p:cNvSpPr/>
           <p:nvPr/>
         </p:nvSpPr>
@@ -1411,7 +1412,7 @@
       </p:grpSpPr>
       <p:sp>
         <p:nvSpPr>
-          <p:cNvPr id="406" name="PlaceHolder 1"/>
+          <p:cNvPr id="412" name="PlaceHolder 1"/>
           <p:cNvSpPr>
             <a:spLocks noGrp="1"/>
           </p:cNvSpPr>
@@ -1434,7 +1435,7 @@
       </p:sp>
       <p:sp>
         <p:nvSpPr>
-          <p:cNvPr id="407" name="PlaceHolder 2"/>
+          <p:cNvPr id="413" name="PlaceHolder 2"/>
           <p:cNvSpPr>
             <a:spLocks noGrp="1"/>
           </p:cNvSpPr>
@@ -1474,7 +1475,7 @@
       </p:sp>
       <p:sp>
         <p:nvSpPr>
-          <p:cNvPr id="408" name="CustomShape 3"/>
+          <p:cNvPr id="414" name="CustomShape 3"/>
           <p:cNvSpPr/>
           <p:nvPr/>
         </p:nvSpPr>
@@ -1550,7 +1551,7 @@
       </p:grpSpPr>
       <p:sp>
         <p:nvSpPr>
-          <p:cNvPr id="409" name="PlaceHolder 1"/>
+          <p:cNvPr id="415" name="PlaceHolder 1"/>
           <p:cNvSpPr>
             <a:spLocks noGrp="1"/>
           </p:cNvSpPr>
@@ -1573,7 +1574,7 @@
       </p:sp>
       <p:sp>
         <p:nvSpPr>
-          <p:cNvPr id="410" name="PlaceHolder 2"/>
+          <p:cNvPr id="416" name="PlaceHolder 2"/>
           <p:cNvSpPr>
             <a:spLocks noGrp="1"/>
           </p:cNvSpPr>
@@ -1613,7 +1614,7 @@
       </p:sp>
       <p:sp>
         <p:nvSpPr>
-          <p:cNvPr id="411" name="CustomShape 93"/>
+          <p:cNvPr id="417" name="CustomShape 93"/>
           <p:cNvSpPr/>
           <p:nvPr/>
         </p:nvSpPr>
@@ -1689,7 +1690,7 @@
       </p:grpSpPr>
       <p:sp>
         <p:nvSpPr>
-          <p:cNvPr id="412" name="PlaceHolder 1"/>
+          <p:cNvPr id="418" name="PlaceHolder 1"/>
           <p:cNvSpPr>
             <a:spLocks noGrp="1"/>
           </p:cNvSpPr>
@@ -1712,7 +1713,7 @@
       </p:sp>
       <p:sp>
         <p:nvSpPr>
-          <p:cNvPr id="413" name="PlaceHolder 2"/>
+          <p:cNvPr id="419" name="PlaceHolder 2"/>
           <p:cNvSpPr>
             <a:spLocks noGrp="1"/>
           </p:cNvSpPr>
@@ -1752,7 +1753,7 @@
       </p:sp>
       <p:sp>
         <p:nvSpPr>
-          <p:cNvPr id="414" name="CustomShape 3"/>
+          <p:cNvPr id="420" name="CustomShape 3"/>
           <p:cNvSpPr/>
           <p:nvPr/>
         </p:nvSpPr>
@@ -1828,7 +1829,7 @@
       </p:grpSpPr>
       <p:sp>
         <p:nvSpPr>
-          <p:cNvPr id="415" name="PlaceHolder 1"/>
+          <p:cNvPr id="421" name="PlaceHolder 1"/>
           <p:cNvSpPr>
             <a:spLocks noGrp="1"/>
           </p:cNvSpPr>
@@ -1851,7 +1852,7 @@
       </p:sp>
       <p:sp>
         <p:nvSpPr>
-          <p:cNvPr id="416" name="PlaceHolder 2"/>
+          <p:cNvPr id="422" name="PlaceHolder 2"/>
           <p:cNvSpPr>
             <a:spLocks noGrp="1"/>
           </p:cNvSpPr>
@@ -1891,7 +1892,7 @@
       </p:sp>
       <p:sp>
         <p:nvSpPr>
-          <p:cNvPr id="417" name="CustomShape 107"/>
+          <p:cNvPr id="423" name="CustomShape 107"/>
           <p:cNvSpPr/>
           <p:nvPr/>
         </p:nvSpPr>
@@ -1967,7 +1968,7 @@
       </p:grpSpPr>
       <p:sp>
         <p:nvSpPr>
-          <p:cNvPr id="364" name="PlaceHolder 1"/>
+          <p:cNvPr id="370" name="PlaceHolder 1"/>
           <p:cNvSpPr>
             <a:spLocks noGrp="1"/>
           </p:cNvSpPr>
@@ -1990,7 +1991,7 @@
       </p:sp>
       <p:sp>
         <p:nvSpPr>
-          <p:cNvPr id="365" name="PlaceHolder 2"/>
+          <p:cNvPr id="371" name="PlaceHolder 2"/>
           <p:cNvSpPr>
             <a:spLocks noGrp="1"/>
           </p:cNvSpPr>
@@ -2030,7 +2031,7 @@
       </p:sp>
       <p:sp>
         <p:nvSpPr>
-          <p:cNvPr id="366" name="CustomShape 3"/>
+          <p:cNvPr id="372" name="CustomShape 3"/>
           <p:cNvSpPr/>
           <p:nvPr/>
         </p:nvSpPr>
@@ -2106,7 +2107,7 @@
       </p:grpSpPr>
       <p:sp>
         <p:nvSpPr>
-          <p:cNvPr id="418" name="PlaceHolder 1"/>
+          <p:cNvPr id="424" name="PlaceHolder 1"/>
           <p:cNvSpPr>
             <a:spLocks noGrp="1"/>
           </p:cNvSpPr>
@@ -2129,7 +2130,7 @@
       </p:sp>
       <p:sp>
         <p:nvSpPr>
-          <p:cNvPr id="419" name="PlaceHolder 2"/>
+          <p:cNvPr id="425" name="PlaceHolder 2"/>
           <p:cNvSpPr>
             <a:spLocks noGrp="1"/>
           </p:cNvSpPr>
@@ -2169,7 +2170,7 @@
       </p:sp>
       <p:sp>
         <p:nvSpPr>
-          <p:cNvPr id="420" name="CustomShape 112"/>
+          <p:cNvPr id="426" name="CustomShape 112"/>
           <p:cNvSpPr/>
           <p:nvPr/>
         </p:nvSpPr>
@@ -2245,7 +2246,7 @@
       </p:grpSpPr>
       <p:sp>
         <p:nvSpPr>
-          <p:cNvPr id="421" name="PlaceHolder 1"/>
+          <p:cNvPr id="427" name="PlaceHolder 1"/>
           <p:cNvSpPr>
             <a:spLocks noGrp="1"/>
           </p:cNvSpPr>
@@ -2268,7 +2269,7 @@
       </p:sp>
       <p:sp>
         <p:nvSpPr>
-          <p:cNvPr id="422" name="PlaceHolder 2"/>
+          <p:cNvPr id="428" name="PlaceHolder 2"/>
           <p:cNvSpPr>
             <a:spLocks noGrp="1"/>
           </p:cNvSpPr>
@@ -2308,7 +2309,7 @@
       </p:sp>
       <p:sp>
         <p:nvSpPr>
-          <p:cNvPr id="423" name="CustomShape 3"/>
+          <p:cNvPr id="429" name="CustomShape 3"/>
           <p:cNvSpPr/>
           <p:nvPr/>
         </p:nvSpPr>
@@ -2384,7 +2385,7 @@
       </p:grpSpPr>
       <p:sp>
         <p:nvSpPr>
-          <p:cNvPr id="424" name="PlaceHolder 1"/>
+          <p:cNvPr id="430" name="PlaceHolder 1"/>
           <p:cNvSpPr>
             <a:spLocks noGrp="1"/>
           </p:cNvSpPr>
@@ -2407,7 +2408,7 @@
       </p:sp>
       <p:sp>
         <p:nvSpPr>
-          <p:cNvPr id="425" name="PlaceHolder 2"/>
+          <p:cNvPr id="431" name="PlaceHolder 2"/>
           <p:cNvSpPr>
             <a:spLocks noGrp="1"/>
           </p:cNvSpPr>
@@ -2447,7 +2448,7 @@
       </p:sp>
       <p:sp>
         <p:nvSpPr>
-          <p:cNvPr id="426" name="CustomShape 3"/>
+          <p:cNvPr id="432" name="CustomShape 3"/>
           <p:cNvSpPr/>
           <p:nvPr/>
         </p:nvSpPr>
@@ -2523,7 +2524,7 @@
       </p:grpSpPr>
       <p:sp>
         <p:nvSpPr>
-          <p:cNvPr id="427" name="PlaceHolder 1"/>
+          <p:cNvPr id="433" name="PlaceHolder 1"/>
           <p:cNvSpPr>
             <a:spLocks noGrp="1"/>
           </p:cNvSpPr>
@@ -2546,7 +2547,7 @@
       </p:sp>
       <p:sp>
         <p:nvSpPr>
-          <p:cNvPr id="428" name="PlaceHolder 2"/>
+          <p:cNvPr id="434" name="PlaceHolder 2"/>
           <p:cNvSpPr>
             <a:spLocks noGrp="1"/>
           </p:cNvSpPr>
@@ -2586,7 +2587,7 @@
       </p:sp>
       <p:sp>
         <p:nvSpPr>
-          <p:cNvPr id="429" name="CustomShape 7"/>
+          <p:cNvPr id="435" name="CustomShape 7"/>
           <p:cNvSpPr/>
           <p:nvPr/>
         </p:nvSpPr>
@@ -2662,7 +2663,7 @@
       </p:grpSpPr>
       <p:sp>
         <p:nvSpPr>
-          <p:cNvPr id="430" name="PlaceHolder 1"/>
+          <p:cNvPr id="436" name="PlaceHolder 1"/>
           <p:cNvSpPr>
             <a:spLocks noGrp="1"/>
           </p:cNvSpPr>
@@ -2685,7 +2686,7 @@
       </p:sp>
       <p:sp>
         <p:nvSpPr>
-          <p:cNvPr id="431" name="PlaceHolder 2"/>
+          <p:cNvPr id="437" name="PlaceHolder 2"/>
           <p:cNvSpPr>
             <a:spLocks noGrp="1"/>
           </p:cNvSpPr>
@@ -2725,7 +2726,7 @@
       </p:sp>
       <p:sp>
         <p:nvSpPr>
-          <p:cNvPr id="432" name="CustomShape 17"/>
+          <p:cNvPr id="438" name="CustomShape 17"/>
           <p:cNvSpPr/>
           <p:nvPr/>
         </p:nvSpPr>
@@ -2801,7 +2802,7 @@
       </p:grpSpPr>
       <p:sp>
         <p:nvSpPr>
-          <p:cNvPr id="433" name="PlaceHolder 1"/>
+          <p:cNvPr id="439" name="PlaceHolder 1"/>
           <p:cNvSpPr>
             <a:spLocks noGrp="1"/>
           </p:cNvSpPr>
@@ -2824,7 +2825,7 @@
       </p:sp>
       <p:sp>
         <p:nvSpPr>
-          <p:cNvPr id="434" name="PlaceHolder 2"/>
+          <p:cNvPr id="440" name="PlaceHolder 2"/>
           <p:cNvSpPr>
             <a:spLocks noGrp="1"/>
           </p:cNvSpPr>
@@ -2864,7 +2865,7 @@
       </p:sp>
       <p:sp>
         <p:nvSpPr>
-          <p:cNvPr id="435" name="CustomShape 18"/>
+          <p:cNvPr id="441" name="CustomShape 18"/>
           <p:cNvSpPr/>
           <p:nvPr/>
         </p:nvSpPr>
@@ -2940,7 +2941,7 @@
       </p:grpSpPr>
       <p:sp>
         <p:nvSpPr>
-          <p:cNvPr id="436" name="PlaceHolder 1"/>
+          <p:cNvPr id="442" name="PlaceHolder 1"/>
           <p:cNvSpPr>
             <a:spLocks noGrp="1"/>
           </p:cNvSpPr>
@@ -2963,7 +2964,7 @@
       </p:sp>
       <p:sp>
         <p:nvSpPr>
-          <p:cNvPr id="437" name="PlaceHolder 2"/>
+          <p:cNvPr id="443" name="PlaceHolder 2"/>
           <p:cNvSpPr>
             <a:spLocks noGrp="1"/>
           </p:cNvSpPr>
@@ -3003,7 +3004,7 @@
       </p:sp>
       <p:sp>
         <p:nvSpPr>
-          <p:cNvPr id="438" name="CustomShape 28"/>
+          <p:cNvPr id="444" name="CustomShape 28"/>
           <p:cNvSpPr/>
           <p:nvPr/>
         </p:nvSpPr>
@@ -3079,7 +3080,7 @@
       </p:grpSpPr>
       <p:sp>
         <p:nvSpPr>
-          <p:cNvPr id="439" name="PlaceHolder 1"/>
+          <p:cNvPr id="445" name="PlaceHolder 1"/>
           <p:cNvSpPr>
             <a:spLocks noGrp="1"/>
           </p:cNvSpPr>
@@ -3102,7 +3103,7 @@
       </p:sp>
       <p:sp>
         <p:nvSpPr>
-          <p:cNvPr id="440" name="PlaceHolder 2"/>
+          <p:cNvPr id="446" name="PlaceHolder 2"/>
           <p:cNvSpPr>
             <a:spLocks noGrp="1"/>
           </p:cNvSpPr>
@@ -3142,7 +3143,7 @@
       </p:sp>
       <p:sp>
         <p:nvSpPr>
-          <p:cNvPr id="441" name="CustomShape 33"/>
+          <p:cNvPr id="447" name="CustomShape 33"/>
           <p:cNvSpPr/>
           <p:nvPr/>
         </p:nvSpPr>
@@ -3218,7 +3219,7 @@
       </p:grpSpPr>
       <p:sp>
         <p:nvSpPr>
-          <p:cNvPr id="442" name="PlaceHolder 1"/>
+          <p:cNvPr id="448" name="PlaceHolder 1"/>
           <p:cNvSpPr>
             <a:spLocks noGrp="1"/>
           </p:cNvSpPr>
@@ -3241,7 +3242,7 @@
       </p:sp>
       <p:sp>
         <p:nvSpPr>
-          <p:cNvPr id="443" name="PlaceHolder 2"/>
+          <p:cNvPr id="449" name="PlaceHolder 2"/>
           <p:cNvSpPr>
             <a:spLocks noGrp="1"/>
           </p:cNvSpPr>
@@ -3281,7 +3282,7 @@
       </p:sp>
       <p:sp>
         <p:nvSpPr>
-          <p:cNvPr id="444" name="CustomShape 38"/>
+          <p:cNvPr id="450" name="CustomShape 38"/>
           <p:cNvSpPr/>
           <p:nvPr/>
         </p:nvSpPr>
@@ -3357,7 +3358,7 @@
       </p:grpSpPr>
       <p:sp>
         <p:nvSpPr>
-          <p:cNvPr id="445" name="PlaceHolder 1"/>
+          <p:cNvPr id="451" name="PlaceHolder 1"/>
           <p:cNvSpPr>
             <a:spLocks noGrp="1"/>
           </p:cNvSpPr>
@@ -3368,7 +3369,7 @@
         <p:spPr>
           <a:xfrm>
             <a:off x="1376280" y="1336680"/>
-            <a:ext cx="4800240" cy="3600360"/>
+            <a:ext cx="4799160" cy="3599280"/>
           </a:xfrm>
           <a:prstGeom prst="rect">
             <a:avLst/>
@@ -3380,7 +3381,7 @@
       </p:sp>
       <p:sp>
         <p:nvSpPr>
-          <p:cNvPr id="446" name="PlaceHolder 2"/>
+          <p:cNvPr id="452" name="PlaceHolder 2"/>
           <p:cNvSpPr>
             <a:spLocks noGrp="1"/>
           </p:cNvSpPr>
@@ -3391,7 +3392,7 @@
         <p:spPr>
           <a:xfrm>
             <a:off x="756000" y="5145120"/>
-            <a:ext cx="6039720" cy="4201920"/>
+            <a:ext cx="6038640" cy="4200840"/>
           </a:xfrm>
           <a:prstGeom prst="rect">
             <a:avLst/>
@@ -3420,14 +3421,14 @@
       </p:sp>
       <p:sp>
         <p:nvSpPr>
-          <p:cNvPr id="447" name="CustomShape 43"/>
+          <p:cNvPr id="453" name="CustomShape 116"/>
           <p:cNvSpPr/>
           <p:nvPr/>
         </p:nvSpPr>
         <p:spPr>
           <a:xfrm>
             <a:off x="0" y="10155240"/>
-            <a:ext cx="3268080" cy="528480"/>
+            <a:ext cx="3267000" cy="527400"/>
           </a:xfrm>
           <a:prstGeom prst="rect">
             <a:avLst/>
@@ -3448,7 +3449,7 @@
             <a:noAutofit/>
           </a:bodyPr>
           <a:p>
-            <a:pPr defTabSz="914400">
+            <a:pPr>
               <a:lnSpc>
                 <a:spcPct val="100000"/>
               </a:lnSpc>
@@ -3496,7 +3497,7 @@
       </p:grpSpPr>
       <p:sp>
         <p:nvSpPr>
-          <p:cNvPr id="367" name="PlaceHolder 1"/>
+          <p:cNvPr id="373" name="PlaceHolder 1"/>
           <p:cNvSpPr>
             <a:spLocks noGrp="1"/>
           </p:cNvSpPr>
@@ -3519,7 +3520,7 @@
       </p:sp>
       <p:sp>
         <p:nvSpPr>
-          <p:cNvPr id="368" name="PlaceHolder 2"/>
+          <p:cNvPr id="374" name="PlaceHolder 2"/>
           <p:cNvSpPr>
             <a:spLocks noGrp="1"/>
           </p:cNvSpPr>
@@ -3559,7 +3560,7 @@
       </p:sp>
       <p:sp>
         <p:nvSpPr>
-          <p:cNvPr id="369" name="CustomShape 98"/>
+          <p:cNvPr id="375" name="CustomShape 98"/>
           <p:cNvSpPr/>
           <p:nvPr/>
         </p:nvSpPr>
@@ -3635,7 +3636,7 @@
       </p:grpSpPr>
       <p:sp>
         <p:nvSpPr>
-          <p:cNvPr id="448" name="PlaceHolder 1"/>
+          <p:cNvPr id="454" name="PlaceHolder 1"/>
           <p:cNvSpPr>
             <a:spLocks noGrp="1"/>
           </p:cNvSpPr>
@@ -3646,7 +3647,7 @@
         <p:spPr>
           <a:xfrm>
             <a:off x="1376280" y="1336680"/>
-            <a:ext cx="4799160" cy="3599280"/>
+            <a:ext cx="4800240" cy="3600360"/>
           </a:xfrm>
           <a:prstGeom prst="rect">
             <a:avLst/>
@@ -3658,7 +3659,7 @@
       </p:sp>
       <p:sp>
         <p:nvSpPr>
-          <p:cNvPr id="449" name="PlaceHolder 2"/>
+          <p:cNvPr id="455" name="PlaceHolder 2"/>
           <p:cNvSpPr>
             <a:spLocks noGrp="1"/>
           </p:cNvSpPr>
@@ -3669,7 +3670,7 @@
         <p:spPr>
           <a:xfrm>
             <a:off x="756000" y="5145120"/>
-            <a:ext cx="6038640" cy="4200840"/>
+            <a:ext cx="6039720" cy="4201920"/>
           </a:xfrm>
           <a:prstGeom prst="rect">
             <a:avLst/>
@@ -3698,7 +3699,146 @@
       </p:sp>
       <p:sp>
         <p:nvSpPr>
-          <p:cNvPr id="450" name="CustomShape 6"/>
+          <p:cNvPr id="456" name="CustomShape 43"/>
+          <p:cNvSpPr/>
+          <p:nvPr/>
+        </p:nvSpPr>
+        <p:spPr>
+          <a:xfrm>
+            <a:off x="0" y="10155240"/>
+            <a:ext cx="3268080" cy="528480"/>
+          </a:xfrm>
+          <a:prstGeom prst="rect">
+            <a:avLst/>
+          </a:prstGeom>
+          <a:noFill/>
+          <a:ln w="0">
+            <a:noFill/>
+          </a:ln>
+        </p:spPr>
+        <p:style>
+          <a:lnRef idx="0"/>
+          <a:fillRef idx="0"/>
+          <a:effectRef idx="0"/>
+          <a:fontRef idx="minor"/>
+        </p:style>
+        <p:txBody>
+          <a:bodyPr lIns="90000" rIns="90000" tIns="45000" bIns="45000" anchor="b">
+            <a:noAutofit/>
+          </a:bodyPr>
+          <a:p>
+            <a:pPr defTabSz="914400">
+              <a:lnSpc>
+                <a:spcPct val="100000"/>
+              </a:lnSpc>
+            </a:pPr>
+            <a:r>
+              <a:rPr b="0" lang="pt-BR" sz="1200" spc="-1" strike="noStrike">
+                <a:solidFill>
+                  <a:srgbClr val="000000"/>
+                </a:solidFill>
+                <a:latin typeface="Times New Roman"/>
+                <a:ea typeface="+mn-ea"/>
+              </a:rPr>
+              <a:t>Prof. André Hochuli</a:t>
+            </a:r>
+            <a:endParaRPr b="0" lang="en-US" sz="1200" spc="-1" strike="noStrike">
+              <a:solidFill>
+                <a:srgbClr val="000000"/>
+              </a:solidFill>
+              <a:latin typeface="Arial"/>
+            </a:endParaRPr>
+          </a:p>
+        </p:txBody>
+      </p:sp>
+    </p:spTree>
+  </p:cSld>
+</p:notes>
+</file>
+
+<file path=ppt/notesSlides/notesSlide31.xml><?xml version="1.0" encoding="utf-8"?>
+<p:notes xmlns:a="http://schemas.openxmlformats.org/drawingml/2006/main" xmlns:p="http://schemas.openxmlformats.org/presentationml/2006/main" xmlns:r="http://schemas.openxmlformats.org/officeDocument/2006/relationships" xmlns:p14="http://schemas.microsoft.com/office/powerpoint/2010/main" xmlns:p15="http://schemas.microsoft.com/office/powerpoint/2012/main" xmlns:mc="http://schemas.openxmlformats.org/markup-compatibility/2006">
+  <p:cSld>
+    <p:spTree>
+      <p:nvGrpSpPr>
+        <p:cNvPr id="1" name=""/>
+        <p:cNvGrpSpPr/>
+        <p:nvPr/>
+      </p:nvGrpSpPr>
+      <p:grpSpPr>
+        <a:xfrm>
+          <a:off x="0" y="0"/>
+          <a:ext cx="0" cy="0"/>
+          <a:chOff x="0" y="0"/>
+          <a:chExt cx="0" cy="0"/>
+        </a:xfrm>
+      </p:grpSpPr>
+      <p:sp>
+        <p:nvSpPr>
+          <p:cNvPr id="457" name="PlaceHolder 1"/>
+          <p:cNvSpPr>
+            <a:spLocks noGrp="1"/>
+          </p:cNvSpPr>
+          <p:nvPr>
+            <p:ph type="sldImg"/>
+          </p:nvPr>
+        </p:nvSpPr>
+        <p:spPr>
+          <a:xfrm>
+            <a:off x="1376280" y="1336680"/>
+            <a:ext cx="4799160" cy="3599280"/>
+          </a:xfrm>
+          <a:prstGeom prst="rect">
+            <a:avLst/>
+          </a:prstGeom>
+          <a:ln w="0">
+            <a:noFill/>
+          </a:ln>
+        </p:spPr>
+      </p:sp>
+      <p:sp>
+        <p:nvSpPr>
+          <p:cNvPr id="458" name="PlaceHolder 2"/>
+          <p:cNvSpPr>
+            <a:spLocks noGrp="1"/>
+          </p:cNvSpPr>
+          <p:nvPr>
+            <p:ph type="body"/>
+          </p:nvPr>
+        </p:nvSpPr>
+        <p:spPr>
+          <a:xfrm>
+            <a:off x="756000" y="5145120"/>
+            <a:ext cx="6038640" cy="4200840"/>
+          </a:xfrm>
+          <a:prstGeom prst="rect">
+            <a:avLst/>
+          </a:prstGeom>
+          <a:noFill/>
+          <a:ln w="0">
+            <a:noFill/>
+          </a:ln>
+        </p:spPr>
+        <p:txBody>
+          <a:bodyPr lIns="0" rIns="0" tIns="0" bIns="0" anchor="t">
+            <a:noAutofit/>
+          </a:bodyPr>
+          <a:p>
+            <a:pPr marL="216000" indent="-216000">
+              <a:buNone/>
+            </a:pPr>
+            <a:endParaRPr b="0" lang="en-US" sz="1800" spc="-1" strike="noStrike">
+              <a:solidFill>
+                <a:srgbClr val="000000"/>
+              </a:solidFill>
+              <a:latin typeface="Arial"/>
+            </a:endParaRPr>
+          </a:p>
+        </p:txBody>
+      </p:sp>
+      <p:sp>
+        <p:nvSpPr>
+          <p:cNvPr id="459" name="CustomShape 6"/>
           <p:cNvSpPr/>
           <p:nvPr/>
         </p:nvSpPr>
@@ -3774,7 +3914,7 @@
       </p:grpSpPr>
       <p:sp>
         <p:nvSpPr>
-          <p:cNvPr id="370" name="PlaceHolder 1"/>
+          <p:cNvPr id="376" name="PlaceHolder 1"/>
           <p:cNvSpPr>
             <a:spLocks noGrp="1"/>
           </p:cNvSpPr>
@@ -3797,7 +3937,7 @@
       </p:sp>
       <p:sp>
         <p:nvSpPr>
-          <p:cNvPr id="371" name="PlaceHolder 2"/>
+          <p:cNvPr id="377" name="PlaceHolder 2"/>
           <p:cNvSpPr>
             <a:spLocks noGrp="1"/>
           </p:cNvSpPr>
@@ -3837,7 +3977,7 @@
       </p:sp>
       <p:sp>
         <p:nvSpPr>
-          <p:cNvPr id="372" name="CustomShape 3"/>
+          <p:cNvPr id="378" name="CustomShape 3"/>
           <p:cNvSpPr/>
           <p:nvPr/>
         </p:nvSpPr>
@@ -3913,7 +4053,7 @@
       </p:grpSpPr>
       <p:sp>
         <p:nvSpPr>
-          <p:cNvPr id="373" name="PlaceHolder 1"/>
+          <p:cNvPr id="379" name="PlaceHolder 1"/>
           <p:cNvSpPr>
             <a:spLocks noGrp="1"/>
           </p:cNvSpPr>
@@ -3936,7 +4076,7 @@
       </p:sp>
       <p:sp>
         <p:nvSpPr>
-          <p:cNvPr id="374" name="PlaceHolder 2"/>
+          <p:cNvPr id="380" name="PlaceHolder 2"/>
           <p:cNvSpPr>
             <a:spLocks noGrp="1"/>
           </p:cNvSpPr>
@@ -3976,7 +4116,7 @@
       </p:sp>
       <p:sp>
         <p:nvSpPr>
-          <p:cNvPr id="375" name="CustomShape 3"/>
+          <p:cNvPr id="381" name="CustomShape 3"/>
           <p:cNvSpPr/>
           <p:nvPr/>
         </p:nvSpPr>
@@ -4052,7 +4192,7 @@
       </p:grpSpPr>
       <p:sp>
         <p:nvSpPr>
-          <p:cNvPr id="376" name="PlaceHolder 1"/>
+          <p:cNvPr id="382" name="PlaceHolder 1"/>
           <p:cNvSpPr>
             <a:spLocks noGrp="1"/>
           </p:cNvSpPr>
@@ -4075,7 +4215,7 @@
       </p:sp>
       <p:sp>
         <p:nvSpPr>
-          <p:cNvPr id="377" name="PlaceHolder 2"/>
+          <p:cNvPr id="383" name="PlaceHolder 2"/>
           <p:cNvSpPr>
             <a:spLocks noGrp="1"/>
           </p:cNvSpPr>
@@ -4115,7 +4255,7 @@
       </p:sp>
       <p:sp>
         <p:nvSpPr>
-          <p:cNvPr id="378" name="CustomShape 73"/>
+          <p:cNvPr id="384" name="CustomShape 73"/>
           <p:cNvSpPr/>
           <p:nvPr/>
         </p:nvSpPr>
@@ -4191,7 +4331,7 @@
       </p:grpSpPr>
       <p:sp>
         <p:nvSpPr>
-          <p:cNvPr id="379" name="PlaceHolder 1"/>
+          <p:cNvPr id="385" name="PlaceHolder 1"/>
           <p:cNvSpPr>
             <a:spLocks noGrp="1"/>
           </p:cNvSpPr>
@@ -4214,7 +4354,7 @@
       </p:sp>
       <p:sp>
         <p:nvSpPr>
-          <p:cNvPr id="380" name="PlaceHolder 2"/>
+          <p:cNvPr id="386" name="PlaceHolder 2"/>
           <p:cNvSpPr>
             <a:spLocks noGrp="1"/>
           </p:cNvSpPr>
@@ -4254,7 +4394,7 @@
       </p:sp>
       <p:sp>
         <p:nvSpPr>
-          <p:cNvPr id="381" name="CustomShape 68"/>
+          <p:cNvPr id="387" name="CustomShape 68"/>
           <p:cNvSpPr/>
           <p:nvPr/>
         </p:nvSpPr>
@@ -4330,7 +4470,7 @@
       </p:grpSpPr>
       <p:sp>
         <p:nvSpPr>
-          <p:cNvPr id="382" name="PlaceHolder 1"/>
+          <p:cNvPr id="388" name="PlaceHolder 1"/>
           <p:cNvSpPr>
             <a:spLocks noGrp="1"/>
           </p:cNvSpPr>
@@ -4353,7 +4493,7 @@
       </p:sp>
       <p:sp>
         <p:nvSpPr>
-          <p:cNvPr id="383" name="PlaceHolder 2"/>
+          <p:cNvPr id="389" name="PlaceHolder 2"/>
           <p:cNvSpPr>
             <a:spLocks noGrp="1"/>
           </p:cNvSpPr>
@@ -4393,7 +4533,7 @@
       </p:sp>
       <p:sp>
         <p:nvSpPr>
-          <p:cNvPr id="384" name="CustomShape 63"/>
+          <p:cNvPr id="390" name="CustomShape 63"/>
           <p:cNvSpPr/>
           <p:nvPr/>
         </p:nvSpPr>
@@ -4469,7 +4609,7 @@
       </p:grpSpPr>
       <p:sp>
         <p:nvSpPr>
-          <p:cNvPr id="385" name="PlaceHolder 1"/>
+          <p:cNvPr id="391" name="PlaceHolder 1"/>
           <p:cNvSpPr>
             <a:spLocks noGrp="1"/>
           </p:cNvSpPr>
@@ -4492,7 +4632,7 @@
       </p:sp>
       <p:sp>
         <p:nvSpPr>
-          <p:cNvPr id="386" name="PlaceHolder 2"/>
+          <p:cNvPr id="392" name="PlaceHolder 2"/>
           <p:cNvSpPr>
             <a:spLocks noGrp="1"/>
           </p:cNvSpPr>
@@ -4532,7 +4672,7 @@
       </p:sp>
       <p:sp>
         <p:nvSpPr>
-          <p:cNvPr id="387" name="CustomShape 102"/>
+          <p:cNvPr id="393" name="CustomShape 102"/>
           <p:cNvSpPr/>
           <p:nvPr/>
         </p:nvSpPr>
@@ -23013,16 +23153,46 @@
               </a:lnSpc>
             </a:pPr>
             <a:r>
-              <a:rPr b="1" lang="pt-BR" sz="3200" spc="-1" strike="noStrike">
+              <a:rPr b="1" lang="pt-BR" sz="2800" spc="-1" strike="noStrike">
                 <a:solidFill>
                   <a:srgbClr val="ffffff"/>
                 </a:solidFill>
                 <a:latin typeface="Latin Modern Sans"/>
                 <a:ea typeface="DejaVu Sans"/>
               </a:rPr>
-              <a:t>Fundamentos de Algoritmos e Estrutura de Dados #3 – Listas Encadeadas e Tabela Hash</a:t>
-            </a:r>
-            <a:endParaRPr b="0" lang="en-US" sz="3200" spc="-1" strike="noStrike">
+              <a:t>Fundamentos de Algoritmos e Estrutura de Dados </a:t>
+            </a:r>
+            <a:r>
+              <a:rPr b="1" lang="pt-BR" sz="3200" spc="-1" strike="noStrike">
+                <a:solidFill>
+                  <a:srgbClr val="ffffff"/>
+                </a:solidFill>
+                <a:latin typeface="Latin Modern Sans"/>
+                <a:ea typeface="DejaVu Sans"/>
+              </a:rPr>
+              <a:t> </a:t>
+            </a:r>
+            <a:r>
+              <a:rPr b="1" lang="pt-BR" sz="2800" spc="-1" strike="noStrike">
+                <a:solidFill>
+                  <a:srgbClr val="ffffff"/>
+                </a:solidFill>
+                <a:latin typeface="Latin Modern Sans"/>
+                <a:ea typeface="DejaVu Sans"/>
+              </a:rPr>
+              <a:t>#3 - </a:t>
+            </a:r>
+            <a:r>
+              <a:rPr b="1" lang="pt-BR" sz="2800" spc="-1" strike="noStrike">
+                <a:solidFill>
+                  <a:srgbClr val="ffffff"/>
+                </a:solidFill>
+                <a:latin typeface="Latin Modern Sans"/>
+                <a:ea typeface="DejaVu Sans"/>
+              </a:rPr>
+              <a:t>Listas Encadeadas e Tabela Hash</a:t>
+            </a:r>
+            <a:endParaRPr b="0" lang="en-US" sz="2800" spc="-1" strike="noStrike">
               <a:solidFill>
                 <a:srgbClr val="000000"/>
               </a:solidFill>
@@ -26803,7 +26973,7 @@
         </p:blipFill>
         <p:spPr>
           <a:xfrm>
-            <a:off x="7560000" y="2816640"/>
+            <a:off x="7551000" y="2816640"/>
             <a:ext cx="1977840" cy="3661200"/>
           </a:xfrm>
           <a:prstGeom prst="rect">
@@ -26850,6 +27020,52 @@
         <p:spPr>
           <a:xfrm>
             <a:off x="1609920" y="4572000"/>
+            <a:ext cx="4332960" cy="2084760"/>
+          </a:xfrm>
+          <a:prstGeom prst="rect">
+            <a:avLst/>
+          </a:prstGeom>
+          <a:ln w="0">
+            <a:noFill/>
+          </a:ln>
+        </p:spPr>
+      </p:pic>
+      <p:pic>
+        <p:nvPicPr>
+          <p:cNvPr id="292" name="" descr=""/>
+          <p:cNvPicPr/>
+          <p:nvPr/>
+        </p:nvPicPr>
+        <p:blipFill>
+          <a:blip r:embed="rId4"/>
+          <a:stretch/>
+        </p:blipFill>
+        <p:spPr>
+          <a:xfrm>
+            <a:off x="1600560" y="2914920"/>
+            <a:ext cx="3494520" cy="970560"/>
+          </a:xfrm>
+          <a:prstGeom prst="rect">
+            <a:avLst/>
+          </a:prstGeom>
+          <a:ln w="0">
+            <a:noFill/>
+          </a:ln>
+        </p:spPr>
+      </p:pic>
+      <p:pic>
+        <p:nvPicPr>
+          <p:cNvPr id="293" name="" descr=""/>
+          <p:cNvPicPr/>
+          <p:nvPr/>
+        </p:nvPicPr>
+        <p:blipFill>
+          <a:blip r:embed="rId5"/>
+          <a:stretch/>
+        </p:blipFill>
+        <p:spPr>
+          <a:xfrm>
+            <a:off x="1609920" y="4572360"/>
             <a:ext cx="4332960" cy="2084760"/>
           </a:xfrm>
           <a:prstGeom prst="rect">
@@ -26892,7 +27108,7 @@
       </p:grpSpPr>
       <p:sp>
         <p:nvSpPr>
-          <p:cNvPr id="292" name="CustomShape 1"/>
+          <p:cNvPr id="294" name="CustomShape 1"/>
           <p:cNvSpPr/>
           <p:nvPr/>
         </p:nvSpPr>
@@ -26946,7 +27162,7 @@
       </p:sp>
       <p:sp>
         <p:nvSpPr>
-          <p:cNvPr id="293" name="CustomShape 2"/>
+          <p:cNvPr id="295" name="CustomShape 2"/>
           <p:cNvSpPr/>
           <p:nvPr/>
         </p:nvSpPr>
@@ -27084,32 +27300,6 @@
               <a:buFont typeface="Wingdings" charset="2"/>
               <a:buChar char=""/>
             </a:pPr>
-            <a:r>
-              <a:rPr b="1" lang="pt-BR" sz="1800" spc="-1" strike="noStrike">
-                <a:solidFill>
-                  <a:srgbClr val="1c1c1c"/>
-                </a:solidFill>
-                <a:latin typeface="Latin Modern Sans"/>
-                <a:ea typeface="DejaVu Sans"/>
-              </a:rPr>
-              <a:t>First In – Last Out (FIFO)</a:t>
-            </a:r>
-            <a:endParaRPr b="0" lang="en-US" sz="1800" spc="-1" strike="noStrike">
-              <a:solidFill>
-                <a:srgbClr val="000000"/>
-              </a:solidFill>
-              <a:latin typeface="Arial"/>
-            </a:endParaRPr>
-          </a:p>
-          <a:p>
-            <a:pPr>
-              <a:lnSpc>
-                <a:spcPct val="100000"/>
-              </a:lnSpc>
-              <a:spcAft>
-                <a:spcPts val="1140"/>
-              </a:spcAft>
-            </a:pPr>
             <a:endParaRPr b="0" lang="en-US" sz="1800" spc="-1" strike="noStrike">
               <a:solidFill>
                 <a:srgbClr val="000000"/>
@@ -27313,7 +27503,7 @@
       </p:sp>
       <p:sp>
         <p:nvSpPr>
-          <p:cNvPr id="294" name="CustomShape 3"/>
+          <p:cNvPr id="296" name="CustomShape 3"/>
           <p:cNvSpPr/>
           <p:nvPr/>
         </p:nvSpPr>
@@ -27367,7 +27557,7 @@
       </p:sp>
       <p:sp>
         <p:nvSpPr>
-          <p:cNvPr id="295" name="CustomShape 4"/>
+          <p:cNvPr id="297" name="CustomShape 4"/>
           <p:cNvSpPr/>
           <p:nvPr/>
         </p:nvSpPr>
@@ -27421,7 +27611,7 @@
       </p:sp>
       <p:pic>
         <p:nvPicPr>
-          <p:cNvPr id="296" name="Imagem 6" descr=""/>
+          <p:cNvPr id="298" name="Imagem 6" descr=""/>
           <p:cNvPicPr/>
           <p:nvPr/>
         </p:nvPicPr>
@@ -27474,7 +27664,7 @@
       </p:grpSpPr>
       <p:sp>
         <p:nvSpPr>
-          <p:cNvPr id="297" name="CustomShape 103"/>
+          <p:cNvPr id="299" name="CustomShape 103"/>
           <p:cNvSpPr/>
           <p:nvPr/>
         </p:nvSpPr>
@@ -27528,7 +27718,7 @@
       </p:sp>
       <p:sp>
         <p:nvSpPr>
-          <p:cNvPr id="298" name="CustomShape 104"/>
+          <p:cNvPr id="300" name="CustomShape 104"/>
           <p:cNvSpPr/>
           <p:nvPr/>
         </p:nvSpPr>
@@ -27783,7 +27973,7 @@
       </p:sp>
       <p:sp>
         <p:nvSpPr>
-          <p:cNvPr id="299" name="CustomShape 105"/>
+          <p:cNvPr id="301" name="CustomShape 105"/>
           <p:cNvSpPr/>
           <p:nvPr/>
         </p:nvSpPr>
@@ -27837,7 +28027,7 @@
       </p:sp>
       <p:sp>
         <p:nvSpPr>
-          <p:cNvPr id="300" name="CustomShape 106"/>
+          <p:cNvPr id="302" name="CustomShape 106"/>
           <p:cNvSpPr/>
           <p:nvPr/>
         </p:nvSpPr>
@@ -27891,7 +28081,7 @@
       </p:sp>
       <p:pic>
         <p:nvPicPr>
-          <p:cNvPr id="301" name="" descr=""/>
+          <p:cNvPr id="303" name="" descr=""/>
           <p:cNvPicPr/>
           <p:nvPr/>
         </p:nvPicPr>
@@ -27914,7 +28104,7 @@
       </p:pic>
       <p:pic>
         <p:nvPicPr>
-          <p:cNvPr id="302" name="" descr=""/>
+          <p:cNvPr id="304" name="" descr=""/>
           <p:cNvPicPr/>
           <p:nvPr/>
         </p:nvPicPr>
@@ -27937,7 +28127,7 @@
       </p:pic>
       <p:pic>
         <p:nvPicPr>
-          <p:cNvPr id="303" name="" descr=""/>
+          <p:cNvPr id="305" name="" descr=""/>
           <p:cNvPicPr/>
           <p:nvPr/>
         </p:nvPicPr>
@@ -28469,7 +28659,7 @@
       </p:grpSpPr>
       <p:sp>
         <p:nvSpPr>
-          <p:cNvPr id="304" name="CustomShape 108"/>
+          <p:cNvPr id="306" name="CustomShape 108"/>
           <p:cNvSpPr/>
           <p:nvPr/>
         </p:nvSpPr>
@@ -28523,7 +28713,7 @@
       </p:sp>
       <p:sp>
         <p:nvSpPr>
-          <p:cNvPr id="305" name="CustomShape 109"/>
+          <p:cNvPr id="307" name="CustomShape 109"/>
           <p:cNvSpPr/>
           <p:nvPr/>
         </p:nvSpPr>
@@ -28826,7 +29016,7 @@
       </p:sp>
       <p:sp>
         <p:nvSpPr>
-          <p:cNvPr id="306" name="CustomShape 110"/>
+          <p:cNvPr id="308" name="CustomShape 110"/>
           <p:cNvSpPr/>
           <p:nvPr/>
         </p:nvSpPr>
@@ -28880,7 +29070,7 @@
       </p:sp>
       <p:sp>
         <p:nvSpPr>
-          <p:cNvPr id="307" name="CustomShape 111"/>
+          <p:cNvPr id="309" name="CustomShape 111"/>
           <p:cNvSpPr/>
           <p:nvPr/>
         </p:nvSpPr>
@@ -28934,7 +29124,7 @@
       </p:sp>
       <p:pic>
         <p:nvPicPr>
-          <p:cNvPr id="308" name="" descr=""/>
+          <p:cNvPr id="310" name="" descr=""/>
           <p:cNvPicPr/>
           <p:nvPr/>
         </p:nvPicPr>
@@ -28957,7 +29147,7 @@
       </p:pic>
       <p:pic>
         <p:nvPicPr>
-          <p:cNvPr id="309" name="" descr=""/>
+          <p:cNvPr id="311" name="" descr=""/>
           <p:cNvPicPr/>
           <p:nvPr/>
         </p:nvPicPr>
@@ -28980,7 +29170,7 @@
       </p:pic>
       <p:pic>
         <p:nvPicPr>
-          <p:cNvPr id="310" name="" descr=""/>
+          <p:cNvPr id="312" name="" descr=""/>
           <p:cNvPicPr/>
           <p:nvPr/>
         </p:nvPicPr>
@@ -29033,7 +29223,7 @@
       </p:grpSpPr>
       <p:sp>
         <p:nvSpPr>
-          <p:cNvPr id="311" name="CustomShape 1"/>
+          <p:cNvPr id="313" name="CustomShape 1"/>
           <p:cNvSpPr/>
           <p:nvPr/>
         </p:nvSpPr>
@@ -29087,7 +29277,7 @@
       </p:sp>
       <p:sp>
         <p:nvSpPr>
-          <p:cNvPr id="312" name=""/>
+          <p:cNvPr id="314" name=""/>
           <p:cNvSpPr/>
           <p:nvPr/>
         </p:nvSpPr>
@@ -29154,7 +29344,7 @@
       </p:sp>
       <p:sp>
         <p:nvSpPr>
-          <p:cNvPr id="313" name="CustomShape 2"/>
+          <p:cNvPr id="315" name="CustomShape 2"/>
           <p:cNvSpPr/>
           <p:nvPr/>
         </p:nvSpPr>
@@ -29227,7 +29417,7 @@
       </p:sp>
       <p:sp>
         <p:nvSpPr>
-          <p:cNvPr id="314" name="CustomShape 3"/>
+          <p:cNvPr id="316" name="CustomShape 3"/>
           <p:cNvSpPr/>
           <p:nvPr/>
         </p:nvSpPr>
@@ -29281,7 +29471,7 @@
       </p:sp>
       <p:sp>
         <p:nvSpPr>
-          <p:cNvPr id="315" name="CustomShape 4"/>
+          <p:cNvPr id="317" name="CustomShape 4"/>
           <p:cNvSpPr/>
           <p:nvPr/>
         </p:nvSpPr>
@@ -29365,7 +29555,7 @@
       </p:grpSpPr>
       <p:sp>
         <p:nvSpPr>
-          <p:cNvPr id="316" name="CustomShape 1"/>
+          <p:cNvPr id="318" name="CustomShape 1"/>
           <p:cNvSpPr/>
           <p:nvPr/>
         </p:nvSpPr>
@@ -29419,7 +29609,7 @@
       </p:sp>
       <p:sp>
         <p:nvSpPr>
-          <p:cNvPr id="317" name="CustomShape 3"/>
+          <p:cNvPr id="319" name="CustomShape 3"/>
           <p:cNvSpPr/>
           <p:nvPr/>
         </p:nvSpPr>
@@ -29473,7 +29663,7 @@
       </p:sp>
       <p:sp>
         <p:nvSpPr>
-          <p:cNvPr id="318" name="CustomShape 4"/>
+          <p:cNvPr id="320" name="CustomShape 4"/>
           <p:cNvSpPr/>
           <p:nvPr/>
         </p:nvSpPr>
@@ -29527,7 +29717,7 @@
       </p:sp>
       <p:sp>
         <p:nvSpPr>
-          <p:cNvPr id="319" name="CustomShape 2"/>
+          <p:cNvPr id="321" name="CustomShape 2"/>
           <p:cNvSpPr/>
           <p:nvPr/>
         </p:nvSpPr>
@@ -29764,7 +29954,7 @@
       </p:grpSpPr>
       <p:sp>
         <p:nvSpPr>
-          <p:cNvPr id="320" name="CustomShape 5"/>
+          <p:cNvPr id="322" name="CustomShape 5"/>
           <p:cNvSpPr/>
           <p:nvPr/>
         </p:nvSpPr>
@@ -29848,7 +30038,7 @@
       </p:grpSpPr>
       <p:sp>
         <p:nvSpPr>
-          <p:cNvPr id="321" name="CustomShape 13"/>
+          <p:cNvPr id="323" name="CustomShape 13"/>
           <p:cNvSpPr/>
           <p:nvPr/>
         </p:nvSpPr>
@@ -29902,7 +30092,7 @@
       </p:sp>
       <p:sp>
         <p:nvSpPr>
-          <p:cNvPr id="322" name="CustomShape 14"/>
+          <p:cNvPr id="324" name="CustomShape 14"/>
           <p:cNvSpPr/>
           <p:nvPr/>
         </p:nvSpPr>
@@ -29956,7 +30146,7 @@
       </p:sp>
       <p:sp>
         <p:nvSpPr>
-          <p:cNvPr id="323" name="CustomShape 15"/>
+          <p:cNvPr id="325" name="CustomShape 15"/>
           <p:cNvSpPr/>
           <p:nvPr/>
         </p:nvSpPr>
@@ -30010,7 +30200,7 @@
       </p:sp>
       <p:sp>
         <p:nvSpPr>
-          <p:cNvPr id="324" name="CustomShape 16"/>
+          <p:cNvPr id="326" name="CustomShape 16"/>
           <p:cNvSpPr/>
           <p:nvPr/>
         </p:nvSpPr>
@@ -30387,7 +30577,7 @@
       </p:sp>
       <p:pic>
         <p:nvPicPr>
-          <p:cNvPr id="325" name="Imagem 3" descr=""/>
+          <p:cNvPr id="327" name="Imagem 3" descr=""/>
           <p:cNvPicPr/>
           <p:nvPr/>
         </p:nvPicPr>
@@ -30440,7 +30630,7 @@
       </p:grpSpPr>
       <p:sp>
         <p:nvSpPr>
-          <p:cNvPr id="326" name="CustomShape 19"/>
+          <p:cNvPr id="328" name="CustomShape 19"/>
           <p:cNvSpPr/>
           <p:nvPr/>
         </p:nvSpPr>
@@ -30494,7 +30684,7 @@
       </p:sp>
       <p:sp>
         <p:nvSpPr>
-          <p:cNvPr id="327" name="CustomShape 20"/>
+          <p:cNvPr id="329" name="CustomShape 20"/>
           <p:cNvSpPr/>
           <p:nvPr/>
         </p:nvSpPr>
@@ -30548,7 +30738,7 @@
       </p:sp>
       <p:sp>
         <p:nvSpPr>
-          <p:cNvPr id="328" name="CustomShape 21"/>
+          <p:cNvPr id="330" name="CustomShape 21"/>
           <p:cNvSpPr/>
           <p:nvPr/>
         </p:nvSpPr>
@@ -30602,7 +30792,7 @@
       </p:sp>
       <p:sp>
         <p:nvSpPr>
-          <p:cNvPr id="329" name="CustomShape 22"/>
+          <p:cNvPr id="331" name="CustomShape 22"/>
           <p:cNvSpPr/>
           <p:nvPr/>
         </p:nvSpPr>
@@ -30899,7 +31089,7 @@
       </p:sp>
       <p:pic>
         <p:nvPicPr>
-          <p:cNvPr id="330" name="Imagem 1" descr=""/>
+          <p:cNvPr id="332" name="Imagem 1" descr=""/>
           <p:cNvPicPr/>
           <p:nvPr/>
         </p:nvPicPr>
@@ -30922,7 +31112,7 @@
       </p:pic>
       <p:pic>
         <p:nvPicPr>
-          <p:cNvPr id="331" name="Imagem 7" descr=""/>
+          <p:cNvPr id="333" name="Imagem 7" descr=""/>
           <p:cNvPicPr/>
           <p:nvPr/>
         </p:nvPicPr>
@@ -30945,7 +31135,7 @@
       </p:pic>
       <p:pic>
         <p:nvPicPr>
-          <p:cNvPr id="332" name="Imagem 8" descr=""/>
+          <p:cNvPr id="334" name="Imagem 8" descr=""/>
           <p:cNvPicPr/>
           <p:nvPr/>
         </p:nvPicPr>
@@ -30968,7 +31158,7 @@
       </p:pic>
       <p:pic>
         <p:nvPicPr>
-          <p:cNvPr id="333" name="Imagem 9" descr=""/>
+          <p:cNvPr id="335" name="Imagem 9" descr=""/>
           <p:cNvPicPr/>
           <p:nvPr/>
         </p:nvPicPr>
@@ -30991,7 +31181,7 @@
       </p:pic>
       <p:sp>
         <p:nvSpPr>
-          <p:cNvPr id="334" name="CustomShape 23"/>
+          <p:cNvPr id="336" name="CustomShape 23"/>
           <p:cNvSpPr/>
           <p:nvPr/>
         </p:nvSpPr>
@@ -31083,7 +31273,7 @@
       </p:grpSpPr>
       <p:sp>
         <p:nvSpPr>
-          <p:cNvPr id="335" name="CustomShape 24"/>
+          <p:cNvPr id="337" name="CustomShape 24"/>
           <p:cNvSpPr/>
           <p:nvPr/>
         </p:nvSpPr>
@@ -31137,7 +31327,7 @@
       </p:sp>
       <p:sp>
         <p:nvSpPr>
-          <p:cNvPr id="336" name="CustomShape 25"/>
+          <p:cNvPr id="338" name="CustomShape 25"/>
           <p:cNvSpPr/>
           <p:nvPr/>
         </p:nvSpPr>
@@ -31191,7 +31381,7 @@
       </p:sp>
       <p:sp>
         <p:nvSpPr>
-          <p:cNvPr id="337" name="CustomShape 26"/>
+          <p:cNvPr id="339" name="CustomShape 26"/>
           <p:cNvSpPr/>
           <p:nvPr/>
         </p:nvSpPr>
@@ -31520,7 +31710,7 @@
       </p:sp>
       <p:pic>
         <p:nvPicPr>
-          <p:cNvPr id="338" name="Imagem 4" descr=""/>
+          <p:cNvPr id="340" name="Imagem 4" descr=""/>
           <p:cNvPicPr/>
           <p:nvPr/>
         </p:nvPicPr>
@@ -31543,7 +31733,7 @@
       </p:pic>
       <p:pic>
         <p:nvPicPr>
-          <p:cNvPr id="339" name="Imagem 10" descr=""/>
+          <p:cNvPr id="341" name="Imagem 10" descr=""/>
           <p:cNvPicPr/>
           <p:nvPr/>
         </p:nvPicPr>
@@ -31566,7 +31756,7 @@
       </p:pic>
       <p:sp>
         <p:nvSpPr>
-          <p:cNvPr id="340" name="CustomShape 27"/>
+          <p:cNvPr id="342" name="CustomShape 27"/>
           <p:cNvSpPr/>
           <p:nvPr/>
         </p:nvSpPr>
@@ -31650,7 +31840,7 @@
       </p:grpSpPr>
       <p:sp>
         <p:nvSpPr>
-          <p:cNvPr id="341" name="CustomShape 29"/>
+          <p:cNvPr id="343" name="CustomShape 29"/>
           <p:cNvSpPr/>
           <p:nvPr/>
         </p:nvSpPr>
@@ -31704,7 +31894,7 @@
       </p:sp>
       <p:sp>
         <p:nvSpPr>
-          <p:cNvPr id="342" name="CustomShape 30"/>
+          <p:cNvPr id="344" name="CustomShape 30"/>
           <p:cNvSpPr/>
           <p:nvPr/>
         </p:nvSpPr>
@@ -31758,7 +31948,7 @@
       </p:sp>
       <p:sp>
         <p:nvSpPr>
-          <p:cNvPr id="343" name="CustomShape 31"/>
+          <p:cNvPr id="345" name="CustomShape 31"/>
           <p:cNvSpPr/>
           <p:nvPr/>
         </p:nvSpPr>
@@ -31812,7 +32002,7 @@
       </p:sp>
       <p:sp>
         <p:nvSpPr>
-          <p:cNvPr id="344" name="CustomShape 32"/>
+          <p:cNvPr id="346" name="CustomShape 32"/>
           <p:cNvSpPr/>
           <p:nvPr/>
         </p:nvSpPr>
@@ -32131,7 +32321,7 @@
       </p:sp>
       <p:pic>
         <p:nvPicPr>
-          <p:cNvPr id="345" name="Imagem 11" descr=""/>
+          <p:cNvPr id="347" name="Imagem 11" descr=""/>
           <p:cNvPicPr/>
           <p:nvPr/>
         </p:nvPicPr>
@@ -32154,7 +32344,7 @@
       </p:pic>
       <p:pic>
         <p:nvPicPr>
-          <p:cNvPr id="346" name="Imagem 12" descr=""/>
+          <p:cNvPr id="348" name="Imagem 12" descr=""/>
           <p:cNvPicPr/>
           <p:nvPr/>
         </p:nvPicPr>
@@ -32207,7 +32397,7 @@
       </p:grpSpPr>
       <p:sp>
         <p:nvSpPr>
-          <p:cNvPr id="347" name="CustomShape 34"/>
+          <p:cNvPr id="349" name="CustomShape 34"/>
           <p:cNvSpPr/>
           <p:nvPr/>
         </p:nvSpPr>
@@ -32261,7 +32451,7 @@
       </p:sp>
       <p:sp>
         <p:nvSpPr>
-          <p:cNvPr id="348" name="CustomShape 35"/>
+          <p:cNvPr id="350" name="CustomShape 35"/>
           <p:cNvSpPr/>
           <p:nvPr/>
         </p:nvSpPr>
@@ -32315,7 +32505,7 @@
       </p:sp>
       <p:sp>
         <p:nvSpPr>
-          <p:cNvPr id="349" name="CustomShape 36"/>
+          <p:cNvPr id="351" name="CustomShape 36"/>
           <p:cNvSpPr/>
           <p:nvPr/>
         </p:nvSpPr>
@@ -32369,7 +32559,7 @@
       </p:sp>
       <p:sp>
         <p:nvSpPr>
-          <p:cNvPr id="350" name="CustomShape 37"/>
+          <p:cNvPr id="352" name="CustomShape 37"/>
           <p:cNvSpPr/>
           <p:nvPr/>
         </p:nvSpPr>
@@ -32640,7 +32830,7 @@
       </p:sp>
       <p:pic>
         <p:nvPicPr>
-          <p:cNvPr id="351" name="Imagem 13" descr=""/>
+          <p:cNvPr id="353" name="Imagem 13" descr=""/>
           <p:cNvPicPr/>
           <p:nvPr/>
         </p:nvPicPr>
@@ -32693,14 +32883,14 @@
       </p:grpSpPr>
       <p:sp>
         <p:nvSpPr>
-          <p:cNvPr id="352" name="CustomShape 39"/>
+          <p:cNvPr id="354" name="CustomShape 12"/>
           <p:cNvSpPr/>
           <p:nvPr/>
         </p:nvSpPr>
         <p:spPr>
           <a:xfrm>
             <a:off x="360000" y="360000"/>
-            <a:ext cx="9352080" cy="892080"/>
+            <a:ext cx="9351000" cy="891000"/>
           </a:xfrm>
           <a:prstGeom prst="rect">
             <a:avLst/>
@@ -32721,7 +32911,7 @@
             <a:noAutofit/>
           </a:bodyPr>
           <a:p>
-            <a:pPr defTabSz="914400">
+            <a:pPr>
               <a:lnSpc>
                 <a:spcPct val="100000"/>
               </a:lnSpc>
@@ -32734,7 +32924,7 @@
                 <a:latin typeface="Latin Modern Sans"/>
                 <a:ea typeface="DejaVu Sans"/>
               </a:rPr>
-              <a:t>Exercício</a:t>
+              <a:t>Atividades Avaliativas</a:t>
             </a:r>
             <a:endParaRPr b="0" lang="en-US" sz="3200" spc="-1" strike="noStrike">
               <a:solidFill>
@@ -32747,14 +32937,559 @@
       </p:sp>
       <p:sp>
         <p:nvSpPr>
-          <p:cNvPr id="353" name="CustomShape 40"/>
+          <p:cNvPr id="355" name="CustomShape 113"/>
           <p:cNvSpPr/>
           <p:nvPr/>
         </p:nvSpPr>
         <p:spPr>
           <a:xfrm>
+            <a:off x="360000" y="1584000"/>
+            <a:ext cx="9171000" cy="4671000"/>
+          </a:xfrm>
+          <a:prstGeom prst="rect">
+            <a:avLst/>
+          </a:prstGeom>
+          <a:noFill/>
+          <a:ln w="0">
+            <a:noFill/>
+          </a:ln>
+        </p:spPr>
+        <p:style>
+          <a:lnRef idx="0"/>
+          <a:fillRef idx="0"/>
+          <a:effectRef idx="0"/>
+          <a:fontRef idx="minor"/>
+        </p:style>
+        <p:txBody>
+          <a:bodyPr lIns="0" rIns="0" tIns="0" bIns="0" anchor="t">
+            <a:normAutofit fontScale="85555"/>
+          </a:bodyPr>
+          <a:p>
+            <a:pPr lvl="1" marL="432000" indent="-212400">
+              <a:lnSpc>
+                <a:spcPct val="100000"/>
+              </a:lnSpc>
+              <a:spcAft>
+                <a:spcPts val="1140"/>
+              </a:spcAft>
+              <a:buClr>
+                <a:srgbClr val="000000"/>
+              </a:buClr>
+              <a:buSzPct val="45000"/>
+              <a:buFont typeface="Wingdings" charset="2"/>
+              <a:buChar char=""/>
+            </a:pPr>
+            <a:r>
+              <a:rPr b="1" lang="pt-BR" sz="1800" spc="-1" strike="noStrike" u="sng">
+                <a:solidFill>
+                  <a:srgbClr val="1c1c1c"/>
+                </a:solidFill>
+                <a:uFillTx/>
+                <a:latin typeface="Latin Modern Sans"/>
+                <a:ea typeface="DejaVu Sans"/>
+              </a:rPr>
+              <a:t>Trabalho #1 (30%)</a:t>
+            </a:r>
+            <a:r>
+              <a:rPr b="1" lang="pt-BR" sz="1800" spc="-1" strike="noStrike">
+                <a:solidFill>
+                  <a:srgbClr val="1c1c1c"/>
+                </a:solidFill>
+                <a:latin typeface="Latin Modern Sans"/>
+                <a:ea typeface="DejaVu Sans"/>
+              </a:rPr>
+              <a:t>:  Estruras Lineares vs Não-Lineares</a:t>
+            </a:r>
+            <a:endParaRPr b="0" lang="en-US" sz="1800" spc="-1" strike="noStrike">
+              <a:solidFill>
+                <a:srgbClr val="000000"/>
+              </a:solidFill>
+              <a:latin typeface="Arial"/>
+            </a:endParaRPr>
+          </a:p>
+          <a:p>
+            <a:pPr lvl="3" marL="864000" indent="-216000">
+              <a:lnSpc>
+                <a:spcPct val="100000"/>
+              </a:lnSpc>
+              <a:spcAft>
+                <a:spcPts val="1140"/>
+              </a:spcAft>
+              <a:buClr>
+                <a:srgbClr val="000000"/>
+              </a:buClr>
+              <a:buSzPct val="45000"/>
+              <a:buFont typeface="Wingdings" charset="2"/>
+              <a:buChar char=""/>
+            </a:pPr>
+            <a:r>
+              <a:rPr b="1" lang="pt-BR" sz="1800" spc="-1" strike="noStrike">
+                <a:solidFill>
+                  <a:srgbClr val="1c1c1c"/>
+                </a:solidFill>
+                <a:latin typeface="Latin Modern Sans"/>
+                <a:ea typeface="DejaVu Sans"/>
+              </a:rPr>
+              <a:t>29/08 até 14/09</a:t>
+            </a:r>
+            <a:endParaRPr b="0" lang="en-US" sz="1800" spc="-1" strike="noStrike">
+              <a:solidFill>
+                <a:srgbClr val="000000"/>
+              </a:solidFill>
+              <a:latin typeface="Arial"/>
+            </a:endParaRPr>
+          </a:p>
+          <a:p>
+            <a:pPr lvl="3" marL="864000" indent="-216000">
+              <a:lnSpc>
+                <a:spcPct val="100000"/>
+              </a:lnSpc>
+              <a:spcAft>
+                <a:spcPts val="1140"/>
+              </a:spcAft>
+              <a:buClr>
+                <a:srgbClr val="000000"/>
+              </a:buClr>
+              <a:buSzPct val="45000"/>
+              <a:buFont typeface="Wingdings" charset="2"/>
+              <a:buChar char=""/>
+            </a:pPr>
+            <a:r>
+              <a:rPr b="1" lang="pt-BR" sz="1800" spc="-1" strike="noStrike">
+                <a:solidFill>
+                  <a:srgbClr val="1c1c1c"/>
+                </a:solidFill>
+                <a:latin typeface="Latin Modern Sans"/>
+                <a:ea typeface="DejaVu Sans"/>
+              </a:rPr>
+              <a:t>Códificação e Relatório em Formato de Artigo</a:t>
+            </a:r>
+            <a:endParaRPr b="0" lang="en-US" sz="1800" spc="-1" strike="noStrike">
+              <a:solidFill>
+                <a:srgbClr val="000000"/>
+              </a:solidFill>
+              <a:latin typeface="Arial"/>
+            </a:endParaRPr>
+          </a:p>
+          <a:p>
+            <a:pPr lvl="1" marL="432000" indent="-212400">
+              <a:lnSpc>
+                <a:spcPct val="100000"/>
+              </a:lnSpc>
+              <a:spcAft>
+                <a:spcPts val="1140"/>
+              </a:spcAft>
+              <a:buClr>
+                <a:srgbClr val="000000"/>
+              </a:buClr>
+              <a:buSzPct val="45000"/>
+              <a:buFont typeface="Wingdings" charset="2"/>
+              <a:buChar char=""/>
+            </a:pPr>
+            <a:r>
+              <a:rPr b="1" lang="pt-BR" sz="1800" spc="-1" strike="noStrike" u="sng">
+                <a:solidFill>
+                  <a:srgbClr val="1c1c1c"/>
+                </a:solidFill>
+                <a:uFillTx/>
+                <a:latin typeface="Latin Modern Sans"/>
+                <a:ea typeface="DejaVu Sans"/>
+              </a:rPr>
+              <a:t>Trabalho #2 (20%)</a:t>
+            </a:r>
+            <a:r>
+              <a:rPr b="1" lang="pt-BR" sz="1800" spc="-1" strike="noStrike">
+                <a:solidFill>
+                  <a:srgbClr val="1c1c1c"/>
+                </a:solidFill>
+                <a:latin typeface="Latin Modern Sans"/>
+                <a:ea typeface="DejaVu Sans"/>
+              </a:rPr>
+              <a:t>: Grafos e Problemas de Busca</a:t>
+            </a:r>
+            <a:endParaRPr b="0" lang="en-US" sz="1800" spc="-1" strike="noStrike">
+              <a:solidFill>
+                <a:srgbClr val="000000"/>
+              </a:solidFill>
+              <a:latin typeface="Arial"/>
+            </a:endParaRPr>
+          </a:p>
+          <a:p>
+            <a:pPr lvl="3" marL="864000" indent="-216000">
+              <a:lnSpc>
+                <a:spcPct val="100000"/>
+              </a:lnSpc>
+              <a:spcAft>
+                <a:spcPts val="1140"/>
+              </a:spcAft>
+              <a:buClr>
+                <a:srgbClr val="000000"/>
+              </a:buClr>
+              <a:buSzPct val="45000"/>
+              <a:buFont typeface="Wingdings" charset="2"/>
+              <a:buChar char=""/>
+            </a:pPr>
+            <a:r>
+              <a:rPr b="1" lang="pt-BR" sz="1800" spc="-1" strike="noStrike">
+                <a:solidFill>
+                  <a:srgbClr val="1c1c1c"/>
+                </a:solidFill>
+                <a:latin typeface="Latin Modern Sans"/>
+                <a:ea typeface="DejaVu Sans"/>
+              </a:rPr>
+              <a:t>12/09 até 21/09</a:t>
+            </a:r>
+            <a:endParaRPr b="0" lang="en-US" sz="1800" spc="-1" strike="noStrike">
+              <a:solidFill>
+                <a:srgbClr val="000000"/>
+              </a:solidFill>
+              <a:latin typeface="Arial"/>
+            </a:endParaRPr>
+          </a:p>
+          <a:p>
+            <a:pPr lvl="3" marL="864000" indent="-216000">
+              <a:lnSpc>
+                <a:spcPct val="100000"/>
+              </a:lnSpc>
+              <a:spcAft>
+                <a:spcPts val="1140"/>
+              </a:spcAft>
+              <a:buClr>
+                <a:srgbClr val="000000"/>
+              </a:buClr>
+              <a:buSzPct val="45000"/>
+              <a:buFont typeface="Wingdings" charset="2"/>
+              <a:buChar char=""/>
+            </a:pPr>
+            <a:r>
+              <a:rPr b="1" lang="pt-BR" sz="1800" spc="-1" strike="noStrike">
+                <a:solidFill>
+                  <a:srgbClr val="1c1c1c"/>
+                </a:solidFill>
+                <a:latin typeface="Latin Modern Sans"/>
+                <a:ea typeface="DejaVu Sans"/>
+              </a:rPr>
+              <a:t>Codificação e Apresentação</a:t>
+            </a:r>
+            <a:endParaRPr b="0" lang="en-US" sz="1800" spc="-1" strike="noStrike">
+              <a:solidFill>
+                <a:srgbClr val="000000"/>
+              </a:solidFill>
+              <a:latin typeface="Arial"/>
+            </a:endParaRPr>
+          </a:p>
+          <a:p>
+            <a:pPr lvl="3" marL="864000" indent="-216000">
+              <a:lnSpc>
+                <a:spcPct val="100000"/>
+              </a:lnSpc>
+              <a:spcAft>
+                <a:spcPts val="1140"/>
+              </a:spcAft>
+              <a:buClr>
+                <a:srgbClr val="000000"/>
+              </a:buClr>
+              <a:buSzPct val="45000"/>
+              <a:buFont typeface="Wingdings" charset="2"/>
+              <a:buChar char=""/>
+            </a:pPr>
+            <a:r>
+              <a:rPr b="1" lang="pt-BR" sz="1800" spc="-1" strike="noStrike">
+                <a:solidFill>
+                  <a:srgbClr val="1c1c1c"/>
+                </a:solidFill>
+                <a:latin typeface="Latin Modern Sans"/>
+                <a:ea typeface="DejaVu Sans"/>
+              </a:rPr>
+              <a:t>Apresentação em horário de aula no formato </a:t>
+            </a:r>
+            <a:r>
+              <a:rPr b="1" lang="pt-BR" sz="1800" spc="-1" strike="noStrike" u="sng">
+                <a:solidFill>
+                  <a:srgbClr val="1c1c1c"/>
+                </a:solidFill>
+                <a:uFillTx/>
+                <a:latin typeface="Latin Modern Sans"/>
+                <a:ea typeface="DejaVu Sans"/>
+              </a:rPr>
+              <a:t>híbrido dia 26/09 </a:t>
+            </a:r>
+            <a:endParaRPr b="0" lang="en-US" sz="1800" spc="-1" strike="noStrike">
+              <a:solidFill>
+                <a:srgbClr val="000000"/>
+              </a:solidFill>
+              <a:latin typeface="Arial"/>
+            </a:endParaRPr>
+          </a:p>
+          <a:p>
+            <a:pPr lvl="1" marL="432000" indent="-212400">
+              <a:lnSpc>
+                <a:spcPct val="100000"/>
+              </a:lnSpc>
+              <a:spcAft>
+                <a:spcPts val="1140"/>
+              </a:spcAft>
+              <a:buClr>
+                <a:srgbClr val="000000"/>
+              </a:buClr>
+              <a:buSzPct val="45000"/>
+              <a:buFont typeface="Wingdings" charset="2"/>
+              <a:buChar char=""/>
+            </a:pPr>
+            <a:r>
+              <a:rPr b="1" lang="pt-BR" sz="1800" spc="-1" strike="noStrike" u="sng">
+                <a:solidFill>
+                  <a:srgbClr val="1c1c1c"/>
+                </a:solidFill>
+                <a:uFillTx/>
+                <a:latin typeface="Latin Modern Sans"/>
+                <a:ea typeface="DejaVu Sans"/>
+              </a:rPr>
+              <a:t>Avaliação Individual Online (50%)</a:t>
+            </a:r>
+            <a:endParaRPr b="0" lang="en-US" sz="1800" spc="-1" strike="noStrike">
+              <a:solidFill>
+                <a:srgbClr val="000000"/>
+              </a:solidFill>
+              <a:latin typeface="Arial"/>
+            </a:endParaRPr>
+          </a:p>
+          <a:p>
+            <a:pPr lvl="2" marL="648000" indent="-216000" defTabSz="914400">
+              <a:lnSpc>
+                <a:spcPct val="100000"/>
+              </a:lnSpc>
+              <a:spcAft>
+                <a:spcPts val="1140"/>
+              </a:spcAft>
+              <a:buClr>
+                <a:srgbClr val="000000"/>
+              </a:buClr>
+              <a:buSzPct val="45000"/>
+              <a:buFont typeface="Wingdings" charset="2"/>
+              <a:buChar char=""/>
+            </a:pPr>
+            <a:r>
+              <a:rPr b="1" lang="pt-BR" sz="1600" spc="-1" strike="noStrike">
+                <a:solidFill>
+                  <a:srgbClr val="1c1c1c"/>
+                </a:solidFill>
+                <a:latin typeface="Latin Modern Sans"/>
+                <a:ea typeface="DejaVu Sans"/>
+              </a:rPr>
+              <a:t>Formato de Prova</a:t>
+            </a:r>
+            <a:endParaRPr b="0" lang="en-US" sz="1600" spc="-1" strike="noStrike">
+              <a:solidFill>
+                <a:srgbClr val="000000"/>
+              </a:solidFill>
+              <a:latin typeface="Arial"/>
+            </a:endParaRPr>
+          </a:p>
+          <a:p>
+            <a:pPr lvl="2" marL="648000" indent="-216000" defTabSz="914400">
+              <a:lnSpc>
+                <a:spcPct val="100000"/>
+              </a:lnSpc>
+              <a:spcAft>
+                <a:spcPts val="1140"/>
+              </a:spcAft>
+              <a:buClr>
+                <a:srgbClr val="000000"/>
+              </a:buClr>
+              <a:buSzPct val="45000"/>
+              <a:buFont typeface="Wingdings" charset="2"/>
+              <a:buChar char=""/>
+            </a:pPr>
+            <a:r>
+              <a:rPr b="1" lang="pt-BR" sz="1600" spc="-1" strike="noStrike">
+                <a:solidFill>
+                  <a:srgbClr val="1c1c1c"/>
+                </a:solidFill>
+                <a:latin typeface="Latin Modern Sans"/>
+                <a:ea typeface="DejaVu Sans"/>
+              </a:rPr>
+              <a:t>Dia 26/09</a:t>
+            </a:r>
+            <a:endParaRPr b="0" lang="en-US" sz="1600" spc="-1" strike="noStrike">
+              <a:solidFill>
+                <a:srgbClr val="000000"/>
+              </a:solidFill>
+              <a:latin typeface="Arial"/>
+            </a:endParaRPr>
+          </a:p>
+          <a:p>
+            <a:pPr lvl="1" marL="432000" indent="-212400" defTabSz="914400">
+              <a:lnSpc>
+                <a:spcPct val="100000"/>
+              </a:lnSpc>
+              <a:spcAft>
+                <a:spcPts val="1140"/>
+              </a:spcAft>
+              <a:buClr>
+                <a:srgbClr val="000000"/>
+              </a:buClr>
+              <a:buSzPct val="45000"/>
+              <a:buFont typeface="Wingdings" charset="2"/>
+              <a:buChar char=""/>
+            </a:pPr>
+            <a:r>
+              <a:rPr b="1" lang="pt-BR" sz="1800" spc="-1" strike="noStrike">
+                <a:solidFill>
+                  <a:srgbClr val="1c1c1c"/>
+                </a:solidFill>
+                <a:latin typeface="Latin Modern Sans"/>
+                <a:ea typeface="DejaVu Sans"/>
+              </a:rPr>
+              <a:t>Média</a:t>
+            </a:r>
+            <a:endParaRPr b="0" lang="en-US" sz="1800" spc="-1" strike="noStrike">
+              <a:solidFill>
+                <a:srgbClr val="000000"/>
+              </a:solidFill>
+              <a:latin typeface="Arial"/>
+            </a:endParaRPr>
+          </a:p>
+          <a:p>
+            <a:pPr lvl="2" marL="648000" indent="-216000" defTabSz="914400">
+              <a:lnSpc>
+                <a:spcPct val="100000"/>
+              </a:lnSpc>
+              <a:spcAft>
+                <a:spcPts val="1140"/>
+              </a:spcAft>
+              <a:buClr>
+                <a:srgbClr val="000000"/>
+              </a:buClr>
+              <a:buSzPct val="45000"/>
+              <a:buFont typeface="Wingdings" charset="2"/>
+              <a:buChar char=""/>
+            </a:pPr>
+            <a:r>
+              <a:rPr b="1" lang="pt-BR" sz="1600" spc="-1" strike="noStrike">
+                <a:solidFill>
+                  <a:srgbClr val="1c1c1c"/>
+                </a:solidFill>
+                <a:latin typeface="Latin Modern Sans"/>
+                <a:ea typeface="DejaVu Sans"/>
+              </a:rPr>
+              <a:t>TR1*.3 + TR2*.2 + AVAL*.5 = 10</a:t>
+            </a:r>
+            <a:endParaRPr b="0" lang="en-US" sz="1600" spc="-1" strike="noStrike">
+              <a:solidFill>
+                <a:srgbClr val="000000"/>
+              </a:solidFill>
+              <a:latin typeface="Arial"/>
+            </a:endParaRPr>
+          </a:p>
+          <a:p>
+            <a:pPr lvl="1" marL="432000" indent="-212400" defTabSz="914400">
+              <a:lnSpc>
+                <a:spcPct val="100000"/>
+              </a:lnSpc>
+              <a:spcAft>
+                <a:spcPts val="1140"/>
+              </a:spcAft>
+              <a:buClr>
+                <a:srgbClr val="000000"/>
+              </a:buClr>
+              <a:buSzPct val="45000"/>
+              <a:buFont typeface="Wingdings" charset="2"/>
+              <a:buChar char=""/>
+            </a:pPr>
+            <a:r>
+              <a:rPr b="1" lang="pt-BR" sz="1600" spc="-1" strike="noStrike">
+                <a:solidFill>
+                  <a:srgbClr val="1c1c1c"/>
+                </a:solidFill>
+                <a:latin typeface="Latin Modern Sans"/>
+                <a:ea typeface="DejaVu Sans"/>
+              </a:rPr>
+              <a:t>Presença: +2h de aula </a:t>
+            </a:r>
+            <a:endParaRPr b="0" lang="en-US" sz="1600" spc="-1" strike="noStrike">
+              <a:solidFill>
+                <a:srgbClr val="000000"/>
+              </a:solidFill>
+              <a:latin typeface="Arial"/>
+            </a:endParaRPr>
+          </a:p>
+          <a:p>
+            <a:pPr defTabSz="914400">
+              <a:lnSpc>
+                <a:spcPct val="100000"/>
+              </a:lnSpc>
+              <a:spcAft>
+                <a:spcPts val="1140"/>
+              </a:spcAft>
+            </a:pPr>
+            <a:endParaRPr b="0" lang="en-US" sz="1600" spc="-1" strike="noStrike">
+              <a:solidFill>
+                <a:srgbClr val="000000"/>
+              </a:solidFill>
+              <a:latin typeface="Arial"/>
+            </a:endParaRPr>
+          </a:p>
+          <a:p>
+            <a:pPr defTabSz="914400">
+              <a:lnSpc>
+                <a:spcPct val="100000"/>
+              </a:lnSpc>
+              <a:spcAft>
+                <a:spcPts val="1140"/>
+              </a:spcAft>
+            </a:pPr>
+            <a:endParaRPr b="0" lang="en-US" sz="1600" spc="-1" strike="noStrike">
+              <a:solidFill>
+                <a:srgbClr val="000000"/>
+              </a:solidFill>
+              <a:latin typeface="Arial"/>
+            </a:endParaRPr>
+          </a:p>
+          <a:p>
+            <a:pPr defTabSz="914400">
+              <a:lnSpc>
+                <a:spcPct val="100000"/>
+              </a:lnSpc>
+              <a:spcAft>
+                <a:spcPts val="1140"/>
+              </a:spcAft>
+            </a:pPr>
+            <a:endParaRPr b="0" lang="en-US" sz="1600" spc="-1" strike="noStrike">
+              <a:solidFill>
+                <a:srgbClr val="000000"/>
+              </a:solidFill>
+              <a:latin typeface="Arial"/>
+            </a:endParaRPr>
+          </a:p>
+          <a:p>
+            <a:pPr defTabSz="914400">
+              <a:lnSpc>
+                <a:spcPct val="100000"/>
+              </a:lnSpc>
+              <a:spcAft>
+                <a:spcPts val="1140"/>
+              </a:spcAft>
+            </a:pPr>
+            <a:endParaRPr b="0" lang="en-US" sz="1600" spc="-1" strike="noStrike">
+              <a:solidFill>
+                <a:srgbClr val="000000"/>
+              </a:solidFill>
+              <a:latin typeface="Arial"/>
+            </a:endParaRPr>
+          </a:p>
+        </p:txBody>
+      </p:sp>
+      <p:sp>
+        <p:nvSpPr>
+          <p:cNvPr id="356" name="CustomShape 114"/>
+          <p:cNvSpPr/>
+          <p:nvPr/>
+        </p:nvSpPr>
+        <p:spPr>
+          <a:xfrm>
             <a:off x="7608600" y="6886080"/>
-            <a:ext cx="2277360" cy="357120"/>
+            <a:ext cx="2276280" cy="356040"/>
           </a:xfrm>
           <a:prstGeom prst="rect">
             <a:avLst/>
@@ -32775,7 +33510,7 @@
             <a:noAutofit/>
           </a:bodyPr>
           <a:p>
-            <a:pPr defTabSz="914400">
+            <a:pPr>
               <a:lnSpc>
                 <a:spcPct val="100000"/>
               </a:lnSpc>
@@ -32801,14 +33536,14 @@
       </p:sp>
       <p:sp>
         <p:nvSpPr>
-          <p:cNvPr id="354" name="CustomShape 41"/>
+          <p:cNvPr id="357" name="CustomShape 115"/>
           <p:cNvSpPr/>
           <p:nvPr/>
         </p:nvSpPr>
         <p:spPr>
           <a:xfrm>
             <a:off x="897120" y="6886080"/>
-            <a:ext cx="6439320" cy="357120"/>
+            <a:ext cx="6438240" cy="356040"/>
           </a:xfrm>
           <a:prstGeom prst="rect">
             <a:avLst/>
@@ -32829,7 +33564,7 @@
             <a:noAutofit/>
           </a:bodyPr>
           <a:p>
-            <a:pPr defTabSz="914400">
+            <a:pPr>
               <a:lnSpc>
                 <a:spcPct val="100000"/>
               </a:lnSpc>
@@ -32845,261 +33580,6 @@
               <a:t>Fund. Algoritmos e Estrutura de Dados - Prof. André Hochuli</a:t>
             </a:r>
             <a:endParaRPr b="0" lang="en-US" sz="1800" spc="-1" strike="noStrike">
-              <a:solidFill>
-                <a:srgbClr val="000000"/>
-              </a:solidFill>
-              <a:latin typeface="Arial"/>
-            </a:endParaRPr>
-          </a:p>
-        </p:txBody>
-      </p:sp>
-      <p:sp>
-        <p:nvSpPr>
-          <p:cNvPr id="355" name="CustomShape 42"/>
-          <p:cNvSpPr/>
-          <p:nvPr/>
-        </p:nvSpPr>
-        <p:spPr>
-          <a:xfrm>
-            <a:off x="360000" y="1980000"/>
-            <a:ext cx="9172080" cy="4672080"/>
-          </a:xfrm>
-          <a:prstGeom prst="rect">
-            <a:avLst/>
-          </a:prstGeom>
-          <a:noFill/>
-          <a:ln w="0">
-            <a:noFill/>
-          </a:ln>
-        </p:spPr>
-        <p:style>
-          <a:lnRef idx="0"/>
-          <a:fillRef idx="0"/>
-          <a:effectRef idx="0"/>
-          <a:fontRef idx="minor"/>
-        </p:style>
-        <p:txBody>
-          <a:bodyPr lIns="0" rIns="0" tIns="0" bIns="0" anchor="t">
-            <a:normAutofit/>
-          </a:bodyPr>
-          <a:p>
-            <a:pPr lvl="1" marL="432000" indent="-212400" defTabSz="914400">
-              <a:lnSpc>
-                <a:spcPct val="100000"/>
-              </a:lnSpc>
-              <a:spcAft>
-                <a:spcPts val="1140"/>
-              </a:spcAft>
-              <a:buClr>
-                <a:srgbClr val="000000"/>
-              </a:buClr>
-              <a:buSzPct val="45000"/>
-              <a:buFont typeface="Wingdings" charset="2"/>
-              <a:buChar char=""/>
-            </a:pPr>
-            <a:r>
-              <a:rPr b="1" lang="pt-BR" sz="2200" spc="-1" strike="noStrike">
-                <a:solidFill>
-                  <a:srgbClr val="1c1c1c"/>
-                </a:solidFill>
-                <a:latin typeface="Latin Modern Sans"/>
-                <a:ea typeface="DejaVu Sans"/>
-              </a:rPr>
-              <a:t>Implementar uma tabela hash</a:t>
-            </a:r>
-            <a:endParaRPr b="0" lang="en-US" sz="2200" spc="-1" strike="noStrike">
-              <a:solidFill>
-                <a:srgbClr val="000000"/>
-              </a:solidFill>
-              <a:latin typeface="Arial"/>
-            </a:endParaRPr>
-          </a:p>
-          <a:p>
-            <a:pPr defTabSz="914400">
-              <a:lnSpc>
-                <a:spcPct val="100000"/>
-              </a:lnSpc>
-              <a:spcAft>
-                <a:spcPts val="1140"/>
-              </a:spcAft>
-            </a:pPr>
-            <a:endParaRPr b="0" lang="en-US" sz="2200" spc="-1" strike="noStrike">
-              <a:solidFill>
-                <a:srgbClr val="000000"/>
-              </a:solidFill>
-              <a:latin typeface="Arial"/>
-            </a:endParaRPr>
-          </a:p>
-          <a:p>
-            <a:pPr lvl="1" marL="432000" indent="-212400" defTabSz="914400">
-              <a:lnSpc>
-                <a:spcPct val="100000"/>
-              </a:lnSpc>
-              <a:spcAft>
-                <a:spcPts val="1140"/>
-              </a:spcAft>
-              <a:buClr>
-                <a:srgbClr val="000000"/>
-              </a:buClr>
-              <a:buSzPct val="45000"/>
-              <a:buFont typeface="Wingdings" charset="2"/>
-              <a:buChar char=""/>
-            </a:pPr>
-            <a:r>
-              <a:rPr b="1" lang="pt-BR" sz="2200" spc="-1" strike="noStrike">
-                <a:solidFill>
-                  <a:srgbClr val="1c1c1c"/>
-                </a:solidFill>
-                <a:latin typeface="Latin Modern Sans"/>
-                <a:ea typeface="DejaVu Sans"/>
-              </a:rPr>
-              <a:t>Avaliar diferentes funções hash e seus parâmetros</a:t>
-            </a:r>
-            <a:endParaRPr b="0" lang="en-US" sz="2200" spc="-1" strike="noStrike">
-              <a:solidFill>
-                <a:srgbClr val="000000"/>
-              </a:solidFill>
-              <a:latin typeface="Arial"/>
-            </a:endParaRPr>
-          </a:p>
-          <a:p>
-            <a:pPr defTabSz="914400">
-              <a:lnSpc>
-                <a:spcPct val="100000"/>
-              </a:lnSpc>
-              <a:spcAft>
-                <a:spcPts val="1140"/>
-              </a:spcAft>
-            </a:pPr>
-            <a:endParaRPr b="0" lang="en-US" sz="2200" spc="-1" strike="noStrike">
-              <a:solidFill>
-                <a:srgbClr val="000000"/>
-              </a:solidFill>
-              <a:latin typeface="Arial"/>
-            </a:endParaRPr>
-          </a:p>
-          <a:p>
-            <a:pPr lvl="1" marL="432000" indent="-212400" defTabSz="914400">
-              <a:lnSpc>
-                <a:spcPct val="100000"/>
-              </a:lnSpc>
-              <a:spcAft>
-                <a:spcPts val="1140"/>
-              </a:spcAft>
-              <a:buClr>
-                <a:srgbClr val="000000"/>
-              </a:buClr>
-              <a:buSzPct val="45000"/>
-              <a:buFont typeface="Wingdings" charset="2"/>
-              <a:buChar char=""/>
-            </a:pPr>
-            <a:r>
-              <a:rPr b="1" lang="pt-BR" sz="2200" spc="-1" strike="noStrike">
-                <a:solidFill>
-                  <a:srgbClr val="1c1c1c"/>
-                </a:solidFill>
-                <a:latin typeface="Latin Modern Sans"/>
-                <a:ea typeface="DejaVu Sans"/>
-              </a:rPr>
-              <a:t>Analises Críticas e Comparações de Desempenho</a:t>
-            </a:r>
-            <a:endParaRPr b="0" lang="en-US" sz="2200" spc="-1" strike="noStrike">
-              <a:solidFill>
-                <a:srgbClr val="000000"/>
-              </a:solidFill>
-              <a:latin typeface="Arial"/>
-            </a:endParaRPr>
-          </a:p>
-          <a:p>
-            <a:pPr lvl="2" marL="648000" indent="-216000" defTabSz="914400">
-              <a:lnSpc>
-                <a:spcPct val="100000"/>
-              </a:lnSpc>
-              <a:spcAft>
-                <a:spcPts val="1140"/>
-              </a:spcAft>
-              <a:buClr>
-                <a:srgbClr val="000000"/>
-              </a:buClr>
-              <a:buSzPct val="45000"/>
-              <a:buFont typeface="Wingdings" charset="2"/>
-              <a:buChar char=""/>
-            </a:pPr>
-            <a:r>
-              <a:rPr b="1" lang="pt-BR" sz="2200" spc="-1" strike="noStrike">
-                <a:solidFill>
-                  <a:srgbClr val="1c1c1c"/>
-                </a:solidFill>
-                <a:latin typeface="Latin Modern Sans"/>
-                <a:ea typeface="DejaVu Sans"/>
-              </a:rPr>
-              <a:t>i.e Número de Colisões</a:t>
-            </a:r>
-            <a:endParaRPr b="0" lang="en-US" sz="2200" spc="-1" strike="noStrike">
-              <a:solidFill>
-                <a:srgbClr val="000000"/>
-              </a:solidFill>
-              <a:latin typeface="Arial"/>
-            </a:endParaRPr>
-          </a:p>
-          <a:p>
-            <a:pPr defTabSz="914400">
-              <a:lnSpc>
-                <a:spcPct val="100000"/>
-              </a:lnSpc>
-              <a:spcAft>
-                <a:spcPts val="1140"/>
-              </a:spcAft>
-            </a:pPr>
-            <a:endParaRPr b="0" lang="en-US" sz="2200" spc="-1" strike="noStrike">
-              <a:solidFill>
-                <a:srgbClr val="000000"/>
-              </a:solidFill>
-              <a:latin typeface="Arial"/>
-            </a:endParaRPr>
-          </a:p>
-          <a:p>
-            <a:pPr defTabSz="914400">
-              <a:lnSpc>
-                <a:spcPct val="100000"/>
-              </a:lnSpc>
-              <a:spcAft>
-                <a:spcPts val="1140"/>
-              </a:spcAft>
-            </a:pPr>
-            <a:endParaRPr b="0" lang="en-US" sz="2200" spc="-1" strike="noStrike">
-              <a:solidFill>
-                <a:srgbClr val="000000"/>
-              </a:solidFill>
-              <a:latin typeface="Arial"/>
-            </a:endParaRPr>
-          </a:p>
-          <a:p>
-            <a:pPr defTabSz="914400">
-              <a:lnSpc>
-                <a:spcPct val="100000"/>
-              </a:lnSpc>
-              <a:spcAft>
-                <a:spcPts val="1140"/>
-              </a:spcAft>
-            </a:pPr>
-            <a:endParaRPr b="0" lang="en-US" sz="1600" spc="-1" strike="noStrike">
-              <a:solidFill>
-                <a:srgbClr val="000000"/>
-              </a:solidFill>
-              <a:latin typeface="Arial"/>
-            </a:endParaRPr>
-          </a:p>
-          <a:p>
-            <a:pPr defTabSz="914400">
-              <a:lnSpc>
-                <a:spcPct val="100000"/>
-              </a:lnSpc>
-              <a:spcAft>
-                <a:spcPts val="1140"/>
-              </a:spcAft>
-            </a:pPr>
-            <a:endParaRPr b="0" lang="en-US" sz="1600" spc="-1" strike="noStrike">
               <a:solidFill>
                 <a:srgbClr val="000000"/>
               </a:solidFill>
@@ -33329,7 +33809,7 @@
             </a:endParaRPr>
           </a:p>
           <a:p>
-            <a:pPr lvl="2" marL="648000" indent="-216000">
+            <a:pPr lvl="1" marL="432000" indent="-212400">
               <a:lnSpc>
                 <a:spcPct val="100000"/>
               </a:lnSpc>
@@ -33469,7 +33949,7 @@
                 <a:latin typeface="Latin Modern Sans"/>
                 <a:ea typeface="DejaVu Sans"/>
               </a:rPr>
-              <a:t>híbrido dia 26/06 </a:t>
+              <a:t>híbrido dia 26/09 </a:t>
             </a:r>
             <a:endParaRPr b="0" lang="en-US" sz="1800" spc="-1" strike="noStrike">
               <a:solidFill>
@@ -33566,7 +34046,7 @@
                 <a:latin typeface="Latin Modern Sans"/>
                 <a:ea typeface="DejaVu Sans"/>
               </a:rPr>
-              <a:t>Dia 26/06</a:t>
+              <a:t>Dia 26/09</a:t>
             </a:r>
             <a:endParaRPr b="0" lang="en-US" sz="1600" spc="-1" strike="noStrike">
               <a:solidFill>
@@ -33877,14 +34357,14 @@
       </p:grpSpPr>
       <p:sp>
         <p:nvSpPr>
-          <p:cNvPr id="356" name="CustomShape 8"/>
+          <p:cNvPr id="358" name="CustomShape 39"/>
           <p:cNvSpPr/>
           <p:nvPr/>
         </p:nvSpPr>
         <p:spPr>
           <a:xfrm>
             <a:off x="360000" y="360000"/>
-            <a:ext cx="9351000" cy="891000"/>
+            <a:ext cx="9352080" cy="892080"/>
           </a:xfrm>
           <a:prstGeom prst="rect">
             <a:avLst/>
@@ -33905,7 +34385,7 @@
             <a:noAutofit/>
           </a:bodyPr>
           <a:p>
-            <a:pPr>
+            <a:pPr defTabSz="914400">
               <a:lnSpc>
                 <a:spcPct val="100000"/>
               </a:lnSpc>
@@ -33918,7 +34398,7 @@
                 <a:latin typeface="Latin Modern Sans"/>
                 <a:ea typeface="DejaVu Sans"/>
               </a:rPr>
-              <a:t>Implementação e Discussão</a:t>
+              <a:t>Exercício</a:t>
             </a:r>
             <a:endParaRPr b="0" lang="en-US" sz="3200" spc="-1" strike="noStrike">
               <a:solidFill>
@@ -33931,14 +34411,122 @@
       </p:sp>
       <p:sp>
         <p:nvSpPr>
-          <p:cNvPr id="357" name="CustomShape 9"/>
+          <p:cNvPr id="359" name="CustomShape 40"/>
           <p:cNvSpPr/>
           <p:nvPr/>
         </p:nvSpPr>
         <p:spPr>
           <a:xfrm>
+            <a:off x="7608600" y="6886080"/>
+            <a:ext cx="2277360" cy="357120"/>
+          </a:xfrm>
+          <a:prstGeom prst="rect">
+            <a:avLst/>
+          </a:prstGeom>
+          <a:noFill/>
+          <a:ln w="0">
+            <a:noFill/>
+          </a:ln>
+        </p:spPr>
+        <p:style>
+          <a:lnRef idx="0"/>
+          <a:fillRef idx="0"/>
+          <a:effectRef idx="0"/>
+          <a:fontRef idx="minor"/>
+        </p:style>
+        <p:txBody>
+          <a:bodyPr lIns="90000" rIns="90000" tIns="45000" bIns="45000" anchor="t">
+            <a:noAutofit/>
+          </a:bodyPr>
+          <a:p>
+            <a:pPr defTabSz="914400">
+              <a:lnSpc>
+                <a:spcPct val="100000"/>
+              </a:lnSpc>
+            </a:pPr>
+            <a:r>
+              <a:rPr b="0" lang="pt-BR" sz="1800" spc="-1" strike="noStrike">
+                <a:solidFill>
+                  <a:srgbClr val="000000"/>
+                </a:solidFill>
+                <a:latin typeface="Arial"/>
+                <a:ea typeface="DejaVu Sans"/>
+              </a:rPr>
+              <a:t>Aula 03</a:t>
+            </a:r>
+            <a:endParaRPr b="0" lang="en-US" sz="1800" spc="-1" strike="noStrike">
+              <a:solidFill>
+                <a:srgbClr val="000000"/>
+              </a:solidFill>
+              <a:latin typeface="Arial"/>
+            </a:endParaRPr>
+          </a:p>
+        </p:txBody>
+      </p:sp>
+      <p:sp>
+        <p:nvSpPr>
+          <p:cNvPr id="360" name="CustomShape 41"/>
+          <p:cNvSpPr/>
+          <p:nvPr/>
+        </p:nvSpPr>
+        <p:spPr>
+          <a:xfrm>
+            <a:off x="897120" y="6886080"/>
+            <a:ext cx="6439320" cy="357120"/>
+          </a:xfrm>
+          <a:prstGeom prst="rect">
+            <a:avLst/>
+          </a:prstGeom>
+          <a:noFill/>
+          <a:ln w="0">
+            <a:noFill/>
+          </a:ln>
+        </p:spPr>
+        <p:style>
+          <a:lnRef idx="0"/>
+          <a:fillRef idx="0"/>
+          <a:effectRef idx="0"/>
+          <a:fontRef idx="minor"/>
+        </p:style>
+        <p:txBody>
+          <a:bodyPr lIns="90000" rIns="90000" tIns="45000" bIns="45000" anchor="t">
+            <a:noAutofit/>
+          </a:bodyPr>
+          <a:p>
+            <a:pPr defTabSz="914400">
+              <a:lnSpc>
+                <a:spcPct val="100000"/>
+              </a:lnSpc>
+            </a:pPr>
+            <a:r>
+              <a:rPr b="0" lang="pt-BR" sz="1800" spc="-1" strike="noStrike">
+                <a:solidFill>
+                  <a:srgbClr val="000000"/>
+                </a:solidFill>
+                <a:latin typeface="Arial"/>
+                <a:ea typeface="DejaVu Sans"/>
+              </a:rPr>
+              <a:t>Fund. Algoritmos e Estrutura de Dados - Prof. André Hochuli</a:t>
+            </a:r>
+            <a:endParaRPr b="0" lang="en-US" sz="1800" spc="-1" strike="noStrike">
+              <a:solidFill>
+                <a:srgbClr val="000000"/>
+              </a:solidFill>
+              <a:latin typeface="Arial"/>
+            </a:endParaRPr>
+          </a:p>
+        </p:txBody>
+      </p:sp>
+      <p:sp>
+        <p:nvSpPr>
+          <p:cNvPr id="361" name="CustomShape 42"/>
+          <p:cNvSpPr/>
+          <p:nvPr/>
+        </p:nvSpPr>
+        <p:spPr>
+          <a:xfrm>
             <a:off x="360000" y="1980000"/>
-            <a:ext cx="9171000" cy="4671000"/>
+            <a:ext cx="9172080" cy="4672080"/>
           </a:xfrm>
           <a:prstGeom prst="rect">
             <a:avLst/>
@@ -33959,33 +34547,39 @@
             <a:normAutofit/>
           </a:bodyPr>
           <a:p>
-            <a:pPr marL="219600">
+            <a:pPr lvl="1" marL="432000" indent="-212400" defTabSz="914400">
               <a:lnSpc>
                 <a:spcPct val="100000"/>
               </a:lnSpc>
               <a:spcAft>
                 <a:spcPts val="1140"/>
               </a:spcAft>
-            </a:pPr>
-            <a:r>
-              <a:rPr b="1" lang="pt-BR" sz="2000" spc="-1" strike="noStrike">
+              <a:buClr>
+                <a:srgbClr val="000000"/>
+              </a:buClr>
+              <a:buSzPct val="45000"/>
+              <a:buFont typeface="Wingdings" charset="2"/>
+              <a:buChar char=""/>
+            </a:pPr>
+            <a:r>
+              <a:rPr b="1" lang="pt-BR" sz="2200" spc="-1" strike="noStrike">
                 <a:solidFill>
                   <a:srgbClr val="1c1c1c"/>
                 </a:solidFill>
                 <a:latin typeface="Latin Modern Sans"/>
                 <a:ea typeface="DejaVu Sans"/>
               </a:rPr>
-              <a:t>Let’s Code!!</a:t>
-            </a:r>
-            <a:endParaRPr b="0" lang="en-US" sz="2000" spc="-1" strike="noStrike">
-              <a:solidFill>
-                <a:srgbClr val="000000"/>
-              </a:solidFill>
-              <a:latin typeface="Arial"/>
-            </a:endParaRPr>
-          </a:p>
-          <a:p>
-            <a:pPr marL="219600">
+              <a:t>Implementar uma tabela hash</a:t>
+            </a:r>
+            <a:endParaRPr b="0" lang="en-US" sz="2200" spc="-1" strike="noStrike">
+              <a:solidFill>
+                <a:srgbClr val="000000"/>
+              </a:solidFill>
+              <a:latin typeface="Arial"/>
+            </a:endParaRPr>
+          </a:p>
+          <a:p>
+            <a:pPr defTabSz="914400">
               <a:lnSpc>
                 <a:spcPct val="100000"/>
               </a:lnSpc>
@@ -33993,31 +34587,47 @@
                 <a:spcPts val="1140"/>
               </a:spcAft>
             </a:pPr>
-            <a:endParaRPr b="0" lang="en-US" sz="2000" spc="-1" strike="noStrike">
-              <a:solidFill>
-                <a:srgbClr val="000000"/>
-              </a:solidFill>
-              <a:latin typeface="Arial"/>
-            </a:endParaRPr>
-          </a:p>
-          <a:p>
-            <a:pPr marL="219600">
+            <a:endParaRPr b="0" lang="en-US" sz="2200" spc="-1" strike="noStrike">
+              <a:solidFill>
+                <a:srgbClr val="000000"/>
+              </a:solidFill>
+              <a:latin typeface="Arial"/>
+            </a:endParaRPr>
+          </a:p>
+          <a:p>
+            <a:pPr lvl="1" marL="432000" indent="-212400" defTabSz="914400">
               <a:lnSpc>
                 <a:spcPct val="100000"/>
               </a:lnSpc>
               <a:spcAft>
                 <a:spcPts val="1140"/>
               </a:spcAft>
-            </a:pPr>
-            <a:endParaRPr b="0" lang="en-US" sz="2000" spc="-1" strike="noStrike">
-              <a:solidFill>
-                <a:srgbClr val="000000"/>
-              </a:solidFill>
-              <a:latin typeface="Arial"/>
-            </a:endParaRPr>
-          </a:p>
-          <a:p>
-            <a:pPr marL="219600">
+              <a:buClr>
+                <a:srgbClr val="000000"/>
+              </a:buClr>
+              <a:buSzPct val="45000"/>
+              <a:buFont typeface="Wingdings" charset="2"/>
+              <a:buChar char=""/>
+            </a:pPr>
+            <a:r>
+              <a:rPr b="1" lang="pt-BR" sz="2200" spc="-1" strike="noStrike">
+                <a:solidFill>
+                  <a:srgbClr val="1c1c1c"/>
+                </a:solidFill>
+                <a:latin typeface="Latin Modern Sans"/>
+                <a:ea typeface="DejaVu Sans"/>
+              </a:rPr>
+              <a:t>Avaliar diferentes funções hash e seus parâmetros</a:t>
+            </a:r>
+            <a:endParaRPr b="0" lang="en-US" sz="2200" spc="-1" strike="noStrike">
+              <a:solidFill>
+                <a:srgbClr val="000000"/>
+              </a:solidFill>
+              <a:latin typeface="Arial"/>
+            </a:endParaRPr>
+          </a:p>
+          <a:p>
+            <a:pPr defTabSz="914400">
               <a:lnSpc>
                 <a:spcPct val="100000"/>
               </a:lnSpc>
@@ -34025,23 +34635,219 @@
                 <a:spcPts val="1140"/>
               </a:spcAft>
             </a:pPr>
-            <a:endParaRPr b="0" lang="en-US" sz="2000" spc="-1" strike="noStrike">
-              <a:solidFill>
-                <a:srgbClr val="000000"/>
-              </a:solidFill>
-              <a:latin typeface="Arial"/>
-            </a:endParaRPr>
-          </a:p>
-          <a:p>
-            <a:pPr marL="219600">
+            <a:endParaRPr b="0" lang="en-US" sz="2200" spc="-1" strike="noStrike">
+              <a:solidFill>
+                <a:srgbClr val="000000"/>
+              </a:solidFill>
+              <a:latin typeface="Arial"/>
+            </a:endParaRPr>
+          </a:p>
+          <a:p>
+            <a:pPr lvl="1" marL="432000" indent="-212400" defTabSz="914400">
               <a:lnSpc>
                 <a:spcPct val="100000"/>
               </a:lnSpc>
               <a:spcAft>
                 <a:spcPts val="1140"/>
               </a:spcAft>
+              <a:buClr>
+                <a:srgbClr val="000000"/>
+              </a:buClr>
+              <a:buSzPct val="45000"/>
+              <a:buFont typeface="Wingdings" charset="2"/>
+              <a:buChar char=""/>
+            </a:pPr>
+            <a:r>
+              <a:rPr b="1" lang="pt-BR" sz="2200" spc="-1" strike="noStrike">
+                <a:solidFill>
+                  <a:srgbClr val="1c1c1c"/>
+                </a:solidFill>
+                <a:latin typeface="Latin Modern Sans"/>
+                <a:ea typeface="DejaVu Sans"/>
+              </a:rPr>
+              <a:t>Analises Críticas e Comparações de Desempenho</a:t>
+            </a:r>
+            <a:endParaRPr b="0" lang="en-US" sz="2200" spc="-1" strike="noStrike">
+              <a:solidFill>
+                <a:srgbClr val="000000"/>
+              </a:solidFill>
+              <a:latin typeface="Arial"/>
+            </a:endParaRPr>
+          </a:p>
+          <a:p>
+            <a:pPr lvl="2" marL="648000" indent="-216000" defTabSz="914400">
+              <a:lnSpc>
+                <a:spcPct val="100000"/>
+              </a:lnSpc>
+              <a:spcAft>
+                <a:spcPts val="1140"/>
+              </a:spcAft>
+              <a:buClr>
+                <a:srgbClr val="000000"/>
+              </a:buClr>
+              <a:buSzPct val="45000"/>
+              <a:buFont typeface="Wingdings" charset="2"/>
+              <a:buChar char=""/>
+            </a:pPr>
+            <a:r>
+              <a:rPr b="1" lang="pt-BR" sz="2200" spc="-1" strike="noStrike">
+                <a:solidFill>
+                  <a:srgbClr val="1c1c1c"/>
+                </a:solidFill>
+                <a:latin typeface="Latin Modern Sans"/>
+                <a:ea typeface="DejaVu Sans"/>
+              </a:rPr>
+              <a:t>i.e Número de Colisões</a:t>
+            </a:r>
+            <a:endParaRPr b="0" lang="en-US" sz="2200" spc="-1" strike="noStrike">
+              <a:solidFill>
+                <a:srgbClr val="000000"/>
+              </a:solidFill>
+              <a:latin typeface="Arial"/>
+            </a:endParaRPr>
+          </a:p>
+          <a:p>
+            <a:pPr defTabSz="914400">
+              <a:lnSpc>
+                <a:spcPct val="100000"/>
+              </a:lnSpc>
+              <a:spcAft>
+                <a:spcPts val="1140"/>
+              </a:spcAft>
+            </a:pPr>
+            <a:endParaRPr b="0" lang="en-US" sz="2200" spc="-1" strike="noStrike">
+              <a:solidFill>
+                <a:srgbClr val="000000"/>
+              </a:solidFill>
+              <a:latin typeface="Arial"/>
+            </a:endParaRPr>
+          </a:p>
+          <a:p>
+            <a:pPr defTabSz="914400">
+              <a:lnSpc>
+                <a:spcPct val="100000"/>
+              </a:lnSpc>
+              <a:spcAft>
+                <a:spcPts val="1140"/>
+              </a:spcAft>
+            </a:pPr>
+            <a:endParaRPr b="0" lang="en-US" sz="2200" spc="-1" strike="noStrike">
+              <a:solidFill>
+                <a:srgbClr val="000000"/>
+              </a:solidFill>
+              <a:latin typeface="Arial"/>
+            </a:endParaRPr>
+          </a:p>
+          <a:p>
+            <a:pPr defTabSz="914400">
+              <a:lnSpc>
+                <a:spcPct val="100000"/>
+              </a:lnSpc>
+              <a:spcAft>
+                <a:spcPts val="1140"/>
+              </a:spcAft>
             </a:pPr>
             <a:endParaRPr b="0" lang="en-US" sz="1600" spc="-1" strike="noStrike">
+              <a:solidFill>
+                <a:srgbClr val="000000"/>
+              </a:solidFill>
+              <a:latin typeface="Arial"/>
+            </a:endParaRPr>
+          </a:p>
+          <a:p>
+            <a:pPr defTabSz="914400">
+              <a:lnSpc>
+                <a:spcPct val="100000"/>
+              </a:lnSpc>
+              <a:spcAft>
+                <a:spcPts val="1140"/>
+              </a:spcAft>
+            </a:pPr>
+            <a:endParaRPr b="0" lang="en-US" sz="1600" spc="-1" strike="noStrike">
+              <a:solidFill>
+                <a:srgbClr val="000000"/>
+              </a:solidFill>
+              <a:latin typeface="Arial"/>
+            </a:endParaRPr>
+          </a:p>
+        </p:txBody>
+      </p:sp>
+    </p:spTree>
+  </p:cSld>
+  <mc:AlternateContent>
+    <mc:Choice Requires="p14">
+      <p:transition spd="slow" p14:dur="2000"/>
+    </mc:Choice>
+    <mc:Fallback>
+      <p:transition spd="slow"/>
+    </mc:Fallback>
+  </mc:AlternateContent>
+</p:sld>
+</file>
+
+<file path=ppt/slides/slide31.xml><?xml version="1.0" encoding="utf-8"?>
+<p:sld xmlns:a="http://schemas.openxmlformats.org/drawingml/2006/main" xmlns:p="http://schemas.openxmlformats.org/presentationml/2006/main" xmlns:r="http://schemas.openxmlformats.org/officeDocument/2006/relationships" xmlns:p14="http://schemas.microsoft.com/office/powerpoint/2010/main" xmlns:p15="http://schemas.microsoft.com/office/powerpoint/2012/main" xmlns:mc="http://schemas.openxmlformats.org/markup-compatibility/2006">
+  <p:cSld>
+    <p:spTree>
+      <p:nvGrpSpPr>
+        <p:cNvPr id="1" name=""/>
+        <p:cNvGrpSpPr/>
+        <p:nvPr/>
+      </p:nvGrpSpPr>
+      <p:grpSpPr>
+        <a:xfrm>
+          <a:off x="0" y="0"/>
+          <a:ext cx="0" cy="0"/>
+          <a:chOff x="0" y="0"/>
+          <a:chExt cx="0" cy="0"/>
+        </a:xfrm>
+      </p:grpSpPr>
+      <p:sp>
+        <p:nvSpPr>
+          <p:cNvPr id="362" name="CustomShape 8"/>
+          <p:cNvSpPr/>
+          <p:nvPr/>
+        </p:nvSpPr>
+        <p:spPr>
+          <a:xfrm>
+            <a:off x="360000" y="360000"/>
+            <a:ext cx="9351000" cy="891000"/>
+          </a:xfrm>
+          <a:prstGeom prst="rect">
+            <a:avLst/>
+          </a:prstGeom>
+          <a:noFill/>
+          <a:ln w="0">
+            <a:noFill/>
+          </a:ln>
+        </p:spPr>
+        <p:style>
+          <a:lnRef idx="0"/>
+          <a:fillRef idx="0"/>
+          <a:effectRef idx="0"/>
+          <a:fontRef idx="minor"/>
+        </p:style>
+        <p:txBody>
+          <a:bodyPr lIns="0" rIns="0" tIns="0" bIns="0" anchor="b">
+            <a:noAutofit/>
+          </a:bodyPr>
+          <a:p>
+            <a:pPr>
+              <a:lnSpc>
+                <a:spcPct val="100000"/>
+              </a:lnSpc>
+            </a:pPr>
+            <a:r>
+              <a:rPr b="1" lang="pt-BR" sz="3200" spc="-1" strike="noStrike">
+                <a:solidFill>
+                  <a:srgbClr val="ffffff"/>
+                </a:solidFill>
+                <a:latin typeface="Latin Modern Sans"/>
+                <a:ea typeface="DejaVu Sans"/>
+              </a:rPr>
+              <a:t>Implementação e Discussão</a:t>
+            </a:r>
+            <a:endParaRPr b="0" lang="en-US" sz="3200" spc="-1" strike="noStrike">
               <a:solidFill>
                 <a:srgbClr val="000000"/>
               </a:solidFill>
@@ -34052,7 +34858,128 @@
       </p:sp>
       <p:sp>
         <p:nvSpPr>
-          <p:cNvPr id="358" name="CustomShape 10"/>
+          <p:cNvPr id="363" name="CustomShape 9"/>
+          <p:cNvSpPr/>
+          <p:nvPr/>
+        </p:nvSpPr>
+        <p:spPr>
+          <a:xfrm>
+            <a:off x="360000" y="1980000"/>
+            <a:ext cx="9171000" cy="4671000"/>
+          </a:xfrm>
+          <a:prstGeom prst="rect">
+            <a:avLst/>
+          </a:prstGeom>
+          <a:noFill/>
+          <a:ln w="0">
+            <a:noFill/>
+          </a:ln>
+        </p:spPr>
+        <p:style>
+          <a:lnRef idx="0"/>
+          <a:fillRef idx="0"/>
+          <a:effectRef idx="0"/>
+          <a:fontRef idx="minor"/>
+        </p:style>
+        <p:txBody>
+          <a:bodyPr lIns="0" rIns="0" tIns="0" bIns="0" anchor="t">
+            <a:normAutofit/>
+          </a:bodyPr>
+          <a:p>
+            <a:pPr marL="219600">
+              <a:lnSpc>
+                <a:spcPct val="100000"/>
+              </a:lnSpc>
+              <a:spcAft>
+                <a:spcPts val="1140"/>
+              </a:spcAft>
+            </a:pPr>
+            <a:r>
+              <a:rPr b="1" lang="pt-BR" sz="2000" spc="-1" strike="noStrike">
+                <a:solidFill>
+                  <a:srgbClr val="1c1c1c"/>
+                </a:solidFill>
+                <a:latin typeface="Latin Modern Sans"/>
+                <a:ea typeface="DejaVu Sans"/>
+              </a:rPr>
+              <a:t>Let’s Code!!</a:t>
+            </a:r>
+            <a:endParaRPr b="0" lang="en-US" sz="2000" spc="-1" strike="noStrike">
+              <a:solidFill>
+                <a:srgbClr val="000000"/>
+              </a:solidFill>
+              <a:latin typeface="Arial"/>
+            </a:endParaRPr>
+          </a:p>
+          <a:p>
+            <a:pPr marL="219600">
+              <a:lnSpc>
+                <a:spcPct val="100000"/>
+              </a:lnSpc>
+              <a:spcAft>
+                <a:spcPts val="1140"/>
+              </a:spcAft>
+            </a:pPr>
+            <a:endParaRPr b="0" lang="en-US" sz="2000" spc="-1" strike="noStrike">
+              <a:solidFill>
+                <a:srgbClr val="000000"/>
+              </a:solidFill>
+              <a:latin typeface="Arial"/>
+            </a:endParaRPr>
+          </a:p>
+          <a:p>
+            <a:pPr marL="219600">
+              <a:lnSpc>
+                <a:spcPct val="100000"/>
+              </a:lnSpc>
+              <a:spcAft>
+                <a:spcPts val="1140"/>
+              </a:spcAft>
+            </a:pPr>
+            <a:endParaRPr b="0" lang="en-US" sz="2000" spc="-1" strike="noStrike">
+              <a:solidFill>
+                <a:srgbClr val="000000"/>
+              </a:solidFill>
+              <a:latin typeface="Arial"/>
+            </a:endParaRPr>
+          </a:p>
+          <a:p>
+            <a:pPr marL="219600">
+              <a:lnSpc>
+                <a:spcPct val="100000"/>
+              </a:lnSpc>
+              <a:spcAft>
+                <a:spcPts val="1140"/>
+              </a:spcAft>
+            </a:pPr>
+            <a:endParaRPr b="0" lang="en-US" sz="2000" spc="-1" strike="noStrike">
+              <a:solidFill>
+                <a:srgbClr val="000000"/>
+              </a:solidFill>
+              <a:latin typeface="Arial"/>
+            </a:endParaRPr>
+          </a:p>
+          <a:p>
+            <a:pPr marL="219600">
+              <a:lnSpc>
+                <a:spcPct val="100000"/>
+              </a:lnSpc>
+              <a:spcAft>
+                <a:spcPts val="1140"/>
+              </a:spcAft>
+            </a:pPr>
+            <a:endParaRPr b="0" lang="en-US" sz="1600" spc="-1" strike="noStrike">
+              <a:solidFill>
+                <a:srgbClr val="000000"/>
+              </a:solidFill>
+              <a:latin typeface="Arial"/>
+            </a:endParaRPr>
+          </a:p>
+        </p:txBody>
+      </p:sp>
+      <p:sp>
+        <p:nvSpPr>
+          <p:cNvPr id="364" name="CustomShape 10"/>
           <p:cNvSpPr/>
           <p:nvPr/>
         </p:nvSpPr>
@@ -34106,7 +35033,7 @@
       </p:sp>
       <p:sp>
         <p:nvSpPr>
-          <p:cNvPr id="359" name="CustomShape 11"/>
+          <p:cNvPr id="365" name="CustomShape 11"/>
           <p:cNvSpPr/>
           <p:nvPr/>
         </p:nvSpPr>
@@ -34160,7 +35087,7 @@
       </p:sp>
       <p:sp>
         <p:nvSpPr>
-          <p:cNvPr id="360" name=""/>
+          <p:cNvPr id="366" name=""/>
           <p:cNvSpPr/>
           <p:nvPr/>
         </p:nvSpPr>

--- a/DataStructuresAndAlgorithms/Lecture 03 - Linked Lists and Hash Table/Lecture 03 - Linked Lists and Hash Table.pptx
+++ b/DataStructuresAndAlgorithms/Lecture 03 - Linked Lists and Hash Table/Lecture 03 - Linked Lists and Hash Table.pptx
@@ -396,7 +396,7 @@
             <a:pPr indent="0" algn="r">
               <a:buNone/>
             </a:pPr>
-            <a:fld id="{E5691CA6-5130-4308-8649-53EF765D5A3E}" type="slidenum">
+            <a:fld id="{DA42270E-B0C8-474B-A156-388939266065}" type="slidenum">
               <a:rPr b="0" lang="en-US" sz="1400" spc="-1" strike="noStrike">
                 <a:solidFill>
                   <a:srgbClr val="000000"/>
@@ -450,7 +450,7 @@
         <p:spPr>
           <a:xfrm>
             <a:off x="1376280" y="1336680"/>
-            <a:ext cx="4799160" cy="3599280"/>
+            <a:ext cx="4798800" cy="3598920"/>
           </a:xfrm>
           <a:prstGeom prst="rect">
             <a:avLst/>
@@ -473,7 +473,7 @@
         <p:spPr>
           <a:xfrm>
             <a:off x="756000" y="5145120"/>
-            <a:ext cx="6038640" cy="4200840"/>
+            <a:ext cx="6038280" cy="4200480"/>
           </a:xfrm>
           <a:prstGeom prst="rect">
             <a:avLst/>
@@ -509,7 +509,7 @@
         <p:spPr>
           <a:xfrm>
             <a:off x="0" y="10155240"/>
-            <a:ext cx="3267000" cy="527400"/>
+            <a:ext cx="3266640" cy="527040"/>
           </a:xfrm>
           <a:prstGeom prst="rect">
             <a:avLst/>
@@ -589,7 +589,7 @@
         <p:spPr>
           <a:xfrm>
             <a:off x="1376280" y="1336680"/>
-            <a:ext cx="4799160" cy="3599280"/>
+            <a:ext cx="4798800" cy="3598920"/>
           </a:xfrm>
           <a:prstGeom prst="rect">
             <a:avLst/>
@@ -612,7 +612,7 @@
         <p:spPr>
           <a:xfrm>
             <a:off x="756000" y="5145120"/>
-            <a:ext cx="6038640" cy="4200840"/>
+            <a:ext cx="6038280" cy="4200480"/>
           </a:xfrm>
           <a:prstGeom prst="rect">
             <a:avLst/>
@@ -648,7 +648,7 @@
         <p:spPr>
           <a:xfrm>
             <a:off x="0" y="10155240"/>
-            <a:ext cx="3267000" cy="527400"/>
+            <a:ext cx="3266640" cy="527040"/>
           </a:xfrm>
           <a:prstGeom prst="rect">
             <a:avLst/>
@@ -728,7 +728,7 @@
         <p:spPr>
           <a:xfrm>
             <a:off x="1376280" y="1336680"/>
-            <a:ext cx="4799160" cy="3599280"/>
+            <a:ext cx="4798800" cy="3598920"/>
           </a:xfrm>
           <a:prstGeom prst="rect">
             <a:avLst/>
@@ -751,7 +751,7 @@
         <p:spPr>
           <a:xfrm>
             <a:off x="756000" y="5145120"/>
-            <a:ext cx="6038640" cy="4200840"/>
+            <a:ext cx="6038280" cy="4200480"/>
           </a:xfrm>
           <a:prstGeom prst="rect">
             <a:avLst/>
@@ -787,7 +787,7 @@
         <p:spPr>
           <a:xfrm>
             <a:off x="0" y="10155240"/>
-            <a:ext cx="3267000" cy="527400"/>
+            <a:ext cx="3266640" cy="527040"/>
           </a:xfrm>
           <a:prstGeom prst="rect">
             <a:avLst/>
@@ -867,7 +867,7 @@
         <p:spPr>
           <a:xfrm>
             <a:off x="1376280" y="1336680"/>
-            <a:ext cx="4799160" cy="3599280"/>
+            <a:ext cx="4798800" cy="3598920"/>
           </a:xfrm>
           <a:prstGeom prst="rect">
             <a:avLst/>
@@ -890,7 +890,7 @@
         <p:spPr>
           <a:xfrm>
             <a:off x="756000" y="5145120"/>
-            <a:ext cx="6038640" cy="4200840"/>
+            <a:ext cx="6038280" cy="4200480"/>
           </a:xfrm>
           <a:prstGeom prst="rect">
             <a:avLst/>
@@ -926,7 +926,7 @@
         <p:spPr>
           <a:xfrm>
             <a:off x="0" y="10155240"/>
-            <a:ext cx="3267000" cy="527400"/>
+            <a:ext cx="3266640" cy="527040"/>
           </a:xfrm>
           <a:prstGeom prst="rect">
             <a:avLst/>
@@ -1006,7 +1006,7 @@
         <p:spPr>
           <a:xfrm>
             <a:off x="1376280" y="1336680"/>
-            <a:ext cx="4799160" cy="3599280"/>
+            <a:ext cx="4798800" cy="3598920"/>
           </a:xfrm>
           <a:prstGeom prst="rect">
             <a:avLst/>
@@ -1029,7 +1029,7 @@
         <p:spPr>
           <a:xfrm>
             <a:off x="756000" y="5145120"/>
-            <a:ext cx="6038640" cy="4200840"/>
+            <a:ext cx="6038280" cy="4200480"/>
           </a:xfrm>
           <a:prstGeom prst="rect">
             <a:avLst/>
@@ -1065,7 +1065,7 @@
         <p:spPr>
           <a:xfrm>
             <a:off x="0" y="10155240"/>
-            <a:ext cx="3267000" cy="527400"/>
+            <a:ext cx="3266640" cy="527040"/>
           </a:xfrm>
           <a:prstGeom prst="rect">
             <a:avLst/>
@@ -1145,7 +1145,7 @@
         <p:spPr>
           <a:xfrm>
             <a:off x="1376280" y="1336680"/>
-            <a:ext cx="4799160" cy="3599280"/>
+            <a:ext cx="4798800" cy="3598920"/>
           </a:xfrm>
           <a:prstGeom prst="rect">
             <a:avLst/>
@@ -1168,7 +1168,7 @@
         <p:spPr>
           <a:xfrm>
             <a:off x="756000" y="5145120"/>
-            <a:ext cx="6038640" cy="4200840"/>
+            <a:ext cx="6038280" cy="4200480"/>
           </a:xfrm>
           <a:prstGeom prst="rect">
             <a:avLst/>
@@ -1204,7 +1204,7 @@
         <p:spPr>
           <a:xfrm>
             <a:off x="0" y="10155240"/>
-            <a:ext cx="3267000" cy="527400"/>
+            <a:ext cx="3266640" cy="527040"/>
           </a:xfrm>
           <a:prstGeom prst="rect">
             <a:avLst/>
@@ -1284,7 +1284,7 @@
         <p:spPr>
           <a:xfrm>
             <a:off x="1376280" y="1336680"/>
-            <a:ext cx="4799160" cy="3599280"/>
+            <a:ext cx="4798800" cy="3598920"/>
           </a:xfrm>
           <a:prstGeom prst="rect">
             <a:avLst/>
@@ -1307,7 +1307,7 @@
         <p:spPr>
           <a:xfrm>
             <a:off x="756000" y="5145120"/>
-            <a:ext cx="6038640" cy="4200840"/>
+            <a:ext cx="6038280" cy="4200480"/>
           </a:xfrm>
           <a:prstGeom prst="rect">
             <a:avLst/>
@@ -1343,7 +1343,7 @@
         <p:spPr>
           <a:xfrm>
             <a:off x="0" y="10155240"/>
-            <a:ext cx="3267000" cy="527400"/>
+            <a:ext cx="3266640" cy="527040"/>
           </a:xfrm>
           <a:prstGeom prst="rect">
             <a:avLst/>
@@ -1423,7 +1423,7 @@
         <p:spPr>
           <a:xfrm>
             <a:off x="1376280" y="1336680"/>
-            <a:ext cx="4799160" cy="3599280"/>
+            <a:ext cx="4798800" cy="3598920"/>
           </a:xfrm>
           <a:prstGeom prst="rect">
             <a:avLst/>
@@ -1446,7 +1446,7 @@
         <p:spPr>
           <a:xfrm>
             <a:off x="756000" y="5145120"/>
-            <a:ext cx="6038640" cy="4200840"/>
+            <a:ext cx="6038280" cy="4200480"/>
           </a:xfrm>
           <a:prstGeom prst="rect">
             <a:avLst/>
@@ -1482,7 +1482,7 @@
         <p:spPr>
           <a:xfrm>
             <a:off x="0" y="10155240"/>
-            <a:ext cx="3267000" cy="527400"/>
+            <a:ext cx="3266640" cy="527040"/>
           </a:xfrm>
           <a:prstGeom prst="rect">
             <a:avLst/>
@@ -1562,7 +1562,7 @@
         <p:spPr>
           <a:xfrm>
             <a:off x="1376280" y="1336680"/>
-            <a:ext cx="4799160" cy="3599280"/>
+            <a:ext cx="4798800" cy="3598920"/>
           </a:xfrm>
           <a:prstGeom prst="rect">
             <a:avLst/>
@@ -1585,7 +1585,7 @@
         <p:spPr>
           <a:xfrm>
             <a:off x="756000" y="5145120"/>
-            <a:ext cx="6038640" cy="4200840"/>
+            <a:ext cx="6038280" cy="4200480"/>
           </a:xfrm>
           <a:prstGeom prst="rect">
             <a:avLst/>
@@ -1621,7 +1621,7 @@
         <p:spPr>
           <a:xfrm>
             <a:off x="0" y="10155240"/>
-            <a:ext cx="3267000" cy="527400"/>
+            <a:ext cx="3266640" cy="527040"/>
           </a:xfrm>
           <a:prstGeom prst="rect">
             <a:avLst/>
@@ -1701,7 +1701,7 @@
         <p:spPr>
           <a:xfrm>
             <a:off x="1376280" y="1336680"/>
-            <a:ext cx="4799160" cy="3599280"/>
+            <a:ext cx="4798800" cy="3598920"/>
           </a:xfrm>
           <a:prstGeom prst="rect">
             <a:avLst/>
@@ -1724,7 +1724,7 @@
         <p:spPr>
           <a:xfrm>
             <a:off x="756000" y="5145120"/>
-            <a:ext cx="6038640" cy="4200840"/>
+            <a:ext cx="6038280" cy="4200480"/>
           </a:xfrm>
           <a:prstGeom prst="rect">
             <a:avLst/>
@@ -1760,7 +1760,7 @@
         <p:spPr>
           <a:xfrm>
             <a:off x="0" y="10155240"/>
-            <a:ext cx="3267000" cy="527400"/>
+            <a:ext cx="3266640" cy="527040"/>
           </a:xfrm>
           <a:prstGeom prst="rect">
             <a:avLst/>
@@ -1840,7 +1840,7 @@
         <p:spPr>
           <a:xfrm>
             <a:off x="1376280" y="1336680"/>
-            <a:ext cx="4799160" cy="3599280"/>
+            <a:ext cx="4798800" cy="3598920"/>
           </a:xfrm>
           <a:prstGeom prst="rect">
             <a:avLst/>
@@ -1863,7 +1863,7 @@
         <p:spPr>
           <a:xfrm>
             <a:off x="756000" y="5145120"/>
-            <a:ext cx="6038640" cy="4200840"/>
+            <a:ext cx="6038280" cy="4200480"/>
           </a:xfrm>
           <a:prstGeom prst="rect">
             <a:avLst/>
@@ -1899,7 +1899,7 @@
         <p:spPr>
           <a:xfrm>
             <a:off x="0" y="10155240"/>
-            <a:ext cx="3267000" cy="527400"/>
+            <a:ext cx="3266640" cy="527040"/>
           </a:xfrm>
           <a:prstGeom prst="rect">
             <a:avLst/>
@@ -1979,7 +1979,7 @@
         <p:spPr>
           <a:xfrm>
             <a:off x="1376280" y="1336680"/>
-            <a:ext cx="4799160" cy="3599280"/>
+            <a:ext cx="4798800" cy="3598920"/>
           </a:xfrm>
           <a:prstGeom prst="rect">
             <a:avLst/>
@@ -2002,7 +2002,7 @@
         <p:spPr>
           <a:xfrm>
             <a:off x="756000" y="5145120"/>
-            <a:ext cx="6038640" cy="4200840"/>
+            <a:ext cx="6038280" cy="4200480"/>
           </a:xfrm>
           <a:prstGeom prst="rect">
             <a:avLst/>
@@ -2038,7 +2038,7 @@
         <p:spPr>
           <a:xfrm>
             <a:off x="0" y="10155240"/>
-            <a:ext cx="3267000" cy="527400"/>
+            <a:ext cx="3266640" cy="527040"/>
           </a:xfrm>
           <a:prstGeom prst="rect">
             <a:avLst/>
@@ -2118,7 +2118,7 @@
         <p:spPr>
           <a:xfrm>
             <a:off x="1376280" y="1336680"/>
-            <a:ext cx="4799160" cy="3599280"/>
+            <a:ext cx="4798800" cy="3598920"/>
           </a:xfrm>
           <a:prstGeom prst="rect">
             <a:avLst/>
@@ -2141,7 +2141,7 @@
         <p:spPr>
           <a:xfrm>
             <a:off x="756000" y="5145120"/>
-            <a:ext cx="6038640" cy="4200840"/>
+            <a:ext cx="6038280" cy="4200480"/>
           </a:xfrm>
           <a:prstGeom prst="rect">
             <a:avLst/>
@@ -2177,7 +2177,7 @@
         <p:spPr>
           <a:xfrm>
             <a:off x="0" y="10155240"/>
-            <a:ext cx="3267000" cy="527400"/>
+            <a:ext cx="3266640" cy="527040"/>
           </a:xfrm>
           <a:prstGeom prst="rect">
             <a:avLst/>
@@ -2257,7 +2257,7 @@
         <p:spPr>
           <a:xfrm>
             <a:off x="1376280" y="1336680"/>
-            <a:ext cx="4799160" cy="3599280"/>
+            <a:ext cx="4798800" cy="3598920"/>
           </a:xfrm>
           <a:prstGeom prst="rect">
             <a:avLst/>
@@ -2280,7 +2280,7 @@
         <p:spPr>
           <a:xfrm>
             <a:off x="756000" y="5145120"/>
-            <a:ext cx="6038640" cy="4200840"/>
+            <a:ext cx="6038280" cy="4200480"/>
           </a:xfrm>
           <a:prstGeom prst="rect">
             <a:avLst/>
@@ -2316,7 +2316,7 @@
         <p:spPr>
           <a:xfrm>
             <a:off x="0" y="10155240"/>
-            <a:ext cx="3267000" cy="527400"/>
+            <a:ext cx="3266640" cy="527040"/>
           </a:xfrm>
           <a:prstGeom prst="rect">
             <a:avLst/>
@@ -2396,7 +2396,7 @@
         <p:spPr>
           <a:xfrm>
             <a:off x="1376280" y="1336680"/>
-            <a:ext cx="4799160" cy="3599280"/>
+            <a:ext cx="4798800" cy="3598920"/>
           </a:xfrm>
           <a:prstGeom prst="rect">
             <a:avLst/>
@@ -2419,7 +2419,7 @@
         <p:spPr>
           <a:xfrm>
             <a:off x="756000" y="5145120"/>
-            <a:ext cx="6038640" cy="4200840"/>
+            <a:ext cx="6038280" cy="4200480"/>
           </a:xfrm>
           <a:prstGeom prst="rect">
             <a:avLst/>
@@ -2455,7 +2455,7 @@
         <p:spPr>
           <a:xfrm>
             <a:off x="0" y="10155240"/>
-            <a:ext cx="3267000" cy="527400"/>
+            <a:ext cx="3266640" cy="527040"/>
           </a:xfrm>
           <a:prstGeom prst="rect">
             <a:avLst/>
@@ -2535,7 +2535,7 @@
         <p:spPr>
           <a:xfrm>
             <a:off x="1376280" y="1336680"/>
-            <a:ext cx="4800240" cy="3600360"/>
+            <a:ext cx="4799880" cy="3600000"/>
           </a:xfrm>
           <a:prstGeom prst="rect">
             <a:avLst/>
@@ -2558,7 +2558,7 @@
         <p:spPr>
           <a:xfrm>
             <a:off x="756000" y="5145120"/>
-            <a:ext cx="6039720" cy="4201920"/>
+            <a:ext cx="6039360" cy="4201560"/>
           </a:xfrm>
           <a:prstGeom prst="rect">
             <a:avLst/>
@@ -2594,7 +2594,7 @@
         <p:spPr>
           <a:xfrm>
             <a:off x="0" y="10155240"/>
-            <a:ext cx="3268080" cy="528480"/>
+            <a:ext cx="3267720" cy="528120"/>
           </a:xfrm>
           <a:prstGeom prst="rect">
             <a:avLst/>
@@ -2674,7 +2674,7 @@
         <p:spPr>
           <a:xfrm>
             <a:off x="1376280" y="1336680"/>
-            <a:ext cx="4800240" cy="3600360"/>
+            <a:ext cx="4799880" cy="3600000"/>
           </a:xfrm>
           <a:prstGeom prst="rect">
             <a:avLst/>
@@ -2697,7 +2697,7 @@
         <p:spPr>
           <a:xfrm>
             <a:off x="756000" y="5145120"/>
-            <a:ext cx="6039720" cy="4201920"/>
+            <a:ext cx="6039360" cy="4201560"/>
           </a:xfrm>
           <a:prstGeom prst="rect">
             <a:avLst/>
@@ -2733,7 +2733,7 @@
         <p:spPr>
           <a:xfrm>
             <a:off x="0" y="10155240"/>
-            <a:ext cx="3268080" cy="528480"/>
+            <a:ext cx="3267720" cy="528120"/>
           </a:xfrm>
           <a:prstGeom prst="rect">
             <a:avLst/>
@@ -2813,7 +2813,7 @@
         <p:spPr>
           <a:xfrm>
             <a:off x="1376280" y="1336680"/>
-            <a:ext cx="4800240" cy="3600360"/>
+            <a:ext cx="4799880" cy="3600000"/>
           </a:xfrm>
           <a:prstGeom prst="rect">
             <a:avLst/>
@@ -2836,7 +2836,7 @@
         <p:spPr>
           <a:xfrm>
             <a:off x="756000" y="5145120"/>
-            <a:ext cx="6039720" cy="4201920"/>
+            <a:ext cx="6039360" cy="4201560"/>
           </a:xfrm>
           <a:prstGeom prst="rect">
             <a:avLst/>
@@ -2872,7 +2872,7 @@
         <p:spPr>
           <a:xfrm>
             <a:off x="0" y="10155240"/>
-            <a:ext cx="3268080" cy="528480"/>
+            <a:ext cx="3267720" cy="528120"/>
           </a:xfrm>
           <a:prstGeom prst="rect">
             <a:avLst/>
@@ -2952,7 +2952,7 @@
         <p:spPr>
           <a:xfrm>
             <a:off x="1376280" y="1336680"/>
-            <a:ext cx="4800240" cy="3600360"/>
+            <a:ext cx="4799880" cy="3600000"/>
           </a:xfrm>
           <a:prstGeom prst="rect">
             <a:avLst/>
@@ -2975,7 +2975,7 @@
         <p:spPr>
           <a:xfrm>
             <a:off x="756000" y="5145120"/>
-            <a:ext cx="6039720" cy="4201920"/>
+            <a:ext cx="6039360" cy="4201560"/>
           </a:xfrm>
           <a:prstGeom prst="rect">
             <a:avLst/>
@@ -3011,7 +3011,7 @@
         <p:spPr>
           <a:xfrm>
             <a:off x="0" y="10155240"/>
-            <a:ext cx="3268080" cy="528480"/>
+            <a:ext cx="3267720" cy="528120"/>
           </a:xfrm>
           <a:prstGeom prst="rect">
             <a:avLst/>
@@ -3091,7 +3091,7 @@
         <p:spPr>
           <a:xfrm>
             <a:off x="1376280" y="1336680"/>
-            <a:ext cx="4800240" cy="3600360"/>
+            <a:ext cx="4799880" cy="3600000"/>
           </a:xfrm>
           <a:prstGeom prst="rect">
             <a:avLst/>
@@ -3114,7 +3114,7 @@
         <p:spPr>
           <a:xfrm>
             <a:off x="756000" y="5145120"/>
-            <a:ext cx="6039720" cy="4201920"/>
+            <a:ext cx="6039360" cy="4201560"/>
           </a:xfrm>
           <a:prstGeom prst="rect">
             <a:avLst/>
@@ -3150,7 +3150,7 @@
         <p:spPr>
           <a:xfrm>
             <a:off x="0" y="10155240"/>
-            <a:ext cx="3268080" cy="528480"/>
+            <a:ext cx="3267720" cy="528120"/>
           </a:xfrm>
           <a:prstGeom prst="rect">
             <a:avLst/>
@@ -3230,7 +3230,7 @@
         <p:spPr>
           <a:xfrm>
             <a:off x="1376280" y="1336680"/>
-            <a:ext cx="4800240" cy="3600360"/>
+            <a:ext cx="4799880" cy="3600000"/>
           </a:xfrm>
           <a:prstGeom prst="rect">
             <a:avLst/>
@@ -3253,7 +3253,7 @@
         <p:spPr>
           <a:xfrm>
             <a:off x="756000" y="5145120"/>
-            <a:ext cx="6039720" cy="4201920"/>
+            <a:ext cx="6039360" cy="4201560"/>
           </a:xfrm>
           <a:prstGeom prst="rect">
             <a:avLst/>
@@ -3289,7 +3289,7 @@
         <p:spPr>
           <a:xfrm>
             <a:off x="0" y="10155240"/>
-            <a:ext cx="3268080" cy="528480"/>
+            <a:ext cx="3267720" cy="528120"/>
           </a:xfrm>
           <a:prstGeom prst="rect">
             <a:avLst/>
@@ -3369,7 +3369,7 @@
         <p:spPr>
           <a:xfrm>
             <a:off x="1376280" y="1336680"/>
-            <a:ext cx="4799160" cy="3599280"/>
+            <a:ext cx="4798800" cy="3598920"/>
           </a:xfrm>
           <a:prstGeom prst="rect">
             <a:avLst/>
@@ -3392,7 +3392,7 @@
         <p:spPr>
           <a:xfrm>
             <a:off x="756000" y="5145120"/>
-            <a:ext cx="6038640" cy="4200840"/>
+            <a:ext cx="6038280" cy="4200480"/>
           </a:xfrm>
           <a:prstGeom prst="rect">
             <a:avLst/>
@@ -3428,7 +3428,7 @@
         <p:spPr>
           <a:xfrm>
             <a:off x="0" y="10155240"/>
-            <a:ext cx="3267000" cy="527400"/>
+            <a:ext cx="3266640" cy="527040"/>
           </a:xfrm>
           <a:prstGeom prst="rect">
             <a:avLst/>
@@ -3508,7 +3508,7 @@
         <p:spPr>
           <a:xfrm>
             <a:off x="1376280" y="1336680"/>
-            <a:ext cx="4799160" cy="3599280"/>
+            <a:ext cx="4798800" cy="3598920"/>
           </a:xfrm>
           <a:prstGeom prst="rect">
             <a:avLst/>
@@ -3531,7 +3531,7 @@
         <p:spPr>
           <a:xfrm>
             <a:off x="756000" y="5145120"/>
-            <a:ext cx="6038640" cy="4200840"/>
+            <a:ext cx="6038280" cy="4200480"/>
           </a:xfrm>
           <a:prstGeom prst="rect">
             <a:avLst/>
@@ -3567,7 +3567,7 @@
         <p:spPr>
           <a:xfrm>
             <a:off x="0" y="10155240"/>
-            <a:ext cx="3267000" cy="527400"/>
+            <a:ext cx="3266640" cy="527040"/>
           </a:xfrm>
           <a:prstGeom prst="rect">
             <a:avLst/>
@@ -3647,7 +3647,7 @@
         <p:spPr>
           <a:xfrm>
             <a:off x="1376280" y="1336680"/>
-            <a:ext cx="4800240" cy="3600360"/>
+            <a:ext cx="4799880" cy="3600000"/>
           </a:xfrm>
           <a:prstGeom prst="rect">
             <a:avLst/>
@@ -3670,7 +3670,7 @@
         <p:spPr>
           <a:xfrm>
             <a:off x="756000" y="5145120"/>
-            <a:ext cx="6039720" cy="4201920"/>
+            <a:ext cx="6039360" cy="4201560"/>
           </a:xfrm>
           <a:prstGeom prst="rect">
             <a:avLst/>
@@ -3706,7 +3706,7 @@
         <p:spPr>
           <a:xfrm>
             <a:off x="0" y="10155240"/>
-            <a:ext cx="3268080" cy="528480"/>
+            <a:ext cx="3267720" cy="528120"/>
           </a:xfrm>
           <a:prstGeom prst="rect">
             <a:avLst/>
@@ -3786,7 +3786,7 @@
         <p:spPr>
           <a:xfrm>
             <a:off x="1376280" y="1336680"/>
-            <a:ext cx="4799160" cy="3599280"/>
+            <a:ext cx="4798800" cy="3598920"/>
           </a:xfrm>
           <a:prstGeom prst="rect">
             <a:avLst/>
@@ -3809,7 +3809,7 @@
         <p:spPr>
           <a:xfrm>
             <a:off x="756000" y="5145120"/>
-            <a:ext cx="6038640" cy="4200840"/>
+            <a:ext cx="6038280" cy="4200480"/>
           </a:xfrm>
           <a:prstGeom prst="rect">
             <a:avLst/>
@@ -3845,7 +3845,7 @@
         <p:spPr>
           <a:xfrm>
             <a:off x="0" y="10155240"/>
-            <a:ext cx="3267000" cy="527400"/>
+            <a:ext cx="3266640" cy="527040"/>
           </a:xfrm>
           <a:prstGeom prst="rect">
             <a:avLst/>
@@ -3925,7 +3925,7 @@
         <p:spPr>
           <a:xfrm>
             <a:off x="1376280" y="1336680"/>
-            <a:ext cx="4799160" cy="3599280"/>
+            <a:ext cx="4798800" cy="3598920"/>
           </a:xfrm>
           <a:prstGeom prst="rect">
             <a:avLst/>
@@ -3948,7 +3948,7 @@
         <p:spPr>
           <a:xfrm>
             <a:off x="756000" y="5145120"/>
-            <a:ext cx="6038640" cy="4200840"/>
+            <a:ext cx="6038280" cy="4200480"/>
           </a:xfrm>
           <a:prstGeom prst="rect">
             <a:avLst/>
@@ -3984,7 +3984,7 @@
         <p:spPr>
           <a:xfrm>
             <a:off x="0" y="10155240"/>
-            <a:ext cx="3267000" cy="527400"/>
+            <a:ext cx="3266640" cy="527040"/>
           </a:xfrm>
           <a:prstGeom prst="rect">
             <a:avLst/>
@@ -4064,7 +4064,7 @@
         <p:spPr>
           <a:xfrm>
             <a:off x="1376280" y="1336680"/>
-            <a:ext cx="4799160" cy="3599280"/>
+            <a:ext cx="4798800" cy="3598920"/>
           </a:xfrm>
           <a:prstGeom prst="rect">
             <a:avLst/>
@@ -4087,7 +4087,7 @@
         <p:spPr>
           <a:xfrm>
             <a:off x="756000" y="5145120"/>
-            <a:ext cx="6038640" cy="4200840"/>
+            <a:ext cx="6038280" cy="4200480"/>
           </a:xfrm>
           <a:prstGeom prst="rect">
             <a:avLst/>
@@ -4123,7 +4123,7 @@
         <p:spPr>
           <a:xfrm>
             <a:off x="0" y="10155240"/>
-            <a:ext cx="3267000" cy="527400"/>
+            <a:ext cx="3266640" cy="527040"/>
           </a:xfrm>
           <a:prstGeom prst="rect">
             <a:avLst/>
@@ -4203,7 +4203,7 @@
         <p:spPr>
           <a:xfrm>
             <a:off x="1376280" y="1336680"/>
-            <a:ext cx="4799160" cy="3599280"/>
+            <a:ext cx="4798800" cy="3598920"/>
           </a:xfrm>
           <a:prstGeom prst="rect">
             <a:avLst/>
@@ -4226,7 +4226,7 @@
         <p:spPr>
           <a:xfrm>
             <a:off x="756000" y="5145120"/>
-            <a:ext cx="6038640" cy="4200840"/>
+            <a:ext cx="6038280" cy="4200480"/>
           </a:xfrm>
           <a:prstGeom prst="rect">
             <a:avLst/>
@@ -4262,7 +4262,7 @@
         <p:spPr>
           <a:xfrm>
             <a:off x="0" y="10155240"/>
-            <a:ext cx="3267000" cy="527400"/>
+            <a:ext cx="3266640" cy="527040"/>
           </a:xfrm>
           <a:prstGeom prst="rect">
             <a:avLst/>
@@ -4342,7 +4342,7 @@
         <p:spPr>
           <a:xfrm>
             <a:off x="1376280" y="1336680"/>
-            <a:ext cx="4799160" cy="3599280"/>
+            <a:ext cx="4798800" cy="3598920"/>
           </a:xfrm>
           <a:prstGeom prst="rect">
             <a:avLst/>
@@ -4365,7 +4365,7 @@
         <p:spPr>
           <a:xfrm>
             <a:off x="756000" y="5145120"/>
-            <a:ext cx="6038640" cy="4200840"/>
+            <a:ext cx="6038280" cy="4200480"/>
           </a:xfrm>
           <a:prstGeom prst="rect">
             <a:avLst/>
@@ -4401,7 +4401,7 @@
         <p:spPr>
           <a:xfrm>
             <a:off x="0" y="10155240"/>
-            <a:ext cx="3267000" cy="527400"/>
+            <a:ext cx="3266640" cy="527040"/>
           </a:xfrm>
           <a:prstGeom prst="rect">
             <a:avLst/>
@@ -4481,7 +4481,7 @@
         <p:spPr>
           <a:xfrm>
             <a:off x="1376280" y="1336680"/>
-            <a:ext cx="4799160" cy="3599280"/>
+            <a:ext cx="4798800" cy="3598920"/>
           </a:xfrm>
           <a:prstGeom prst="rect">
             <a:avLst/>
@@ -4504,7 +4504,7 @@
         <p:spPr>
           <a:xfrm>
             <a:off x="756000" y="5145120"/>
-            <a:ext cx="6038640" cy="4200840"/>
+            <a:ext cx="6038280" cy="4200480"/>
           </a:xfrm>
           <a:prstGeom prst="rect">
             <a:avLst/>
@@ -4540,7 +4540,7 @@
         <p:spPr>
           <a:xfrm>
             <a:off x="0" y="10155240"/>
-            <a:ext cx="3267000" cy="527400"/>
+            <a:ext cx="3266640" cy="527040"/>
           </a:xfrm>
           <a:prstGeom prst="rect">
             <a:avLst/>
@@ -4620,7 +4620,7 @@
         <p:spPr>
           <a:xfrm>
             <a:off x="1376280" y="1336680"/>
-            <a:ext cx="4799160" cy="3599280"/>
+            <a:ext cx="4798800" cy="3598920"/>
           </a:xfrm>
           <a:prstGeom prst="rect">
             <a:avLst/>
@@ -4643,7 +4643,7 @@
         <p:spPr>
           <a:xfrm>
             <a:off x="756000" y="5145120"/>
-            <a:ext cx="6038640" cy="4200840"/>
+            <a:ext cx="6038280" cy="4200480"/>
           </a:xfrm>
           <a:prstGeom prst="rect">
             <a:avLst/>
@@ -4679,7 +4679,7 @@
         <p:spPr>
           <a:xfrm>
             <a:off x="0" y="10155240"/>
-            <a:ext cx="3267000" cy="527400"/>
+            <a:ext cx="3266640" cy="527040"/>
           </a:xfrm>
           <a:prstGeom prst="rect">
             <a:avLst/>
@@ -7732,7 +7732,7 @@
         <p:spPr>
           <a:xfrm>
             <a:off x="0" y="3150000"/>
-            <a:ext cx="9711000" cy="1251000"/>
+            <a:ext cx="9710640" cy="1250640"/>
           </a:xfrm>
           <a:prstGeom prst="rect">
             <a:avLst/>
@@ -8536,7 +8536,7 @@
         <p:spPr>
           <a:xfrm>
             <a:off x="0" y="3150000"/>
-            <a:ext cx="9711000" cy="1251000"/>
+            <a:ext cx="9710640" cy="1250640"/>
           </a:xfrm>
           <a:prstGeom prst="rect">
             <a:avLst/>
@@ -8616,7 +8616,7 @@
         <p:spPr>
           <a:xfrm>
             <a:off x="0" y="3150000"/>
-            <a:ext cx="9711000" cy="1251000"/>
+            <a:ext cx="9710640" cy="1250640"/>
           </a:xfrm>
           <a:prstGeom prst="rect">
             <a:avLst/>
@@ -9420,7 +9420,7 @@
         <p:spPr>
           <a:xfrm>
             <a:off x="0" y="3150000"/>
-            <a:ext cx="9711000" cy="1251000"/>
+            <a:ext cx="9710640" cy="1250640"/>
           </a:xfrm>
           <a:prstGeom prst="rect">
             <a:avLst/>
@@ -10224,7 +10224,7 @@
         <p:spPr>
           <a:xfrm>
             <a:off x="0" y="180000"/>
-            <a:ext cx="9711000" cy="1251000"/>
+            <a:ext cx="9710640" cy="1250640"/>
           </a:xfrm>
           <a:prstGeom prst="rect">
             <a:avLst/>
@@ -10271,7 +10271,7 @@
         <p:spPr>
           <a:xfrm>
             <a:off x="7560000" y="6840000"/>
-            <a:ext cx="2511000" cy="531000"/>
+            <a:ext cx="2510640" cy="530640"/>
           </a:xfrm>
           <a:prstGeom prst="rect">
             <a:avLst/>
@@ -10318,7 +10318,7 @@
         <p:spPr>
           <a:xfrm>
             <a:off x="900000" y="6840000"/>
-            <a:ext cx="6471000" cy="531000"/>
+            <a:ext cx="6470640" cy="530640"/>
           </a:xfrm>
           <a:prstGeom prst="rect">
             <a:avLst/>
@@ -10365,7 +10365,7 @@
         <p:spPr>
           <a:xfrm>
             <a:off x="180000" y="6840000"/>
-            <a:ext cx="531000" cy="531000"/>
+            <a:ext cx="530640" cy="530640"/>
           </a:xfrm>
           <a:prstGeom prst="rect">
             <a:avLst/>
@@ -11167,7 +11167,7 @@
         <p:spPr>
           <a:xfrm>
             <a:off x="0" y="180000"/>
-            <a:ext cx="9711000" cy="1251000"/>
+            <a:ext cx="9710640" cy="1250640"/>
           </a:xfrm>
           <a:prstGeom prst="rect">
             <a:avLst/>
@@ -11214,7 +11214,7 @@
         <p:spPr>
           <a:xfrm>
             <a:off x="7560000" y="6840000"/>
-            <a:ext cx="2511000" cy="531000"/>
+            <a:ext cx="2510640" cy="530640"/>
           </a:xfrm>
           <a:prstGeom prst="rect">
             <a:avLst/>
@@ -11261,7 +11261,7 @@
         <p:spPr>
           <a:xfrm>
             <a:off x="900000" y="6840000"/>
-            <a:ext cx="6471000" cy="531000"/>
+            <a:ext cx="6470640" cy="530640"/>
           </a:xfrm>
           <a:prstGeom prst="rect">
             <a:avLst/>
@@ -11308,7 +11308,7 @@
         <p:spPr>
           <a:xfrm>
             <a:off x="180000" y="6840000"/>
-            <a:ext cx="531000" cy="531000"/>
+            <a:ext cx="530640" cy="530640"/>
           </a:xfrm>
           <a:prstGeom prst="rect">
             <a:avLst/>
@@ -11660,7 +11660,7 @@
         <p:spPr>
           <a:xfrm>
             <a:off x="0" y="180000"/>
-            <a:ext cx="9711000" cy="1251000"/>
+            <a:ext cx="9710640" cy="1250640"/>
           </a:xfrm>
           <a:prstGeom prst="rect">
             <a:avLst/>
@@ -11707,7 +11707,7 @@
         <p:spPr>
           <a:xfrm>
             <a:off x="7560000" y="6840000"/>
-            <a:ext cx="2511000" cy="531000"/>
+            <a:ext cx="2510640" cy="530640"/>
           </a:xfrm>
           <a:prstGeom prst="rect">
             <a:avLst/>
@@ -11754,7 +11754,7 @@
         <p:spPr>
           <a:xfrm>
             <a:off x="900000" y="6840000"/>
-            <a:ext cx="6471000" cy="531000"/>
+            <a:ext cx="6470640" cy="530640"/>
           </a:xfrm>
           <a:prstGeom prst="rect">
             <a:avLst/>
@@ -11801,7 +11801,7 @@
         <p:spPr>
           <a:xfrm>
             <a:off x="180000" y="6840000"/>
-            <a:ext cx="531000" cy="531000"/>
+            <a:ext cx="530640" cy="530640"/>
           </a:xfrm>
           <a:prstGeom prst="rect">
             <a:avLst/>
@@ -12378,7 +12378,7 @@
         <p:spPr>
           <a:xfrm>
             <a:off x="0" y="180000"/>
-            <a:ext cx="9711000" cy="1251000"/>
+            <a:ext cx="9710640" cy="1250640"/>
           </a:xfrm>
           <a:prstGeom prst="rect">
             <a:avLst/>
@@ -12425,7 +12425,7 @@
         <p:spPr>
           <a:xfrm>
             <a:off x="7560000" y="6840000"/>
-            <a:ext cx="2511000" cy="531000"/>
+            <a:ext cx="2510640" cy="530640"/>
           </a:xfrm>
           <a:prstGeom prst="rect">
             <a:avLst/>
@@ -12472,7 +12472,7 @@
         <p:spPr>
           <a:xfrm>
             <a:off x="900000" y="6840000"/>
-            <a:ext cx="6471000" cy="531000"/>
+            <a:ext cx="6470640" cy="530640"/>
           </a:xfrm>
           <a:prstGeom prst="rect">
             <a:avLst/>
@@ -12519,7 +12519,7 @@
         <p:spPr>
           <a:xfrm>
             <a:off x="180000" y="6840000"/>
-            <a:ext cx="531000" cy="531000"/>
+            <a:ext cx="530640" cy="530640"/>
           </a:xfrm>
           <a:prstGeom prst="rect">
             <a:avLst/>
@@ -13546,7 +13546,7 @@
         <p:spPr>
           <a:xfrm>
             <a:off x="0" y="180000"/>
-            <a:ext cx="9711000" cy="1251000"/>
+            <a:ext cx="9710640" cy="1250640"/>
           </a:xfrm>
           <a:prstGeom prst="rect">
             <a:avLst/>
@@ -13593,7 +13593,7 @@
         <p:spPr>
           <a:xfrm>
             <a:off x="7560000" y="6840000"/>
-            <a:ext cx="2511000" cy="531000"/>
+            <a:ext cx="2510640" cy="530640"/>
           </a:xfrm>
           <a:prstGeom prst="rect">
             <a:avLst/>
@@ -13640,7 +13640,7 @@
         <p:spPr>
           <a:xfrm>
             <a:off x="900000" y="6840000"/>
-            <a:ext cx="6471000" cy="531000"/>
+            <a:ext cx="6470640" cy="530640"/>
           </a:xfrm>
           <a:prstGeom prst="rect">
             <a:avLst/>
@@ -13687,7 +13687,7 @@
         <p:spPr>
           <a:xfrm>
             <a:off x="180000" y="6840000"/>
-            <a:ext cx="531000" cy="531000"/>
+            <a:ext cx="530640" cy="530640"/>
           </a:xfrm>
           <a:prstGeom prst="rect">
             <a:avLst/>
@@ -13765,7 +13765,7 @@
         <p:spPr>
           <a:xfrm>
             <a:off x="0" y="180000"/>
-            <a:ext cx="9711000" cy="1251000"/>
+            <a:ext cx="9710640" cy="1250640"/>
           </a:xfrm>
           <a:prstGeom prst="rect">
             <a:avLst/>
@@ -13812,7 +13812,7 @@
         <p:spPr>
           <a:xfrm>
             <a:off x="7560000" y="6840000"/>
-            <a:ext cx="2511000" cy="531000"/>
+            <a:ext cx="2510640" cy="530640"/>
           </a:xfrm>
           <a:prstGeom prst="rect">
             <a:avLst/>
@@ -13859,7 +13859,7 @@
         <p:spPr>
           <a:xfrm>
             <a:off x="900000" y="6840000"/>
-            <a:ext cx="6471000" cy="531000"/>
+            <a:ext cx="6470640" cy="530640"/>
           </a:xfrm>
           <a:prstGeom prst="rect">
             <a:avLst/>
@@ -13906,7 +13906,7 @@
         <p:spPr>
           <a:xfrm>
             <a:off x="180000" y="6840000"/>
-            <a:ext cx="531000" cy="531000"/>
+            <a:ext cx="530640" cy="530640"/>
           </a:xfrm>
           <a:prstGeom prst="rect">
             <a:avLst/>
@@ -14258,7 +14258,7 @@
         <p:spPr>
           <a:xfrm>
             <a:off x="0" y="180000"/>
-            <a:ext cx="9711000" cy="1251000"/>
+            <a:ext cx="9710640" cy="1250640"/>
           </a:xfrm>
           <a:prstGeom prst="rect">
             <a:avLst/>
@@ -14305,7 +14305,7 @@
         <p:spPr>
           <a:xfrm>
             <a:off x="7560000" y="6840000"/>
-            <a:ext cx="2511000" cy="531000"/>
+            <a:ext cx="2510640" cy="530640"/>
           </a:xfrm>
           <a:prstGeom prst="rect">
             <a:avLst/>
@@ -14352,7 +14352,7 @@
         <p:spPr>
           <a:xfrm>
             <a:off x="900000" y="6840000"/>
-            <a:ext cx="6471000" cy="531000"/>
+            <a:ext cx="6470640" cy="530640"/>
           </a:xfrm>
           <a:prstGeom prst="rect">
             <a:avLst/>
@@ -14399,7 +14399,7 @@
         <p:spPr>
           <a:xfrm>
             <a:off x="180000" y="6840000"/>
-            <a:ext cx="531000" cy="531000"/>
+            <a:ext cx="530640" cy="530640"/>
           </a:xfrm>
           <a:prstGeom prst="rect">
             <a:avLst/>
@@ -14751,7 +14751,7 @@
         <p:spPr>
           <a:xfrm>
             <a:off x="0" y="3150000"/>
-            <a:ext cx="9711000" cy="1251000"/>
+            <a:ext cx="9710640" cy="1250640"/>
           </a:xfrm>
           <a:prstGeom prst="rect">
             <a:avLst/>
@@ -15330,7 +15330,7 @@
         <p:spPr>
           <a:xfrm>
             <a:off x="0" y="180000"/>
-            <a:ext cx="9711000" cy="1251000"/>
+            <a:ext cx="9710640" cy="1250640"/>
           </a:xfrm>
           <a:prstGeom prst="rect">
             <a:avLst/>
@@ -15377,7 +15377,7 @@
         <p:spPr>
           <a:xfrm>
             <a:off x="7560000" y="6840000"/>
-            <a:ext cx="2511000" cy="531000"/>
+            <a:ext cx="2510640" cy="530640"/>
           </a:xfrm>
           <a:prstGeom prst="rect">
             <a:avLst/>
@@ -15424,7 +15424,7 @@
         <p:spPr>
           <a:xfrm>
             <a:off x="900000" y="6840000"/>
-            <a:ext cx="6471000" cy="531000"/>
+            <a:ext cx="6470640" cy="530640"/>
           </a:xfrm>
           <a:prstGeom prst="rect">
             <a:avLst/>
@@ -15471,7 +15471,7 @@
         <p:spPr>
           <a:xfrm>
             <a:off x="180000" y="6840000"/>
-            <a:ext cx="531000" cy="531000"/>
+            <a:ext cx="530640" cy="530640"/>
           </a:xfrm>
           <a:prstGeom prst="rect">
             <a:avLst/>
@@ -15823,7 +15823,7 @@
         <p:spPr>
           <a:xfrm>
             <a:off x="0" y="180000"/>
-            <a:ext cx="9711000" cy="1251000"/>
+            <a:ext cx="9710640" cy="1250640"/>
           </a:xfrm>
           <a:prstGeom prst="rect">
             <a:avLst/>
@@ -15870,7 +15870,7 @@
         <p:spPr>
           <a:xfrm>
             <a:off x="7560000" y="6840000"/>
-            <a:ext cx="2511000" cy="531000"/>
+            <a:ext cx="2510640" cy="530640"/>
           </a:xfrm>
           <a:prstGeom prst="rect">
             <a:avLst/>
@@ -15917,7 +15917,7 @@
         <p:spPr>
           <a:xfrm>
             <a:off x="900000" y="6840000"/>
-            <a:ext cx="6471000" cy="531000"/>
+            <a:ext cx="6470640" cy="530640"/>
           </a:xfrm>
           <a:prstGeom prst="rect">
             <a:avLst/>
@@ -15964,7 +15964,7 @@
         <p:spPr>
           <a:xfrm>
             <a:off x="180000" y="6840000"/>
-            <a:ext cx="531000" cy="531000"/>
+            <a:ext cx="530640" cy="530640"/>
           </a:xfrm>
           <a:prstGeom prst="rect">
             <a:avLst/>
@@ -16541,7 +16541,7 @@
         <p:spPr>
           <a:xfrm>
             <a:off x="0" y="180000"/>
-            <a:ext cx="9711000" cy="1251000"/>
+            <a:ext cx="9710640" cy="1250640"/>
           </a:xfrm>
           <a:prstGeom prst="rect">
             <a:avLst/>
@@ -16588,7 +16588,7 @@
         <p:spPr>
           <a:xfrm>
             <a:off x="7560000" y="6840000"/>
-            <a:ext cx="2511000" cy="531000"/>
+            <a:ext cx="2510640" cy="530640"/>
           </a:xfrm>
           <a:prstGeom prst="rect">
             <a:avLst/>
@@ -16635,7 +16635,7 @@
         <p:spPr>
           <a:xfrm>
             <a:off x="900000" y="6840000"/>
-            <a:ext cx="6471000" cy="531000"/>
+            <a:ext cx="6470640" cy="530640"/>
           </a:xfrm>
           <a:prstGeom prst="rect">
             <a:avLst/>
@@ -16682,7 +16682,7 @@
         <p:spPr>
           <a:xfrm>
             <a:off x="180000" y="6840000"/>
-            <a:ext cx="531000" cy="531000"/>
+            <a:ext cx="530640" cy="530640"/>
           </a:xfrm>
           <a:prstGeom prst="rect">
             <a:avLst/>
@@ -16809,7 +16809,7 @@
         <p:spPr>
           <a:xfrm>
             <a:off x="0" y="180000"/>
-            <a:ext cx="9711000" cy="1251000"/>
+            <a:ext cx="9710640" cy="1250640"/>
           </a:xfrm>
           <a:prstGeom prst="rect">
             <a:avLst/>
@@ -16856,7 +16856,7 @@
         <p:spPr>
           <a:xfrm>
             <a:off x="7560000" y="6840000"/>
-            <a:ext cx="2511000" cy="531000"/>
+            <a:ext cx="2510640" cy="530640"/>
           </a:xfrm>
           <a:prstGeom prst="rect">
             <a:avLst/>
@@ -16903,7 +16903,7 @@
         <p:spPr>
           <a:xfrm>
             <a:off x="900000" y="6840000"/>
-            <a:ext cx="6471000" cy="531000"/>
+            <a:ext cx="6470640" cy="530640"/>
           </a:xfrm>
           <a:prstGeom prst="rect">
             <a:avLst/>
@@ -16950,7 +16950,7 @@
         <p:spPr>
           <a:xfrm>
             <a:off x="180000" y="6840000"/>
-            <a:ext cx="531000" cy="531000"/>
+            <a:ext cx="530640" cy="530640"/>
           </a:xfrm>
           <a:prstGeom prst="rect">
             <a:avLst/>
@@ -17028,7 +17028,7 @@
         <p:spPr>
           <a:xfrm>
             <a:off x="0" y="180000"/>
-            <a:ext cx="9711000" cy="1251000"/>
+            <a:ext cx="9710640" cy="1250640"/>
           </a:xfrm>
           <a:prstGeom prst="rect">
             <a:avLst/>
@@ -17075,7 +17075,7 @@
         <p:spPr>
           <a:xfrm>
             <a:off x="7560000" y="6840000"/>
-            <a:ext cx="2511000" cy="531000"/>
+            <a:ext cx="2510640" cy="530640"/>
           </a:xfrm>
           <a:prstGeom prst="rect">
             <a:avLst/>
@@ -17122,7 +17122,7 @@
         <p:spPr>
           <a:xfrm>
             <a:off x="900000" y="6840000"/>
-            <a:ext cx="6471000" cy="531000"/>
+            <a:ext cx="6470640" cy="530640"/>
           </a:xfrm>
           <a:prstGeom prst="rect">
             <a:avLst/>
@@ -17169,7 +17169,7 @@
         <p:spPr>
           <a:xfrm>
             <a:off x="180000" y="6840000"/>
-            <a:ext cx="531000" cy="531000"/>
+            <a:ext cx="530640" cy="530640"/>
           </a:xfrm>
           <a:prstGeom prst="rect">
             <a:avLst/>
@@ -17971,7 +17971,7 @@
         <p:spPr>
           <a:xfrm>
             <a:off x="0" y="180000"/>
-            <a:ext cx="9711000" cy="1251000"/>
+            <a:ext cx="9710640" cy="1250640"/>
           </a:xfrm>
           <a:prstGeom prst="rect">
             <a:avLst/>
@@ -18018,7 +18018,7 @@
         <p:spPr>
           <a:xfrm>
             <a:off x="7560000" y="6840000"/>
-            <a:ext cx="2511000" cy="531000"/>
+            <a:ext cx="2510640" cy="530640"/>
           </a:xfrm>
           <a:prstGeom prst="rect">
             <a:avLst/>
@@ -18065,7 +18065,7 @@
         <p:spPr>
           <a:xfrm>
             <a:off x="900000" y="6840000"/>
-            <a:ext cx="6471000" cy="531000"/>
+            <a:ext cx="6470640" cy="530640"/>
           </a:xfrm>
           <a:prstGeom prst="rect">
             <a:avLst/>
@@ -18112,7 +18112,7 @@
         <p:spPr>
           <a:xfrm>
             <a:off x="180000" y="6840000"/>
-            <a:ext cx="531000" cy="531000"/>
+            <a:ext cx="530640" cy="530640"/>
           </a:xfrm>
           <a:prstGeom prst="rect">
             <a:avLst/>
@@ -18914,7 +18914,7 @@
         <p:spPr>
           <a:xfrm>
             <a:off x="0" y="3150000"/>
-            <a:ext cx="9712080" cy="1252080"/>
+            <a:ext cx="9711720" cy="1251720"/>
           </a:xfrm>
           <a:prstGeom prst="rect">
             <a:avLst/>
@@ -19268,7 +19268,7 @@
         <p:spPr>
           <a:xfrm>
             <a:off x="0" y="180000"/>
-            <a:ext cx="9711000" cy="1251000"/>
+            <a:ext cx="9710640" cy="1250640"/>
           </a:xfrm>
           <a:prstGeom prst="rect">
             <a:avLst/>
@@ -19315,7 +19315,7 @@
         <p:spPr>
           <a:xfrm>
             <a:off x="7560000" y="6840000"/>
-            <a:ext cx="2511000" cy="531000"/>
+            <a:ext cx="2510640" cy="530640"/>
           </a:xfrm>
           <a:prstGeom prst="rect">
             <a:avLst/>
@@ -19362,7 +19362,7 @@
         <p:spPr>
           <a:xfrm>
             <a:off x="900000" y="6840000"/>
-            <a:ext cx="6471000" cy="531000"/>
+            <a:ext cx="6470640" cy="530640"/>
           </a:xfrm>
           <a:prstGeom prst="rect">
             <a:avLst/>
@@ -19409,7 +19409,7 @@
         <p:spPr>
           <a:xfrm>
             <a:off x="180000" y="6840000"/>
-            <a:ext cx="531000" cy="531000"/>
+            <a:ext cx="530640" cy="530640"/>
           </a:xfrm>
           <a:prstGeom prst="rect">
             <a:avLst/>
@@ -19761,7 +19761,7 @@
         <p:spPr>
           <a:xfrm>
             <a:off x="0" y="180000"/>
-            <a:ext cx="9711000" cy="1251000"/>
+            <a:ext cx="9710640" cy="1250640"/>
           </a:xfrm>
           <a:prstGeom prst="rect">
             <a:avLst/>
@@ -19808,7 +19808,7 @@
         <p:spPr>
           <a:xfrm>
             <a:off x="7560000" y="6840000"/>
-            <a:ext cx="2511000" cy="531000"/>
+            <a:ext cx="2510640" cy="530640"/>
           </a:xfrm>
           <a:prstGeom prst="rect">
             <a:avLst/>
@@ -19855,7 +19855,7 @@
         <p:spPr>
           <a:xfrm>
             <a:off x="900000" y="6840000"/>
-            <a:ext cx="6471000" cy="531000"/>
+            <a:ext cx="6470640" cy="530640"/>
           </a:xfrm>
           <a:prstGeom prst="rect">
             <a:avLst/>
@@ -19902,7 +19902,7 @@
         <p:spPr>
           <a:xfrm>
             <a:off x="180000" y="6840000"/>
-            <a:ext cx="531000" cy="531000"/>
+            <a:ext cx="530640" cy="530640"/>
           </a:xfrm>
           <a:prstGeom prst="rect">
             <a:avLst/>
@@ -20254,7 +20254,7 @@
         <p:spPr>
           <a:xfrm>
             <a:off x="0" y="3150000"/>
-            <a:ext cx="9711000" cy="1251000"/>
+            <a:ext cx="9710640" cy="1250640"/>
           </a:xfrm>
           <a:prstGeom prst="rect">
             <a:avLst/>
@@ -21283,7 +21283,7 @@
         <p:spPr>
           <a:xfrm>
             <a:off x="0" y="3150000"/>
-            <a:ext cx="9711000" cy="1251000"/>
+            <a:ext cx="9710640" cy="1250640"/>
           </a:xfrm>
           <a:prstGeom prst="rect">
             <a:avLst/>
@@ -21363,7 +21363,7 @@
         <p:spPr>
           <a:xfrm>
             <a:off x="0" y="3150000"/>
-            <a:ext cx="9711000" cy="1251000"/>
+            <a:ext cx="9710640" cy="1250640"/>
           </a:xfrm>
           <a:prstGeom prst="rect">
             <a:avLst/>
@@ -21717,7 +21717,7 @@
         <p:spPr>
           <a:xfrm>
             <a:off x="0" y="3150000"/>
-            <a:ext cx="9711000" cy="1251000"/>
+            <a:ext cx="9710640" cy="1250640"/>
           </a:xfrm>
           <a:prstGeom prst="rect">
             <a:avLst/>
@@ -22071,7 +22071,7 @@
         <p:spPr>
           <a:xfrm>
             <a:off x="0" y="3150000"/>
-            <a:ext cx="9711000" cy="1251000"/>
+            <a:ext cx="9710640" cy="1250640"/>
           </a:xfrm>
           <a:prstGeom prst="rect">
             <a:avLst/>
@@ -22425,7 +22425,7 @@
         <p:spPr>
           <a:xfrm>
             <a:off x="0" y="3150000"/>
-            <a:ext cx="9711000" cy="1251000"/>
+            <a:ext cx="9710640" cy="1250640"/>
           </a:xfrm>
           <a:prstGeom prst="rect">
             <a:avLst/>
@@ -23004,7 +23004,7 @@
         <p:spPr>
           <a:xfrm>
             <a:off x="0" y="3150000"/>
-            <a:ext cx="9711000" cy="1251000"/>
+            <a:ext cx="9710640" cy="1250640"/>
           </a:xfrm>
           <a:prstGeom prst="rect">
             <a:avLst/>
@@ -23126,7 +23126,7 @@
         <p:spPr>
           <a:xfrm>
             <a:off x="360000" y="3330000"/>
-            <a:ext cx="9351000" cy="891000"/>
+            <a:ext cx="9350640" cy="890640"/>
           </a:xfrm>
           <a:prstGeom prst="rect">
             <a:avLst/>
@@ -23180,17 +23180,7 @@
                 <a:latin typeface="Latin Modern Sans"/>
                 <a:ea typeface="DejaVu Sans"/>
               </a:rPr>
-              <a:t>#3 - </a:t>
-            </a:r>
-            <a:r>
-              <a:rPr b="1" lang="pt-BR" sz="2800" spc="-1" strike="noStrike">
-                <a:solidFill>
-                  <a:srgbClr val="ffffff"/>
-                </a:solidFill>
-                <a:latin typeface="Latin Modern Sans"/>
-                <a:ea typeface="DejaVu Sans"/>
-              </a:rPr>
-              <a:t>Listas Encadeadas e Tabela Hash</a:t>
+              <a:t>#3 - Listas Encadeadas e Tabela Hash</a:t>
             </a:r>
             <a:endParaRPr b="0" lang="en-US" sz="2800" spc="-1" strike="noStrike">
               <a:solidFill>
@@ -23210,7 +23200,7 @@
         <p:spPr>
           <a:xfrm>
             <a:off x="540000" y="4680000"/>
-            <a:ext cx="9171000" cy="2511000"/>
+            <a:ext cx="9170640" cy="2510640"/>
           </a:xfrm>
           <a:prstGeom prst="rect">
             <a:avLst/>
@@ -23435,7 +23425,7 @@
         <p:spPr>
           <a:xfrm>
             <a:off x="360000" y="360000"/>
-            <a:ext cx="9351000" cy="891000"/>
+            <a:ext cx="9350640" cy="890640"/>
           </a:xfrm>
           <a:prstGeom prst="rect">
             <a:avLst/>
@@ -23489,7 +23479,7 @@
         <p:spPr>
           <a:xfrm>
             <a:off x="432000" y="1584000"/>
-            <a:ext cx="9171000" cy="4671000"/>
+            <a:ext cx="9170640" cy="4670640"/>
           </a:xfrm>
           <a:prstGeom prst="rect">
             <a:avLst/>
@@ -23632,7 +23622,7 @@
         <p:spPr>
           <a:xfrm>
             <a:off x="7608600" y="6886080"/>
-            <a:ext cx="2276280" cy="356040"/>
+            <a:ext cx="2275920" cy="355680"/>
           </a:xfrm>
           <a:prstGeom prst="rect">
             <a:avLst/>
@@ -23686,7 +23676,7 @@
         <p:spPr>
           <a:xfrm>
             <a:off x="897120" y="6886080"/>
-            <a:ext cx="6438240" cy="356040"/>
+            <a:ext cx="6437880" cy="355680"/>
           </a:xfrm>
           <a:prstGeom prst="rect">
             <a:avLst/>
@@ -23745,7 +23735,7 @@
         <p:spPr>
           <a:xfrm>
             <a:off x="1829160" y="2057400"/>
-            <a:ext cx="2055960" cy="684720"/>
+            <a:ext cx="2055600" cy="684360"/>
           </a:xfrm>
           <a:prstGeom prst="rect">
             <a:avLst/>
@@ -23768,7 +23758,7 @@
         <p:spPr>
           <a:xfrm>
             <a:off x="4572000" y="1657800"/>
-            <a:ext cx="3922920" cy="1312920"/>
+            <a:ext cx="3922560" cy="1312560"/>
           </a:xfrm>
           <a:prstGeom prst="rect">
             <a:avLst/>
@@ -23817,7 +23807,7 @@
         <p:spPr>
           <a:xfrm>
             <a:off x="360000" y="360000"/>
-            <a:ext cx="9351000" cy="891000"/>
+            <a:ext cx="9350640" cy="890640"/>
           </a:xfrm>
           <a:prstGeom prst="rect">
             <a:avLst/>
@@ -23871,7 +23861,7 @@
         <p:spPr>
           <a:xfrm>
             <a:off x="432000" y="1584000"/>
-            <a:ext cx="9171000" cy="4671000"/>
+            <a:ext cx="9170640" cy="4670640"/>
           </a:xfrm>
           <a:prstGeom prst="rect">
             <a:avLst/>
@@ -24014,7 +24004,7 @@
         <p:spPr>
           <a:xfrm>
             <a:off x="7608600" y="6886080"/>
-            <a:ext cx="2276280" cy="356040"/>
+            <a:ext cx="2275920" cy="355680"/>
           </a:xfrm>
           <a:prstGeom prst="rect">
             <a:avLst/>
@@ -24068,7 +24058,7 @@
         <p:spPr>
           <a:xfrm>
             <a:off x="897120" y="6886080"/>
-            <a:ext cx="6438240" cy="356040"/>
+            <a:ext cx="6437880" cy="355680"/>
           </a:xfrm>
           <a:prstGeom prst="rect">
             <a:avLst/>
@@ -24127,7 +24117,7 @@
         <p:spPr>
           <a:xfrm>
             <a:off x="1829160" y="2057400"/>
-            <a:ext cx="2055960" cy="684720"/>
+            <a:ext cx="2055600" cy="684360"/>
           </a:xfrm>
           <a:prstGeom prst="rect">
             <a:avLst/>
@@ -24150,7 +24140,7 @@
         <p:spPr>
           <a:xfrm>
             <a:off x="4572000" y="1657800"/>
-            <a:ext cx="4114080" cy="1377000"/>
+            <a:ext cx="4113720" cy="1376640"/>
           </a:xfrm>
           <a:prstGeom prst="rect">
             <a:avLst/>
@@ -24174,7 +24164,7 @@
         <p:spPr>
           <a:xfrm>
             <a:off x="1125360" y="5029560"/>
-            <a:ext cx="2759760" cy="455760"/>
+            <a:ext cx="2759400" cy="455400"/>
           </a:xfrm>
           <a:prstGeom prst="rect">
             <a:avLst/>
@@ -24197,7 +24187,7 @@
         <p:spPr>
           <a:xfrm>
             <a:off x="4048200" y="3200400"/>
-            <a:ext cx="5323680" cy="2972520"/>
+            <a:ext cx="5323320" cy="2972160"/>
           </a:xfrm>
           <a:prstGeom prst="rect">
             <a:avLst/>
@@ -24246,7 +24236,7 @@
         <p:spPr>
           <a:xfrm>
             <a:off x="360000" y="360000"/>
-            <a:ext cx="9351000" cy="891000"/>
+            <a:ext cx="9350640" cy="890640"/>
           </a:xfrm>
           <a:prstGeom prst="rect">
             <a:avLst/>
@@ -24300,7 +24290,7 @@
         <p:spPr>
           <a:xfrm>
             <a:off x="432000" y="1584000"/>
-            <a:ext cx="9171000" cy="4671000"/>
+            <a:ext cx="9170640" cy="4670640"/>
           </a:xfrm>
           <a:prstGeom prst="rect">
             <a:avLst/>
@@ -24443,7 +24433,7 @@
         <p:spPr>
           <a:xfrm>
             <a:off x="7608600" y="6886080"/>
-            <a:ext cx="2276280" cy="356040"/>
+            <a:ext cx="2275920" cy="355680"/>
           </a:xfrm>
           <a:prstGeom prst="rect">
             <a:avLst/>
@@ -24497,7 +24487,7 @@
         <p:spPr>
           <a:xfrm>
             <a:off x="897120" y="6886080"/>
-            <a:ext cx="6438240" cy="356040"/>
+            <a:ext cx="6437880" cy="355680"/>
           </a:xfrm>
           <a:prstGeom prst="rect">
             <a:avLst/>
@@ -24556,7 +24546,7 @@
         <p:spPr>
           <a:xfrm>
             <a:off x="668160" y="2514960"/>
-            <a:ext cx="2759760" cy="1598760"/>
+            <a:ext cx="2759400" cy="1598400"/>
           </a:xfrm>
           <a:prstGeom prst="rect">
             <a:avLst/>
@@ -24575,7 +24565,7 @@
         <p:spPr>
           <a:xfrm>
             <a:off x="457200" y="4114800"/>
-            <a:ext cx="3199680" cy="227880"/>
+            <a:ext cx="3199320" cy="227520"/>
           </a:xfrm>
           <a:prstGeom prst="rightArrow">
             <a:avLst>
@@ -24657,7 +24647,7 @@
         <p:spPr>
           <a:xfrm>
             <a:off x="360000" y="360000"/>
-            <a:ext cx="9351000" cy="891000"/>
+            <a:ext cx="9350640" cy="890640"/>
           </a:xfrm>
           <a:prstGeom prst="rect">
             <a:avLst/>
@@ -24711,7 +24701,7 @@
         <p:spPr>
           <a:xfrm>
             <a:off x="432000" y="1584000"/>
-            <a:ext cx="9171000" cy="4671000"/>
+            <a:ext cx="9170640" cy="4670640"/>
           </a:xfrm>
           <a:prstGeom prst="rect">
             <a:avLst/>
@@ -24854,7 +24844,7 @@
         <p:spPr>
           <a:xfrm>
             <a:off x="7608600" y="6886080"/>
-            <a:ext cx="2276280" cy="356040"/>
+            <a:ext cx="2275920" cy="355680"/>
           </a:xfrm>
           <a:prstGeom prst="rect">
             <a:avLst/>
@@ -24908,7 +24898,7 @@
         <p:spPr>
           <a:xfrm>
             <a:off x="897120" y="6886080"/>
-            <a:ext cx="6438240" cy="356040"/>
+            <a:ext cx="6437880" cy="355680"/>
           </a:xfrm>
           <a:prstGeom prst="rect">
             <a:avLst/>
@@ -24967,7 +24957,7 @@
         <p:spPr>
           <a:xfrm>
             <a:off x="668160" y="2514960"/>
-            <a:ext cx="2759760" cy="1598760"/>
+            <a:ext cx="2759400" cy="1598400"/>
           </a:xfrm>
           <a:prstGeom prst="rect">
             <a:avLst/>
@@ -24990,7 +24980,7 @@
         <p:spPr>
           <a:xfrm>
             <a:off x="4398480" y="2779200"/>
-            <a:ext cx="3830040" cy="1236960"/>
+            <a:ext cx="3829680" cy="1236600"/>
           </a:xfrm>
           <a:prstGeom prst="rect">
             <a:avLst/>
@@ -25009,7 +24999,7 @@
         <p:spPr>
           <a:xfrm>
             <a:off x="457560" y="4114800"/>
-            <a:ext cx="3199680" cy="227880"/>
+            <a:ext cx="3199320" cy="227520"/>
           </a:xfrm>
           <a:prstGeom prst="rightArrow">
             <a:avLst>
@@ -25091,7 +25081,7 @@
         <p:spPr>
           <a:xfrm>
             <a:off x="360000" y="360000"/>
-            <a:ext cx="9351000" cy="891000"/>
+            <a:ext cx="9350640" cy="890640"/>
           </a:xfrm>
           <a:prstGeom prst="rect">
             <a:avLst/>
@@ -25145,7 +25135,7 @@
         <p:spPr>
           <a:xfrm>
             <a:off x="432000" y="1584000"/>
-            <a:ext cx="9171000" cy="4671000"/>
+            <a:ext cx="9170640" cy="4670640"/>
           </a:xfrm>
           <a:prstGeom prst="rect">
             <a:avLst/>
@@ -25288,7 +25278,7 @@
         <p:spPr>
           <a:xfrm>
             <a:off x="7608600" y="6886080"/>
-            <a:ext cx="2276280" cy="356040"/>
+            <a:ext cx="2275920" cy="355680"/>
           </a:xfrm>
           <a:prstGeom prst="rect">
             <a:avLst/>
@@ -25342,7 +25332,7 @@
         <p:spPr>
           <a:xfrm>
             <a:off x="897120" y="6886080"/>
-            <a:ext cx="6438240" cy="356040"/>
+            <a:ext cx="6437880" cy="355680"/>
           </a:xfrm>
           <a:prstGeom prst="rect">
             <a:avLst/>
@@ -25401,7 +25391,7 @@
         <p:spPr>
           <a:xfrm>
             <a:off x="668160" y="1974960"/>
-            <a:ext cx="2759760" cy="1598760"/>
+            <a:ext cx="2759400" cy="1598400"/>
           </a:xfrm>
           <a:prstGeom prst="rect">
             <a:avLst/>
@@ -25450,7 +25440,7 @@
         <p:spPr>
           <a:xfrm>
             <a:off x="360000" y="360000"/>
-            <a:ext cx="9351000" cy="891000"/>
+            <a:ext cx="9350640" cy="890640"/>
           </a:xfrm>
           <a:prstGeom prst="rect">
             <a:avLst/>
@@ -25504,7 +25494,7 @@
         <p:spPr>
           <a:xfrm>
             <a:off x="432000" y="1584000"/>
-            <a:ext cx="9171000" cy="4671000"/>
+            <a:ext cx="9170640" cy="4670640"/>
           </a:xfrm>
           <a:prstGeom prst="rect">
             <a:avLst/>
@@ -25679,7 +25669,7 @@
         <p:spPr>
           <a:xfrm>
             <a:off x="7608600" y="6886080"/>
-            <a:ext cx="2276280" cy="356040"/>
+            <a:ext cx="2275920" cy="355680"/>
           </a:xfrm>
           <a:prstGeom prst="rect">
             <a:avLst/>
@@ -25733,7 +25723,7 @@
         <p:spPr>
           <a:xfrm>
             <a:off x="897120" y="6886080"/>
-            <a:ext cx="6438240" cy="356040"/>
+            <a:ext cx="6437880" cy="355680"/>
           </a:xfrm>
           <a:prstGeom prst="rect">
             <a:avLst/>
@@ -25791,7 +25781,7 @@
         <p:spPr>
           <a:xfrm>
             <a:off x="3600000" y="3429000"/>
-            <a:ext cx="6088680" cy="2567880"/>
+            <a:ext cx="6088320" cy="2567520"/>
           </a:xfrm>
           <a:prstGeom prst="rect">
             <a:avLst/>
@@ -25814,7 +25804,7 @@
         <p:spPr>
           <a:xfrm>
             <a:off x="809280" y="2514600"/>
-            <a:ext cx="2619000" cy="1446840"/>
+            <a:ext cx="2618640" cy="1446480"/>
           </a:xfrm>
           <a:prstGeom prst="rect">
             <a:avLst/>
@@ -25863,7 +25853,7 @@
         <p:spPr>
           <a:xfrm>
             <a:off x="360000" y="360000"/>
-            <a:ext cx="9351000" cy="891000"/>
+            <a:ext cx="9350640" cy="890640"/>
           </a:xfrm>
           <a:prstGeom prst="rect">
             <a:avLst/>
@@ -25917,7 +25907,7 @@
         <p:spPr>
           <a:xfrm>
             <a:off x="360000" y="1980000"/>
-            <a:ext cx="9171000" cy="4671000"/>
+            <a:ext cx="9170640" cy="4670640"/>
           </a:xfrm>
           <a:prstGeom prst="rect">
             <a:avLst/>
@@ -26314,7 +26304,7 @@
         <p:spPr>
           <a:xfrm>
             <a:off x="7608600" y="6886080"/>
-            <a:ext cx="2276280" cy="356040"/>
+            <a:ext cx="2275920" cy="355680"/>
           </a:xfrm>
           <a:prstGeom prst="rect">
             <a:avLst/>
@@ -26368,7 +26358,7 @@
         <p:spPr>
           <a:xfrm>
             <a:off x="897120" y="6886080"/>
-            <a:ext cx="6438240" cy="356040"/>
+            <a:ext cx="6437880" cy="355680"/>
           </a:xfrm>
           <a:prstGeom prst="rect">
             <a:avLst/>
@@ -26426,7 +26416,7 @@
         <p:spPr>
           <a:xfrm>
             <a:off x="7560000" y="2816640"/>
-            <a:ext cx="1977840" cy="3661200"/>
+            <a:ext cx="1977480" cy="3660840"/>
           </a:xfrm>
           <a:prstGeom prst="rect">
             <a:avLst/>
@@ -26475,7 +26465,7 @@
         <p:spPr>
           <a:xfrm>
             <a:off x="360000" y="360000"/>
-            <a:ext cx="9351000" cy="891000"/>
+            <a:ext cx="9350640" cy="890640"/>
           </a:xfrm>
           <a:prstGeom prst="rect">
             <a:avLst/>
@@ -26529,7 +26519,7 @@
         <p:spPr>
           <a:xfrm>
             <a:off x="360000" y="1980000"/>
-            <a:ext cx="9171000" cy="4671000"/>
+            <a:ext cx="9170640" cy="4670640"/>
           </a:xfrm>
           <a:prstGeom prst="rect">
             <a:avLst/>
@@ -26862,7 +26852,7 @@
         <p:spPr>
           <a:xfrm>
             <a:off x="7608600" y="6886080"/>
-            <a:ext cx="2276280" cy="356040"/>
+            <a:ext cx="2275920" cy="355680"/>
           </a:xfrm>
           <a:prstGeom prst="rect">
             <a:avLst/>
@@ -26916,7 +26906,7 @@
         <p:spPr>
           <a:xfrm>
             <a:off x="897120" y="6886080"/>
-            <a:ext cx="6438240" cy="356040"/>
+            <a:ext cx="6437880" cy="355680"/>
           </a:xfrm>
           <a:prstGeom prst="rect">
             <a:avLst/>
@@ -26974,7 +26964,7 @@
         <p:spPr>
           <a:xfrm>
             <a:off x="7551000" y="2816640"/>
-            <a:ext cx="1977840" cy="3661200"/>
+            <a:ext cx="1977480" cy="3660840"/>
           </a:xfrm>
           <a:prstGeom prst="rect">
             <a:avLst/>
@@ -26997,7 +26987,7 @@
         <p:spPr>
           <a:xfrm>
             <a:off x="1600200" y="2914920"/>
-            <a:ext cx="3494520" cy="970560"/>
+            <a:ext cx="3494160" cy="970200"/>
           </a:xfrm>
           <a:prstGeom prst="rect">
             <a:avLst/>
@@ -27020,7 +27010,7 @@
         <p:spPr>
           <a:xfrm>
             <a:off x="1609920" y="4572000"/>
-            <a:ext cx="4332960" cy="2084760"/>
+            <a:ext cx="4332600" cy="2084400"/>
           </a:xfrm>
           <a:prstGeom prst="rect">
             <a:avLst/>
@@ -27043,7 +27033,7 @@
         <p:spPr>
           <a:xfrm>
             <a:off x="1600560" y="2914920"/>
-            <a:ext cx="3494520" cy="970560"/>
+            <a:ext cx="3494160" cy="970200"/>
           </a:xfrm>
           <a:prstGeom prst="rect">
             <a:avLst/>
@@ -27066,7 +27056,7 @@
         <p:spPr>
           <a:xfrm>
             <a:off x="1609920" y="4572360"/>
-            <a:ext cx="4332960" cy="2084760"/>
+            <a:ext cx="4332600" cy="2084400"/>
           </a:xfrm>
           <a:prstGeom prst="rect">
             <a:avLst/>
@@ -27115,7 +27105,7 @@
         <p:spPr>
           <a:xfrm>
             <a:off x="360000" y="360000"/>
-            <a:ext cx="9351000" cy="891000"/>
+            <a:ext cx="9350640" cy="890640"/>
           </a:xfrm>
           <a:prstGeom prst="rect">
             <a:avLst/>
@@ -27169,7 +27159,7 @@
         <p:spPr>
           <a:xfrm>
             <a:off x="360000" y="1980000"/>
-            <a:ext cx="9171000" cy="4671000"/>
+            <a:ext cx="9170640" cy="4670640"/>
           </a:xfrm>
           <a:prstGeom prst="rect">
             <a:avLst/>
@@ -27286,19 +27276,13 @@
             </a:endParaRPr>
           </a:p>
           <a:p>
-            <a:pPr lvl="3" marL="906480" indent="-266760">
+            <a:pPr>
               <a:lnSpc>
                 <a:spcPct val="100000"/>
               </a:lnSpc>
               <a:spcAft>
                 <a:spcPts val="1140"/>
               </a:spcAft>
-              <a:buClr>
-                <a:srgbClr val="000000"/>
-              </a:buClr>
-              <a:buSzPct val="45000"/>
-              <a:buFont typeface="Wingdings" charset="2"/>
-              <a:buChar char=""/>
             </a:pPr>
             <a:endParaRPr b="0" lang="en-US" sz="1800" spc="-1" strike="noStrike">
               <a:solidFill>
@@ -27510,7 +27494,7 @@
         <p:spPr>
           <a:xfrm>
             <a:off x="7608600" y="6886080"/>
-            <a:ext cx="2276280" cy="356040"/>
+            <a:ext cx="2275920" cy="355680"/>
           </a:xfrm>
           <a:prstGeom prst="rect">
             <a:avLst/>
@@ -27564,7 +27548,7 @@
         <p:spPr>
           <a:xfrm>
             <a:off x="897120" y="6886080"/>
-            <a:ext cx="6438240" cy="356040"/>
+            <a:ext cx="6437880" cy="355680"/>
           </a:xfrm>
           <a:prstGeom prst="rect">
             <a:avLst/>
@@ -27622,7 +27606,7 @@
         <p:spPr>
           <a:xfrm>
             <a:off x="5433120" y="2053800"/>
-            <a:ext cx="4197600" cy="2321280"/>
+            <a:ext cx="4197240" cy="2320920"/>
           </a:xfrm>
           <a:prstGeom prst="rect">
             <a:avLst/>
@@ -27671,7 +27655,7 @@
         <p:spPr>
           <a:xfrm>
             <a:off x="360000" y="360000"/>
-            <a:ext cx="9351000" cy="891000"/>
+            <a:ext cx="9350640" cy="890640"/>
           </a:xfrm>
           <a:prstGeom prst="rect">
             <a:avLst/>
@@ -27725,7 +27709,7 @@
         <p:spPr>
           <a:xfrm>
             <a:off x="360000" y="1980000"/>
-            <a:ext cx="9171000" cy="4671000"/>
+            <a:ext cx="9170640" cy="4670640"/>
           </a:xfrm>
           <a:prstGeom prst="rect">
             <a:avLst/>
@@ -27980,7 +27964,7 @@
         <p:spPr>
           <a:xfrm>
             <a:off x="7608600" y="6886080"/>
-            <a:ext cx="2276280" cy="356040"/>
+            <a:ext cx="2275920" cy="355680"/>
           </a:xfrm>
           <a:prstGeom prst="rect">
             <a:avLst/>
@@ -28034,7 +28018,7 @@
         <p:spPr>
           <a:xfrm>
             <a:off x="897120" y="6886080"/>
-            <a:ext cx="6438240" cy="356040"/>
+            <a:ext cx="6437880" cy="355680"/>
           </a:xfrm>
           <a:prstGeom prst="rect">
             <a:avLst/>
@@ -28092,7 +28076,7 @@
         <p:spPr>
           <a:xfrm>
             <a:off x="5849640" y="457200"/>
-            <a:ext cx="3750840" cy="1951560"/>
+            <a:ext cx="3750480" cy="1951200"/>
           </a:xfrm>
           <a:prstGeom prst="rect">
             <a:avLst/>
@@ -28115,7 +28099,7 @@
         <p:spPr>
           <a:xfrm>
             <a:off x="4114800" y="1958760"/>
-            <a:ext cx="2588400" cy="2155320"/>
+            <a:ext cx="2588040" cy="2154960"/>
           </a:xfrm>
           <a:prstGeom prst="rect">
             <a:avLst/>
@@ -28138,7 +28122,7 @@
         <p:spPr>
           <a:xfrm>
             <a:off x="3886200" y="4343400"/>
-            <a:ext cx="3186360" cy="2285280"/>
+            <a:ext cx="3186000" cy="2284920"/>
           </a:xfrm>
           <a:prstGeom prst="rect">
             <a:avLst/>
@@ -28187,7 +28171,7 @@
         <p:spPr>
           <a:xfrm>
             <a:off x="360000" y="360000"/>
-            <a:ext cx="9351000" cy="891000"/>
+            <a:ext cx="9350640" cy="890640"/>
           </a:xfrm>
           <a:prstGeom prst="rect">
             <a:avLst/>
@@ -28241,7 +28225,7 @@
         <p:spPr>
           <a:xfrm>
             <a:off x="360000" y="1980000"/>
-            <a:ext cx="9171000" cy="4671000"/>
+            <a:ext cx="9170640" cy="4670640"/>
           </a:xfrm>
           <a:prstGeom prst="rect">
             <a:avLst/>
@@ -28528,7 +28512,7 @@
         <p:spPr>
           <a:xfrm>
             <a:off x="7608600" y="6886080"/>
-            <a:ext cx="2276280" cy="356040"/>
+            <a:ext cx="2275920" cy="355680"/>
           </a:xfrm>
           <a:prstGeom prst="rect">
             <a:avLst/>
@@ -28582,7 +28566,7 @@
         <p:spPr>
           <a:xfrm>
             <a:off x="897120" y="6886080"/>
-            <a:ext cx="6438240" cy="356040"/>
+            <a:ext cx="6437880" cy="355680"/>
           </a:xfrm>
           <a:prstGeom prst="rect">
             <a:avLst/>
@@ -28666,7 +28650,7 @@
         <p:spPr>
           <a:xfrm>
             <a:off x="360000" y="360000"/>
-            <a:ext cx="9351000" cy="891000"/>
+            <a:ext cx="9350640" cy="890640"/>
           </a:xfrm>
           <a:prstGeom prst="rect">
             <a:avLst/>
@@ -28720,7 +28704,7 @@
         <p:spPr>
           <a:xfrm>
             <a:off x="360000" y="1980000"/>
-            <a:ext cx="9171000" cy="4671000"/>
+            <a:ext cx="9170640" cy="4670640"/>
           </a:xfrm>
           <a:prstGeom prst="rect">
             <a:avLst/>
@@ -29023,7 +29007,7 @@
         <p:spPr>
           <a:xfrm>
             <a:off x="7608600" y="6886080"/>
-            <a:ext cx="2276280" cy="356040"/>
+            <a:ext cx="2275920" cy="355680"/>
           </a:xfrm>
           <a:prstGeom prst="rect">
             <a:avLst/>
@@ -29077,7 +29061,7 @@
         <p:spPr>
           <a:xfrm>
             <a:off x="897120" y="6886080"/>
-            <a:ext cx="6438240" cy="356040"/>
+            <a:ext cx="6437880" cy="355680"/>
           </a:xfrm>
           <a:prstGeom prst="rect">
             <a:avLst/>
@@ -29135,7 +29119,7 @@
         <p:spPr>
           <a:xfrm>
             <a:off x="4760280" y="1533960"/>
-            <a:ext cx="3697200" cy="1665720"/>
+            <a:ext cx="3696840" cy="1665360"/>
           </a:xfrm>
           <a:prstGeom prst="rect">
             <a:avLst/>
@@ -29158,7 +29142,7 @@
         <p:spPr>
           <a:xfrm>
             <a:off x="1479240" y="4321080"/>
-            <a:ext cx="2406240" cy="1850400"/>
+            <a:ext cx="2405880" cy="1850040"/>
           </a:xfrm>
           <a:prstGeom prst="rect">
             <a:avLst/>
@@ -29181,7 +29165,7 @@
         <p:spPr>
           <a:xfrm>
             <a:off x="4800600" y="4905720"/>
-            <a:ext cx="4418640" cy="1037160"/>
+            <a:ext cx="4418280" cy="1036800"/>
           </a:xfrm>
           <a:prstGeom prst="rect">
             <a:avLst/>
@@ -29230,7 +29214,7 @@
         <p:spPr>
           <a:xfrm>
             <a:off x="360000" y="360000"/>
-            <a:ext cx="9351000" cy="891000"/>
+            <a:ext cx="9350640" cy="890640"/>
           </a:xfrm>
           <a:prstGeom prst="rect">
             <a:avLst/>
@@ -29284,7 +29268,7 @@
         <p:spPr>
           <a:xfrm>
             <a:off x="457920" y="2514600"/>
-            <a:ext cx="5713920" cy="784800"/>
+            <a:ext cx="5713560" cy="784440"/>
           </a:xfrm>
           <a:prstGeom prst="rect">
             <a:avLst/>
@@ -29351,7 +29335,7 @@
         <p:spPr>
           <a:xfrm>
             <a:off x="360000" y="1980000"/>
-            <a:ext cx="9171000" cy="4671000"/>
+            <a:ext cx="9170640" cy="4670640"/>
           </a:xfrm>
           <a:prstGeom prst="rect">
             <a:avLst/>
@@ -29424,7 +29408,7 @@
         <p:spPr>
           <a:xfrm>
             <a:off x="7608600" y="6886080"/>
-            <a:ext cx="2276280" cy="356040"/>
+            <a:ext cx="2275920" cy="355680"/>
           </a:xfrm>
           <a:prstGeom prst="rect">
             <a:avLst/>
@@ -29478,7 +29462,7 @@
         <p:spPr>
           <a:xfrm>
             <a:off x="897120" y="6886080"/>
-            <a:ext cx="6438240" cy="356040"/>
+            <a:ext cx="6437880" cy="355680"/>
           </a:xfrm>
           <a:prstGeom prst="rect">
             <a:avLst/>
@@ -29562,7 +29546,7 @@
         <p:spPr>
           <a:xfrm>
             <a:off x="360000" y="360000"/>
-            <a:ext cx="9351000" cy="891000"/>
+            <a:ext cx="9350640" cy="890640"/>
           </a:xfrm>
           <a:prstGeom prst="rect">
             <a:avLst/>
@@ -29616,7 +29600,7 @@
         <p:spPr>
           <a:xfrm>
             <a:off x="7608600" y="6886080"/>
-            <a:ext cx="2276280" cy="356040"/>
+            <a:ext cx="2275920" cy="355680"/>
           </a:xfrm>
           <a:prstGeom prst="rect">
             <a:avLst/>
@@ -29670,7 +29654,7 @@
         <p:spPr>
           <a:xfrm>
             <a:off x="897120" y="6886080"/>
-            <a:ext cx="6438240" cy="356040"/>
+            <a:ext cx="6437880" cy="355680"/>
           </a:xfrm>
           <a:prstGeom prst="rect">
             <a:avLst/>
@@ -29724,7 +29708,7 @@
         <p:spPr>
           <a:xfrm>
             <a:off x="360000" y="1980000"/>
-            <a:ext cx="9171000" cy="4671000"/>
+            <a:ext cx="9170640" cy="4670640"/>
           </a:xfrm>
           <a:prstGeom prst="rect">
             <a:avLst/>
@@ -29961,7 +29945,7 @@
         <p:spPr>
           <a:xfrm>
             <a:off x="360000" y="3330000"/>
-            <a:ext cx="9352080" cy="892080"/>
+            <a:ext cx="9351720" cy="891720"/>
           </a:xfrm>
           <a:prstGeom prst="rect">
             <a:avLst/>
@@ -30045,7 +30029,7 @@
         <p:spPr>
           <a:xfrm>
             <a:off x="360000" y="360000"/>
-            <a:ext cx="9352080" cy="892080"/>
+            <a:ext cx="9351720" cy="891720"/>
           </a:xfrm>
           <a:prstGeom prst="rect">
             <a:avLst/>
@@ -30099,7 +30083,7 @@
         <p:spPr>
           <a:xfrm>
             <a:off x="7608600" y="6886080"/>
-            <a:ext cx="2277360" cy="357120"/>
+            <a:ext cx="2277000" cy="356760"/>
           </a:xfrm>
           <a:prstGeom prst="rect">
             <a:avLst/>
@@ -30153,7 +30137,7 @@
         <p:spPr>
           <a:xfrm>
             <a:off x="897120" y="6886080"/>
-            <a:ext cx="6439320" cy="357120"/>
+            <a:ext cx="6438960" cy="356760"/>
           </a:xfrm>
           <a:prstGeom prst="rect">
             <a:avLst/>
@@ -30207,7 +30191,7 @@
         <p:spPr>
           <a:xfrm>
             <a:off x="360000" y="1728000"/>
-            <a:ext cx="9172080" cy="4672080"/>
+            <a:ext cx="9171720" cy="4671720"/>
           </a:xfrm>
           <a:prstGeom prst="rect">
             <a:avLst/>
@@ -30588,7 +30572,7 @@
         <p:spPr>
           <a:xfrm>
             <a:off x="2057400" y="2286000"/>
-            <a:ext cx="5418000" cy="643320"/>
+            <a:ext cx="5417640" cy="642960"/>
           </a:xfrm>
           <a:prstGeom prst="rect">
             <a:avLst/>
@@ -30637,7 +30621,7 @@
         <p:spPr>
           <a:xfrm>
             <a:off x="360000" y="360000"/>
-            <a:ext cx="9352080" cy="892080"/>
+            <a:ext cx="9351720" cy="891720"/>
           </a:xfrm>
           <a:prstGeom prst="rect">
             <a:avLst/>
@@ -30691,7 +30675,7 @@
         <p:spPr>
           <a:xfrm>
             <a:off x="7608600" y="6886080"/>
-            <a:ext cx="2277360" cy="357120"/>
+            <a:ext cx="2277000" cy="356760"/>
           </a:xfrm>
           <a:prstGeom prst="rect">
             <a:avLst/>
@@ -30745,7 +30729,7 @@
         <p:spPr>
           <a:xfrm>
             <a:off x="897120" y="6886080"/>
-            <a:ext cx="6439320" cy="357120"/>
+            <a:ext cx="6438960" cy="356760"/>
           </a:xfrm>
           <a:prstGeom prst="rect">
             <a:avLst/>
@@ -30799,7 +30783,7 @@
         <p:spPr>
           <a:xfrm>
             <a:off x="360000" y="1980000"/>
-            <a:ext cx="9172080" cy="4672080"/>
+            <a:ext cx="9171720" cy="4671720"/>
           </a:xfrm>
           <a:prstGeom prst="rect">
             <a:avLst/>
@@ -31100,7 +31084,7 @@
         <p:spPr>
           <a:xfrm>
             <a:off x="1953000" y="3726000"/>
-            <a:ext cx="6273720" cy="1311120"/>
+            <a:ext cx="6273360" cy="1310760"/>
           </a:xfrm>
           <a:prstGeom prst="rect">
             <a:avLst/>
@@ -31123,7 +31107,7 @@
         <p:spPr>
           <a:xfrm>
             <a:off x="1962360" y="5696640"/>
-            <a:ext cx="2149560" cy="272880"/>
+            <a:ext cx="2149200" cy="272520"/>
           </a:xfrm>
           <a:prstGeom prst="rect">
             <a:avLst/>
@@ -31146,7 +31130,7 @@
         <p:spPr>
           <a:xfrm>
             <a:off x="2011680" y="6062400"/>
-            <a:ext cx="920520" cy="272880"/>
+            <a:ext cx="920160" cy="272520"/>
           </a:xfrm>
           <a:prstGeom prst="rect">
             <a:avLst/>
@@ -31169,7 +31153,7 @@
         <p:spPr>
           <a:xfrm>
             <a:off x="1975680" y="5036040"/>
-            <a:ext cx="5702400" cy="530280"/>
+            <a:ext cx="5702040" cy="529920"/>
           </a:xfrm>
           <a:prstGeom prst="rect">
             <a:avLst/>
@@ -31188,7 +31172,7 @@
         <p:spPr>
           <a:xfrm>
             <a:off x="6436080" y="4745160"/>
-            <a:ext cx="728640" cy="271440"/>
+            <a:ext cx="728280" cy="271080"/>
           </a:xfrm>
           <a:prstGeom prst="wedgeRoundRectCallout">
             <a:avLst>
@@ -31280,7 +31264,7 @@
         <p:spPr>
           <a:xfrm>
             <a:off x="360000" y="360000"/>
-            <a:ext cx="9352080" cy="892080"/>
+            <a:ext cx="9351720" cy="891720"/>
           </a:xfrm>
           <a:prstGeom prst="rect">
             <a:avLst/>
@@ -31334,7 +31318,7 @@
         <p:spPr>
           <a:xfrm>
             <a:off x="897120" y="6886080"/>
-            <a:ext cx="6439320" cy="357120"/>
+            <a:ext cx="6438960" cy="356760"/>
           </a:xfrm>
           <a:prstGeom prst="rect">
             <a:avLst/>
@@ -31388,7 +31372,7 @@
         <p:spPr>
           <a:xfrm>
             <a:off x="360000" y="1923480"/>
-            <a:ext cx="9172080" cy="4672080"/>
+            <a:ext cx="9171720" cy="4671720"/>
           </a:xfrm>
           <a:prstGeom prst="rect">
             <a:avLst/>
@@ -31721,7 +31705,7 @@
         <p:spPr>
           <a:xfrm>
             <a:off x="5833080" y="3340440"/>
-            <a:ext cx="3549600" cy="3168720"/>
+            <a:ext cx="3549240" cy="3168360"/>
           </a:xfrm>
           <a:prstGeom prst="rect">
             <a:avLst/>
@@ -31744,7 +31728,7 @@
         <p:spPr>
           <a:xfrm>
             <a:off x="546840" y="3780000"/>
-            <a:ext cx="4851000" cy="2729160"/>
+            <a:ext cx="4850640" cy="2728800"/>
           </a:xfrm>
           <a:prstGeom prst="rect">
             <a:avLst/>
@@ -31763,7 +31747,7 @@
         <p:spPr>
           <a:xfrm>
             <a:off x="7608600" y="6886080"/>
-            <a:ext cx="2277360" cy="357120"/>
+            <a:ext cx="2277000" cy="356760"/>
           </a:xfrm>
           <a:prstGeom prst="rect">
             <a:avLst/>
@@ -31847,7 +31831,7 @@
         <p:spPr>
           <a:xfrm>
             <a:off x="360000" y="360000"/>
-            <a:ext cx="9352080" cy="892080"/>
+            <a:ext cx="9351720" cy="891720"/>
           </a:xfrm>
           <a:prstGeom prst="rect">
             <a:avLst/>
@@ -31901,7 +31885,7 @@
         <p:spPr>
           <a:xfrm>
             <a:off x="7598520" y="6900480"/>
-            <a:ext cx="2277360" cy="357120"/>
+            <a:ext cx="2277000" cy="356760"/>
           </a:xfrm>
           <a:prstGeom prst="rect">
             <a:avLst/>
@@ -31955,7 +31939,7 @@
         <p:spPr>
           <a:xfrm>
             <a:off x="897120" y="6886080"/>
-            <a:ext cx="6439320" cy="357120"/>
+            <a:ext cx="6438960" cy="356760"/>
           </a:xfrm>
           <a:prstGeom prst="rect">
             <a:avLst/>
@@ -32009,7 +31993,7 @@
         <p:spPr>
           <a:xfrm>
             <a:off x="360000" y="1980000"/>
-            <a:ext cx="9172080" cy="4672080"/>
+            <a:ext cx="9171720" cy="4671720"/>
           </a:xfrm>
           <a:prstGeom prst="rect">
             <a:avLst/>
@@ -32332,7 +32316,7 @@
         <p:spPr>
           <a:xfrm>
             <a:off x="5754240" y="1980000"/>
-            <a:ext cx="2195640" cy="851760"/>
+            <a:ext cx="2195280" cy="851400"/>
           </a:xfrm>
           <a:prstGeom prst="rect">
             <a:avLst/>
@@ -32355,7 +32339,7 @@
         <p:spPr>
           <a:xfrm>
             <a:off x="5259960" y="3237840"/>
-            <a:ext cx="3949560" cy="2720880"/>
+            <a:ext cx="3949200" cy="2720520"/>
           </a:xfrm>
           <a:prstGeom prst="rect">
             <a:avLst/>
@@ -32404,7 +32388,7 @@
         <p:spPr>
           <a:xfrm>
             <a:off x="360000" y="360000"/>
-            <a:ext cx="9352080" cy="892080"/>
+            <a:ext cx="9351720" cy="891720"/>
           </a:xfrm>
           <a:prstGeom prst="rect">
             <a:avLst/>
@@ -32458,7 +32442,7 @@
         <p:spPr>
           <a:xfrm>
             <a:off x="7608600" y="6886080"/>
-            <a:ext cx="2277360" cy="357120"/>
+            <a:ext cx="2277000" cy="356760"/>
           </a:xfrm>
           <a:prstGeom prst="rect">
             <a:avLst/>
@@ -32512,7 +32496,7 @@
         <p:spPr>
           <a:xfrm>
             <a:off x="897120" y="6886080"/>
-            <a:ext cx="6439320" cy="357120"/>
+            <a:ext cx="6438960" cy="356760"/>
           </a:xfrm>
           <a:prstGeom prst="rect">
             <a:avLst/>
@@ -32566,7 +32550,7 @@
         <p:spPr>
           <a:xfrm>
             <a:off x="360000" y="1980000"/>
-            <a:ext cx="9172080" cy="4672080"/>
+            <a:ext cx="9171720" cy="4671720"/>
           </a:xfrm>
           <a:prstGeom prst="rect">
             <a:avLst/>
@@ -32841,7 +32825,7 @@
         <p:spPr>
           <a:xfrm>
             <a:off x="2080080" y="3547080"/>
-            <a:ext cx="6424200" cy="2574360"/>
+            <a:ext cx="6423840" cy="2574000"/>
           </a:xfrm>
           <a:prstGeom prst="rect">
             <a:avLst/>
@@ -32890,7 +32874,7 @@
         <p:spPr>
           <a:xfrm>
             <a:off x="360000" y="360000"/>
-            <a:ext cx="9351000" cy="891000"/>
+            <a:ext cx="9350640" cy="890640"/>
           </a:xfrm>
           <a:prstGeom prst="rect">
             <a:avLst/>
@@ -32944,7 +32928,7 @@
         <p:spPr>
           <a:xfrm>
             <a:off x="360000" y="1584000"/>
-            <a:ext cx="9171000" cy="4671000"/>
+            <a:ext cx="9170640" cy="4670640"/>
           </a:xfrm>
           <a:prstGeom prst="rect">
             <a:avLst/>
@@ -33489,7 +33473,7 @@
         <p:spPr>
           <a:xfrm>
             <a:off x="7608600" y="6886080"/>
-            <a:ext cx="2276280" cy="356040"/>
+            <a:ext cx="2275920" cy="355680"/>
           </a:xfrm>
           <a:prstGeom prst="rect">
             <a:avLst/>
@@ -33543,7 +33527,7 @@
         <p:spPr>
           <a:xfrm>
             <a:off x="897120" y="6886080"/>
-            <a:ext cx="6438240" cy="356040"/>
+            <a:ext cx="6437880" cy="355680"/>
           </a:xfrm>
           <a:prstGeom prst="rect">
             <a:avLst/>
@@ -33627,7 +33611,7 @@
         <p:spPr>
           <a:xfrm>
             <a:off x="360000" y="360000"/>
-            <a:ext cx="9351000" cy="891000"/>
+            <a:ext cx="9350640" cy="890640"/>
           </a:xfrm>
           <a:prstGeom prst="rect">
             <a:avLst/>
@@ -33681,7 +33665,7 @@
         <p:spPr>
           <a:xfrm>
             <a:off x="360000" y="1584000"/>
-            <a:ext cx="9171000" cy="4671000"/>
+            <a:ext cx="9170640" cy="4670640"/>
           </a:xfrm>
           <a:prstGeom prst="rect">
             <a:avLst/>
@@ -33699,7 +33683,7 @@
         </p:style>
         <p:txBody>
           <a:bodyPr lIns="0" rIns="0" tIns="0" bIns="0" anchor="t">
-            <a:normAutofit fontScale="85555"/>
+            <a:normAutofit fontScale="73333"/>
           </a:bodyPr>
           <a:p>
             <a:pPr lvl="1" marL="432000" indent="-212400">
@@ -34142,7 +34126,7 @@
                 <a:latin typeface="Latin Modern Sans"/>
                 <a:ea typeface="DejaVu Sans"/>
               </a:rPr>
-              <a:t>Presença: +2h de aula </a:t>
+              <a:t>Presença: +2h de aula</a:t>
             </a:r>
             <a:endParaRPr b="0" lang="en-US" sz="1600" spc="-1" strike="noStrike">
               <a:solidFill>
@@ -34152,14 +34136,30 @@
             </a:endParaRPr>
           </a:p>
           <a:p>
-            <a:pPr defTabSz="914400">
+            <a:pPr lvl="1" marL="432000" indent="-212400" defTabSz="914400">
               <a:lnSpc>
                 <a:spcPct val="100000"/>
               </a:lnSpc>
               <a:spcAft>
                 <a:spcPts val="1140"/>
               </a:spcAft>
-            </a:pPr>
+              <a:buClr>
+                <a:srgbClr val="000000"/>
+              </a:buClr>
+              <a:buSzPct val="45000"/>
+              <a:buFont typeface="Wingdings" charset="2"/>
+              <a:buChar char=""/>
+            </a:pPr>
+            <a:r>
+              <a:rPr b="1" lang="pt-BR" sz="1600" spc="-1" strike="noStrike">
+                <a:solidFill>
+                  <a:srgbClr val="1c1c1c"/>
+                </a:solidFill>
+                <a:latin typeface="Latin Modern Sans"/>
+                <a:ea typeface="DejaVu Sans"/>
+              </a:rPr>
+              <a:t>Exceto pela Avaliação Individual, os Trabalhos 01 e 02 são realizados em Grupos (CANVA)</a:t>
+            </a:r>
             <a:endParaRPr b="0" lang="en-US" sz="1600" spc="-1" strike="noStrike">
               <a:solidFill>
                 <a:srgbClr val="000000"/>
@@ -34168,45 +34168,19 @@
             </a:endParaRPr>
           </a:p>
           <a:p>
-            <a:pPr defTabSz="914400">
+            <a:pPr lvl="1" marL="432000" indent="-212400" defTabSz="914400">
               <a:lnSpc>
                 <a:spcPct val="100000"/>
               </a:lnSpc>
               <a:spcAft>
                 <a:spcPts val="1140"/>
               </a:spcAft>
-            </a:pPr>
-            <a:endParaRPr b="0" lang="en-US" sz="1600" spc="-1" strike="noStrike">
-              <a:solidFill>
-                <a:srgbClr val="000000"/>
-              </a:solidFill>
-              <a:latin typeface="Arial"/>
-            </a:endParaRPr>
-          </a:p>
-          <a:p>
-            <a:pPr defTabSz="914400">
-              <a:lnSpc>
-                <a:spcPct val="100000"/>
-              </a:lnSpc>
-              <a:spcAft>
-                <a:spcPts val="1140"/>
-              </a:spcAft>
-            </a:pPr>
-            <a:endParaRPr b="0" lang="en-US" sz="1600" spc="-1" strike="noStrike">
-              <a:solidFill>
-                <a:srgbClr val="000000"/>
-              </a:solidFill>
-              <a:latin typeface="Arial"/>
-            </a:endParaRPr>
-          </a:p>
-          <a:p>
-            <a:pPr defTabSz="914400">
-              <a:lnSpc>
-                <a:spcPct val="100000"/>
-              </a:lnSpc>
-              <a:spcAft>
-                <a:spcPts val="1140"/>
-              </a:spcAft>
+              <a:buClr>
+                <a:srgbClr val="000000"/>
+              </a:buClr>
+              <a:buSzPct val="45000"/>
+              <a:buFont typeface="Wingdings" charset="2"/>
+              <a:buChar char=""/>
             </a:pPr>
             <a:endParaRPr b="0" lang="en-US" sz="1600" spc="-1" strike="noStrike">
               <a:solidFill>
@@ -34226,7 +34200,7 @@
         <p:spPr>
           <a:xfrm>
             <a:off x="7608600" y="6886080"/>
-            <a:ext cx="2276280" cy="356040"/>
+            <a:ext cx="2275920" cy="355680"/>
           </a:xfrm>
           <a:prstGeom prst="rect">
             <a:avLst/>
@@ -34280,7 +34254,7 @@
         <p:spPr>
           <a:xfrm>
             <a:off x="897120" y="6886080"/>
-            <a:ext cx="6438240" cy="356040"/>
+            <a:ext cx="6437880" cy="355680"/>
           </a:xfrm>
           <a:prstGeom prst="rect">
             <a:avLst/>
@@ -34364,7 +34338,7 @@
         <p:spPr>
           <a:xfrm>
             <a:off x="360000" y="360000"/>
-            <a:ext cx="9352080" cy="892080"/>
+            <a:ext cx="9351720" cy="891720"/>
           </a:xfrm>
           <a:prstGeom prst="rect">
             <a:avLst/>
@@ -34418,7 +34392,7 @@
         <p:spPr>
           <a:xfrm>
             <a:off x="7608600" y="6886080"/>
-            <a:ext cx="2277360" cy="357120"/>
+            <a:ext cx="2277000" cy="356760"/>
           </a:xfrm>
           <a:prstGeom prst="rect">
             <a:avLst/>
@@ -34472,7 +34446,7 @@
         <p:spPr>
           <a:xfrm>
             <a:off x="897120" y="6886080"/>
-            <a:ext cx="6439320" cy="357120"/>
+            <a:ext cx="6438960" cy="356760"/>
           </a:xfrm>
           <a:prstGeom prst="rect">
             <a:avLst/>
@@ -34526,7 +34500,7 @@
         <p:spPr>
           <a:xfrm>
             <a:off x="360000" y="1980000"/>
-            <a:ext cx="9172080" cy="4672080"/>
+            <a:ext cx="9171720" cy="4671720"/>
           </a:xfrm>
           <a:prstGeom prst="rect">
             <a:avLst/>
@@ -34811,7 +34785,7 @@
         <p:spPr>
           <a:xfrm>
             <a:off x="360000" y="360000"/>
-            <a:ext cx="9351000" cy="891000"/>
+            <a:ext cx="9350640" cy="890640"/>
           </a:xfrm>
           <a:prstGeom prst="rect">
             <a:avLst/>
@@ -34865,7 +34839,7 @@
         <p:spPr>
           <a:xfrm>
             <a:off x="360000" y="1980000"/>
-            <a:ext cx="9171000" cy="4671000"/>
+            <a:ext cx="9170640" cy="4670640"/>
           </a:xfrm>
           <a:prstGeom prst="rect">
             <a:avLst/>
@@ -34986,7 +34960,7 @@
         <p:spPr>
           <a:xfrm>
             <a:off x="7608600" y="6886080"/>
-            <a:ext cx="2276280" cy="356040"/>
+            <a:ext cx="2275920" cy="355680"/>
           </a:xfrm>
           <a:prstGeom prst="rect">
             <a:avLst/>
@@ -35040,7 +35014,7 @@
         <p:spPr>
           <a:xfrm>
             <a:off x="897120" y="6886080"/>
-            <a:ext cx="6438240" cy="356040"/>
+            <a:ext cx="6437880" cy="355680"/>
           </a:xfrm>
           <a:prstGeom prst="rect">
             <a:avLst/>
@@ -35094,7 +35068,7 @@
         <p:spPr>
           <a:xfrm>
             <a:off x="458280" y="2514960"/>
-            <a:ext cx="5713920" cy="784800"/>
+            <a:ext cx="5713560" cy="784440"/>
           </a:xfrm>
           <a:prstGeom prst="rect">
             <a:avLst/>
@@ -35191,7 +35165,7 @@
         <p:spPr>
           <a:xfrm>
             <a:off x="360000" y="360000"/>
-            <a:ext cx="9351000" cy="891000"/>
+            <a:ext cx="9350640" cy="890640"/>
           </a:xfrm>
           <a:prstGeom prst="rect">
             <a:avLst/>
@@ -35245,7 +35219,7 @@
         <p:spPr>
           <a:xfrm>
             <a:off x="7608600" y="6886080"/>
-            <a:ext cx="2276280" cy="356040"/>
+            <a:ext cx="2275920" cy="355680"/>
           </a:xfrm>
           <a:prstGeom prst="rect">
             <a:avLst/>
@@ -35299,7 +35273,7 @@
         <p:spPr>
           <a:xfrm>
             <a:off x="897120" y="6886080"/>
-            <a:ext cx="6438240" cy="356040"/>
+            <a:ext cx="6437880" cy="355680"/>
           </a:xfrm>
           <a:prstGeom prst="rect">
             <a:avLst/>
@@ -35357,7 +35331,7 @@
         <p:spPr>
           <a:xfrm>
             <a:off x="205920" y="1474920"/>
-            <a:ext cx="9482760" cy="5083200"/>
+            <a:ext cx="9482400" cy="5082840"/>
           </a:xfrm>
           <a:prstGeom prst="rect">
             <a:avLst/>
@@ -35375,8 +35349,8 @@
         </p:nvSpPr>
         <p:spPr>
           <a:xfrm rot="8716800">
-            <a:off x="6567480" y="4603320"/>
-            <a:ext cx="798840" cy="336960"/>
+            <a:off x="6567840" y="4603320"/>
+            <a:ext cx="798480" cy="336600"/>
           </a:xfrm>
           <a:prstGeom prst="rightArrow">
             <a:avLst>
@@ -35458,7 +35432,7 @@
         <p:spPr>
           <a:xfrm>
             <a:off x="360000" y="360000"/>
-            <a:ext cx="9351000" cy="891000"/>
+            <a:ext cx="9350640" cy="890640"/>
           </a:xfrm>
           <a:prstGeom prst="rect">
             <a:avLst/>
@@ -35512,7 +35486,7 @@
         <p:spPr>
           <a:xfrm>
             <a:off x="360000" y="1980000"/>
-            <a:ext cx="9171000" cy="4671000"/>
+            <a:ext cx="9170640" cy="4670640"/>
           </a:xfrm>
           <a:prstGeom prst="rect">
             <a:avLst/>
@@ -35734,7 +35708,7 @@
         <p:spPr>
           <a:xfrm>
             <a:off x="7608600" y="6886080"/>
-            <a:ext cx="2276280" cy="356040"/>
+            <a:ext cx="2275920" cy="355680"/>
           </a:xfrm>
           <a:prstGeom prst="rect">
             <a:avLst/>
@@ -35788,7 +35762,7 @@
         <p:spPr>
           <a:xfrm>
             <a:off x="897120" y="6886080"/>
-            <a:ext cx="6438240" cy="356040"/>
+            <a:ext cx="6437880" cy="355680"/>
           </a:xfrm>
           <a:prstGeom prst="rect">
             <a:avLst/>
@@ -35872,7 +35846,7 @@
         <p:spPr>
           <a:xfrm>
             <a:off x="360000" y="360000"/>
-            <a:ext cx="9351000" cy="891000"/>
+            <a:ext cx="9350640" cy="890640"/>
           </a:xfrm>
           <a:prstGeom prst="rect">
             <a:avLst/>
@@ -35926,7 +35900,7 @@
         <p:spPr>
           <a:xfrm>
             <a:off x="360000" y="1980000"/>
-            <a:ext cx="9171000" cy="4671000"/>
+            <a:ext cx="9170640" cy="4670640"/>
           </a:xfrm>
           <a:prstGeom prst="rect">
             <a:avLst/>
@@ -36324,7 +36298,7 @@
         <p:spPr>
           <a:xfrm>
             <a:off x="7608600" y="6886080"/>
-            <a:ext cx="2276280" cy="356040"/>
+            <a:ext cx="2275920" cy="355680"/>
           </a:xfrm>
           <a:prstGeom prst="rect">
             <a:avLst/>
@@ -36383,7 +36357,7 @@
         <p:spPr>
           <a:xfrm>
             <a:off x="5258160" y="1711440"/>
-            <a:ext cx="4272840" cy="2630880"/>
+            <a:ext cx="4272480" cy="2630520"/>
           </a:xfrm>
           <a:prstGeom prst="rect">
             <a:avLst/>
@@ -36402,7 +36376,7 @@
         <p:spPr>
           <a:xfrm>
             <a:off x="897120" y="6886080"/>
-            <a:ext cx="6438240" cy="356040"/>
+            <a:ext cx="6437880" cy="355680"/>
           </a:xfrm>
           <a:prstGeom prst="rect">
             <a:avLst/>
@@ -36486,7 +36460,7 @@
         <p:spPr>
           <a:xfrm>
             <a:off x="360000" y="360000"/>
-            <a:ext cx="9351000" cy="891000"/>
+            <a:ext cx="9350640" cy="890640"/>
           </a:xfrm>
           <a:prstGeom prst="rect">
             <a:avLst/>
@@ -36540,7 +36514,7 @@
         <p:spPr>
           <a:xfrm>
             <a:off x="360000" y="1980000"/>
-            <a:ext cx="9171000" cy="4671000"/>
+            <a:ext cx="9170640" cy="4670640"/>
           </a:xfrm>
           <a:prstGeom prst="rect">
             <a:avLst/>
@@ -36992,7 +36966,7 @@
         <p:spPr>
           <a:xfrm>
             <a:off x="7608600" y="6886080"/>
-            <a:ext cx="2276280" cy="356040"/>
+            <a:ext cx="2275920" cy="355680"/>
           </a:xfrm>
           <a:prstGeom prst="rect">
             <a:avLst/>
@@ -37050,7 +37024,7 @@
         <p:spPr>
           <a:xfrm>
             <a:off x="5190840" y="3429000"/>
-            <a:ext cx="4340160" cy="2492280"/>
+            <a:ext cx="4339800" cy="2491920"/>
           </a:xfrm>
           <a:prstGeom prst="rect">
             <a:avLst/>
@@ -37069,7 +37043,7 @@
         <p:spPr>
           <a:xfrm>
             <a:off x="897120" y="6886080"/>
-            <a:ext cx="6438240" cy="356040"/>
+            <a:ext cx="6437880" cy="355680"/>
           </a:xfrm>
           <a:prstGeom prst="rect">
             <a:avLst/>
@@ -37127,7 +37101,7 @@
         <p:spPr>
           <a:xfrm>
             <a:off x="5029200" y="3429000"/>
-            <a:ext cx="4340160" cy="2492280"/>
+            <a:ext cx="4339800" cy="2491920"/>
           </a:xfrm>
           <a:prstGeom prst="rect">
             <a:avLst/>
@@ -37176,7 +37150,7 @@
         <p:spPr>
           <a:xfrm>
             <a:off x="360000" y="360000"/>
-            <a:ext cx="9351000" cy="891000"/>
+            <a:ext cx="9350640" cy="890640"/>
           </a:xfrm>
           <a:prstGeom prst="rect">
             <a:avLst/>
@@ -37230,7 +37204,7 @@
         <p:spPr>
           <a:xfrm>
             <a:off x="360000" y="1980000"/>
-            <a:ext cx="9171000" cy="4671000"/>
+            <a:ext cx="9170640" cy="4670640"/>
           </a:xfrm>
           <a:prstGeom prst="rect">
             <a:avLst/>
@@ -37421,7 +37395,7 @@
         <p:spPr>
           <a:xfrm>
             <a:off x="7608600" y="6886080"/>
-            <a:ext cx="2276280" cy="356040"/>
+            <a:ext cx="2275920" cy="355680"/>
           </a:xfrm>
           <a:prstGeom prst="rect">
             <a:avLst/>
@@ -37475,7 +37449,7 @@
         <p:spPr>
           <a:xfrm>
             <a:off x="897120" y="6886080"/>
-            <a:ext cx="6438240" cy="356040"/>
+            <a:ext cx="6437880" cy="355680"/>
           </a:xfrm>
           <a:prstGeom prst="rect">
             <a:avLst/>
@@ -37533,7 +37507,7 @@
         <p:spPr>
           <a:xfrm>
             <a:off x="2745360" y="3678840"/>
-            <a:ext cx="4797360" cy="2754720"/>
+            <a:ext cx="4797000" cy="2754360"/>
           </a:xfrm>
           <a:prstGeom prst="rect">
             <a:avLst/>
@@ -37582,7 +37556,7 @@
         <p:spPr>
           <a:xfrm>
             <a:off x="360000" y="360000"/>
-            <a:ext cx="9351000" cy="891000"/>
+            <a:ext cx="9350640" cy="890640"/>
           </a:xfrm>
           <a:prstGeom prst="rect">
             <a:avLst/>
@@ -37636,7 +37610,7 @@
         <p:spPr>
           <a:xfrm>
             <a:off x="7608600" y="6886080"/>
-            <a:ext cx="2276280" cy="356040"/>
+            <a:ext cx="2275920" cy="355680"/>
           </a:xfrm>
           <a:prstGeom prst="rect">
             <a:avLst/>
@@ -37690,7 +37664,7 @@
         <p:spPr>
           <a:xfrm>
             <a:off x="897120" y="6886080"/>
-            <a:ext cx="6438240" cy="356040"/>
+            <a:ext cx="6437880" cy="355680"/>
           </a:xfrm>
           <a:prstGeom prst="rect">
             <a:avLst/>
@@ -37748,7 +37722,7 @@
         <p:spPr>
           <a:xfrm>
             <a:off x="2286000" y="2057400"/>
-            <a:ext cx="5256720" cy="3673800"/>
+            <a:ext cx="5256360" cy="3673440"/>
           </a:xfrm>
           <a:prstGeom prst="rect">
             <a:avLst/>
